--- a/Git.pptx
+++ b/Git.pptx
@@ -668,7 +668,7 @@
           <a:p>
             <a:fld id="{552D3C56-8D01-3545-8296-A9435004F636}" type="slidenum">
               <a:rPr lang="en-US" smtClean="0"/>
-              <a:t>17</a:t>
+              <a:t>16</a:t>
             </a:fld>
             <a:endParaRPr lang="en-US"/>
           </a:p>
@@ -677,7 +677,7 @@
     </p:spTree>
     <p:extLst>
       <p:ext uri="{BB962C8B-B14F-4D97-AF65-F5344CB8AC3E}">
-        <p14:creationId xmlns:p14="http://schemas.microsoft.com/office/powerpoint/2010/main" val="4232353781"/>
+        <p14:creationId xmlns:p14="http://schemas.microsoft.com/office/powerpoint/2010/main" val="1185084557"/>
       </p:ext>
     </p:extLst>
   </p:cSld>
@@ -731,10 +731,7 @@
           <a:bodyPr/>
           <a:lstStyle/>
           <a:p>
-            <a:r>
-              <a:rPr lang="en-US" dirty="0"/>
-              <a:t>Note that these are all empty at the moment.</a:t>
-            </a:r>
+            <a:endParaRPr lang="en-US" dirty="0"/>
           </a:p>
         </p:txBody>
       </p:sp>
@@ -755,7 +752,7 @@
           <a:p>
             <a:fld id="{552D3C56-8D01-3545-8296-A9435004F636}" type="slidenum">
               <a:rPr lang="en-US" smtClean="0"/>
-              <a:t>18</a:t>
+              <a:t>17</a:t>
             </a:fld>
             <a:endParaRPr lang="en-US"/>
           </a:p>
@@ -764,7 +761,7 @@
     </p:spTree>
     <p:extLst>
       <p:ext uri="{BB962C8B-B14F-4D97-AF65-F5344CB8AC3E}">
-        <p14:creationId xmlns:p14="http://schemas.microsoft.com/office/powerpoint/2010/main" val="2891615134"/>
+        <p14:creationId xmlns:p14="http://schemas.microsoft.com/office/powerpoint/2010/main" val="4232353781"/>
       </p:ext>
     </p:extLst>
   </p:cSld>
@@ -818,7 +815,10 @@
           <a:bodyPr/>
           <a:lstStyle/>
           <a:p>
-            <a:endParaRPr lang="en-US" dirty="0"/>
+            <a:r>
+              <a:rPr lang="en-US" dirty="0"/>
+              <a:t>Note that these are all empty at the moment.</a:t>
+            </a:r>
           </a:p>
         </p:txBody>
       </p:sp>
@@ -839,7 +839,7 @@
           <a:p>
             <a:fld id="{552D3C56-8D01-3545-8296-A9435004F636}" type="slidenum">
               <a:rPr lang="en-US" smtClean="0"/>
-              <a:t>19</a:t>
+              <a:t>18</a:t>
             </a:fld>
             <a:endParaRPr lang="en-US"/>
           </a:p>
@@ -848,7 +848,7 @@
     </p:spTree>
     <p:extLst>
       <p:ext uri="{BB962C8B-B14F-4D97-AF65-F5344CB8AC3E}">
-        <p14:creationId xmlns:p14="http://schemas.microsoft.com/office/powerpoint/2010/main" val="815550699"/>
+        <p14:creationId xmlns:p14="http://schemas.microsoft.com/office/powerpoint/2010/main" val="2891615134"/>
       </p:ext>
     </p:extLst>
   </p:cSld>
@@ -923,7 +923,7 @@
           <a:p>
             <a:fld id="{552D3C56-8D01-3545-8296-A9435004F636}" type="slidenum">
               <a:rPr lang="en-US" smtClean="0"/>
-              <a:t>20</a:t>
+              <a:t>19</a:t>
             </a:fld>
             <a:endParaRPr lang="en-US"/>
           </a:p>
@@ -932,7 +932,7 @@
     </p:spTree>
     <p:extLst>
       <p:ext uri="{BB962C8B-B14F-4D97-AF65-F5344CB8AC3E}">
-        <p14:creationId xmlns:p14="http://schemas.microsoft.com/office/powerpoint/2010/main" val="4237070248"/>
+        <p14:creationId xmlns:p14="http://schemas.microsoft.com/office/powerpoint/2010/main" val="815550699"/>
       </p:ext>
     </p:extLst>
   </p:cSld>
@@ -1007,7 +1007,7 @@
           <a:p>
             <a:fld id="{552D3C56-8D01-3545-8296-A9435004F636}" type="slidenum">
               <a:rPr lang="en-US" smtClean="0"/>
-              <a:t>21</a:t>
+              <a:t>20</a:t>
             </a:fld>
             <a:endParaRPr lang="en-US"/>
           </a:p>
@@ -1016,7 +1016,7 @@
     </p:spTree>
     <p:extLst>
       <p:ext uri="{BB962C8B-B14F-4D97-AF65-F5344CB8AC3E}">
-        <p14:creationId xmlns:p14="http://schemas.microsoft.com/office/powerpoint/2010/main" val="2698140265"/>
+        <p14:creationId xmlns:p14="http://schemas.microsoft.com/office/powerpoint/2010/main" val="4237070248"/>
       </p:ext>
     </p:extLst>
   </p:cSld>
@@ -1091,7 +1091,7 @@
           <a:p>
             <a:fld id="{552D3C56-8D01-3545-8296-A9435004F636}" type="slidenum">
               <a:rPr lang="en-US" smtClean="0"/>
-              <a:t>23</a:t>
+              <a:t>21</a:t>
             </a:fld>
             <a:endParaRPr lang="en-US"/>
           </a:p>
@@ -1100,7 +1100,7 @@
     </p:spTree>
     <p:extLst>
       <p:ext uri="{BB962C8B-B14F-4D97-AF65-F5344CB8AC3E}">
-        <p14:creationId xmlns:p14="http://schemas.microsoft.com/office/powerpoint/2010/main" val="465727093"/>
+        <p14:creationId xmlns:p14="http://schemas.microsoft.com/office/powerpoint/2010/main" val="2698140265"/>
       </p:ext>
     </p:extLst>
   </p:cSld>
@@ -1175,7 +1175,7 @@
           <a:p>
             <a:fld id="{552D3C56-8D01-3545-8296-A9435004F636}" type="slidenum">
               <a:rPr lang="en-US" smtClean="0"/>
-              <a:t>27</a:t>
+              <a:t>23</a:t>
             </a:fld>
             <a:endParaRPr lang="en-US"/>
           </a:p>
@@ -1184,7 +1184,7 @@
     </p:spTree>
     <p:extLst>
       <p:ext uri="{BB962C8B-B14F-4D97-AF65-F5344CB8AC3E}">
-        <p14:creationId xmlns:p14="http://schemas.microsoft.com/office/powerpoint/2010/main" val="3816798779"/>
+        <p14:creationId xmlns:p14="http://schemas.microsoft.com/office/powerpoint/2010/main" val="465727093"/>
       </p:ext>
     </p:extLst>
   </p:cSld>
@@ -1259,7 +1259,7 @@
           <a:p>
             <a:fld id="{552D3C56-8D01-3545-8296-A9435004F636}" type="slidenum">
               <a:rPr lang="en-US" smtClean="0"/>
-              <a:t>28</a:t>
+              <a:t>27</a:t>
             </a:fld>
             <a:endParaRPr lang="en-US"/>
           </a:p>
@@ -1268,7 +1268,7 @@
     </p:spTree>
     <p:extLst>
       <p:ext uri="{BB962C8B-B14F-4D97-AF65-F5344CB8AC3E}">
-        <p14:creationId xmlns:p14="http://schemas.microsoft.com/office/powerpoint/2010/main" val="3936012221"/>
+        <p14:creationId xmlns:p14="http://schemas.microsoft.com/office/powerpoint/2010/main" val="3816798779"/>
       </p:ext>
     </p:extLst>
   </p:cSld>
@@ -1343,7 +1343,7 @@
           <a:p>
             <a:fld id="{552D3C56-8D01-3545-8296-A9435004F636}" type="slidenum">
               <a:rPr lang="en-US" smtClean="0"/>
-              <a:t>29</a:t>
+              <a:t>28</a:t>
             </a:fld>
             <a:endParaRPr lang="en-US"/>
           </a:p>
@@ -1352,7 +1352,7 @@
     </p:spTree>
     <p:extLst>
       <p:ext uri="{BB962C8B-B14F-4D97-AF65-F5344CB8AC3E}">
-        <p14:creationId xmlns:p14="http://schemas.microsoft.com/office/powerpoint/2010/main" val="4178355129"/>
+        <p14:creationId xmlns:p14="http://schemas.microsoft.com/office/powerpoint/2010/main" val="3936012221"/>
       </p:ext>
     </p:extLst>
   </p:cSld>
@@ -1427,7 +1427,7 @@
           <a:p>
             <a:fld id="{552D3C56-8D01-3545-8296-A9435004F636}" type="slidenum">
               <a:rPr lang="en-US" smtClean="0"/>
-              <a:t>32</a:t>
+              <a:t>29</a:t>
             </a:fld>
             <a:endParaRPr lang="en-US"/>
           </a:p>
@@ -1436,7 +1436,7 @@
     </p:spTree>
     <p:extLst>
       <p:ext uri="{BB962C8B-B14F-4D97-AF65-F5344CB8AC3E}">
-        <p14:creationId xmlns:p14="http://schemas.microsoft.com/office/powerpoint/2010/main" val="271803786"/>
+        <p14:creationId xmlns:p14="http://schemas.microsoft.com/office/powerpoint/2010/main" val="4178355129"/>
       </p:ext>
     </p:extLst>
   </p:cSld>
@@ -1490,7 +1490,7 @@
           <a:bodyPr/>
           <a:lstStyle/>
           <a:p>
-            <a:endParaRPr lang="en-US" dirty="0"/>
+            <a:endParaRPr lang="en-US"/>
           </a:p>
         </p:txBody>
       </p:sp>
@@ -1501,7 +1501,7 @@
             <a:spLocks noGrp="1"/>
           </p:cNvSpPr>
           <p:nvPr>
-            <p:ph type="sldNum" sz="quarter" idx="10"/>
+            <p:ph type="sldNum" sz="quarter" idx="5"/>
           </p:nvPr>
         </p:nvSpPr>
         <p:spPr/>
@@ -1511,7 +1511,7 @@
           <a:p>
             <a:fld id="{552D3C56-8D01-3545-8296-A9435004F636}" type="slidenum">
               <a:rPr lang="en-US" smtClean="0"/>
-              <a:t>5</a:t>
+              <a:t>3</a:t>
             </a:fld>
             <a:endParaRPr lang="en-US"/>
           </a:p>
@@ -1520,7 +1520,7 @@
     </p:spTree>
     <p:extLst>
       <p:ext uri="{BB962C8B-B14F-4D97-AF65-F5344CB8AC3E}">
-        <p14:creationId xmlns:p14="http://schemas.microsoft.com/office/powerpoint/2010/main" val="3940459994"/>
+        <p14:creationId xmlns:p14="http://schemas.microsoft.com/office/powerpoint/2010/main" val="1700374274"/>
       </p:ext>
     </p:extLst>
   </p:cSld>
@@ -1574,10 +1574,7 @@
           <a:bodyPr/>
           <a:lstStyle/>
           <a:p>
-            <a:r>
-              <a:rPr lang="en-US"/>
-              <a:t>But we did need to include a real message!  Otherwise, the vi editor opened up for us!</a:t>
-            </a:r>
+            <a:endParaRPr lang="en-US" dirty="0"/>
           </a:p>
         </p:txBody>
       </p:sp>
@@ -1588,7 +1585,7 @@
             <a:spLocks noGrp="1"/>
           </p:cNvSpPr>
           <p:nvPr>
-            <p:ph type="sldNum" sz="quarter" idx="5"/>
+            <p:ph type="sldNum" sz="quarter" idx="10"/>
           </p:nvPr>
         </p:nvSpPr>
         <p:spPr/>
@@ -1598,7 +1595,7 @@
           <a:p>
             <a:fld id="{552D3C56-8D01-3545-8296-A9435004F636}" type="slidenum">
               <a:rPr lang="en-US" smtClean="0"/>
-              <a:t>33</a:t>
+              <a:t>32</a:t>
             </a:fld>
             <a:endParaRPr lang="en-US"/>
           </a:p>
@@ -1607,7 +1604,7 @@
     </p:spTree>
     <p:extLst>
       <p:ext uri="{BB962C8B-B14F-4D97-AF65-F5344CB8AC3E}">
-        <p14:creationId xmlns:p14="http://schemas.microsoft.com/office/powerpoint/2010/main" val="2674509959"/>
+        <p14:creationId xmlns:p14="http://schemas.microsoft.com/office/powerpoint/2010/main" val="271803786"/>
       </p:ext>
     </p:extLst>
   </p:cSld>
@@ -1661,7 +1658,10 @@
           <a:bodyPr/>
           <a:lstStyle/>
           <a:p>
-            <a:endParaRPr lang="en-US" dirty="0"/>
+            <a:r>
+              <a:rPr lang="en-US"/>
+              <a:t>But we did need to include a real message!  Otherwise, the vi editor opened up for us!</a:t>
+            </a:r>
           </a:p>
         </p:txBody>
       </p:sp>
@@ -1672,7 +1672,7 @@
             <a:spLocks noGrp="1"/>
           </p:cNvSpPr>
           <p:nvPr>
-            <p:ph type="sldNum" sz="quarter" idx="10"/>
+            <p:ph type="sldNum" sz="quarter" idx="5"/>
           </p:nvPr>
         </p:nvSpPr>
         <p:spPr/>
@@ -1682,7 +1682,7 @@
           <a:p>
             <a:fld id="{552D3C56-8D01-3545-8296-A9435004F636}" type="slidenum">
               <a:rPr lang="en-US" smtClean="0"/>
-              <a:t>34</a:t>
+              <a:t>33</a:t>
             </a:fld>
             <a:endParaRPr lang="en-US"/>
           </a:p>
@@ -1691,7 +1691,7 @@
     </p:spTree>
     <p:extLst>
       <p:ext uri="{BB962C8B-B14F-4D97-AF65-F5344CB8AC3E}">
-        <p14:creationId xmlns:p14="http://schemas.microsoft.com/office/powerpoint/2010/main" val="2268258460"/>
+        <p14:creationId xmlns:p14="http://schemas.microsoft.com/office/powerpoint/2010/main" val="2674509959"/>
       </p:ext>
     </p:extLst>
   </p:cSld>
@@ -1766,7 +1766,7 @@
           <a:p>
             <a:fld id="{552D3C56-8D01-3545-8296-A9435004F636}" type="slidenum">
               <a:rPr lang="en-US" smtClean="0"/>
-              <a:t>36</a:t>
+              <a:t>34</a:t>
             </a:fld>
             <a:endParaRPr lang="en-US"/>
           </a:p>
@@ -1775,7 +1775,7 @@
     </p:spTree>
     <p:extLst>
       <p:ext uri="{BB962C8B-B14F-4D97-AF65-F5344CB8AC3E}">
-        <p14:creationId xmlns:p14="http://schemas.microsoft.com/office/powerpoint/2010/main" val="1741460889"/>
+        <p14:creationId xmlns:p14="http://schemas.microsoft.com/office/powerpoint/2010/main" val="2268258460"/>
       </p:ext>
     </p:extLst>
   </p:cSld>
@@ -1850,7 +1850,7 @@
           <a:p>
             <a:fld id="{552D3C56-8D01-3545-8296-A9435004F636}" type="slidenum">
               <a:rPr lang="en-US" smtClean="0"/>
-              <a:t>37</a:t>
+              <a:t>36</a:t>
             </a:fld>
             <a:endParaRPr lang="en-US"/>
           </a:p>
@@ -1859,7 +1859,7 @@
     </p:spTree>
     <p:extLst>
       <p:ext uri="{BB962C8B-B14F-4D97-AF65-F5344CB8AC3E}">
-        <p14:creationId xmlns:p14="http://schemas.microsoft.com/office/powerpoint/2010/main" val="448515820"/>
+        <p14:creationId xmlns:p14="http://schemas.microsoft.com/office/powerpoint/2010/main" val="1741460889"/>
       </p:ext>
     </p:extLst>
   </p:cSld>
@@ -1934,7 +1934,7 @@
           <a:p>
             <a:fld id="{552D3C56-8D01-3545-8296-A9435004F636}" type="slidenum">
               <a:rPr lang="en-US" smtClean="0"/>
-              <a:t>39</a:t>
+              <a:t>37</a:t>
             </a:fld>
             <a:endParaRPr lang="en-US"/>
           </a:p>
@@ -1943,7 +1943,7 @@
     </p:spTree>
     <p:extLst>
       <p:ext uri="{BB962C8B-B14F-4D97-AF65-F5344CB8AC3E}">
-        <p14:creationId xmlns:p14="http://schemas.microsoft.com/office/powerpoint/2010/main" val="3229637161"/>
+        <p14:creationId xmlns:p14="http://schemas.microsoft.com/office/powerpoint/2010/main" val="448515820"/>
       </p:ext>
     </p:extLst>
   </p:cSld>
@@ -2018,6 +2018,90 @@
           <a:p>
             <a:fld id="{552D3C56-8D01-3545-8296-A9435004F636}" type="slidenum">
               <a:rPr lang="en-US" smtClean="0"/>
+              <a:t>39</a:t>
+            </a:fld>
+            <a:endParaRPr lang="en-US"/>
+          </a:p>
+        </p:txBody>
+      </p:sp>
+    </p:spTree>
+    <p:extLst>
+      <p:ext uri="{BB962C8B-B14F-4D97-AF65-F5344CB8AC3E}">
+        <p14:creationId xmlns:p14="http://schemas.microsoft.com/office/powerpoint/2010/main" val="3229637161"/>
+      </p:ext>
+    </p:extLst>
+  </p:cSld>
+  <p:clrMapOvr>
+    <a:masterClrMapping/>
+  </p:clrMapOvr>
+</p:notes>
+</file>
+
+<file path=ppt/notesSlides/notesSlide26.xml><?xml version="1.0" encoding="utf-8"?>
+<p:notes xmlns:a="http://schemas.openxmlformats.org/drawingml/2006/main" xmlns:r="http://schemas.openxmlformats.org/officeDocument/2006/relationships" xmlns:p="http://schemas.openxmlformats.org/presentationml/2006/main">
+  <p:cSld>
+    <p:spTree>
+      <p:nvGrpSpPr>
+        <p:cNvPr id="1" name=""/>
+        <p:cNvGrpSpPr/>
+        <p:nvPr/>
+      </p:nvGrpSpPr>
+      <p:grpSpPr>
+        <a:xfrm>
+          <a:off x="0" y="0"/>
+          <a:ext cx="0" cy="0"/>
+          <a:chOff x="0" y="0"/>
+          <a:chExt cx="0" cy="0"/>
+        </a:xfrm>
+      </p:grpSpPr>
+      <p:sp>
+        <p:nvSpPr>
+          <p:cNvPr id="2" name="Slide Image Placeholder 1"/>
+          <p:cNvSpPr>
+            <a:spLocks noGrp="1" noRot="1" noChangeAspect="1"/>
+          </p:cNvSpPr>
+          <p:nvPr>
+            <p:ph type="sldImg"/>
+          </p:nvPr>
+        </p:nvSpPr>
+        <p:spPr/>
+      </p:sp>
+      <p:sp>
+        <p:nvSpPr>
+          <p:cNvPr id="3" name="Notes Placeholder 2"/>
+          <p:cNvSpPr>
+            <a:spLocks noGrp="1"/>
+          </p:cNvSpPr>
+          <p:nvPr>
+            <p:ph type="body" idx="1"/>
+          </p:nvPr>
+        </p:nvSpPr>
+        <p:spPr/>
+        <p:txBody>
+          <a:bodyPr/>
+          <a:lstStyle/>
+          <a:p>
+            <a:endParaRPr lang="en-US" dirty="0"/>
+          </a:p>
+        </p:txBody>
+      </p:sp>
+      <p:sp>
+        <p:nvSpPr>
+          <p:cNvPr id="4" name="Slide Number Placeholder 3"/>
+          <p:cNvSpPr>
+            <a:spLocks noGrp="1"/>
+          </p:cNvSpPr>
+          <p:nvPr>
+            <p:ph type="sldNum" sz="quarter" idx="10"/>
+          </p:nvPr>
+        </p:nvSpPr>
+        <p:spPr/>
+        <p:txBody>
+          <a:bodyPr/>
+          <a:lstStyle/>
+          <a:p>
+            <a:fld id="{552D3C56-8D01-3545-8296-A9435004F636}" type="slidenum">
+              <a:rPr lang="en-US" smtClean="0"/>
               <a:t>41</a:t>
             </a:fld>
             <a:endParaRPr lang="en-US"/>
@@ -2037,7 +2121,7 @@
 </p:notes>
 </file>
 
-<file path=ppt/notesSlides/notesSlide26.xml><?xml version="1.0" encoding="utf-8"?>
+<file path=ppt/notesSlides/notesSlide27.xml><?xml version="1.0" encoding="utf-8"?>
 <p:notes xmlns:a="http://schemas.openxmlformats.org/drawingml/2006/main" xmlns:r="http://schemas.openxmlformats.org/officeDocument/2006/relationships" xmlns:p="http://schemas.openxmlformats.org/presentationml/2006/main">
   <p:cSld>
     <p:spTree>
@@ -2168,10 +2252,7 @@
           <a:bodyPr/>
           <a:lstStyle/>
           <a:p>
-            <a:r>
-              <a:rPr lang="en-US"/>
-              <a:t>We haven’t built the part on the tropical island yet</a:t>
-            </a:r>
+            <a:endParaRPr lang="en-US" dirty="0"/>
           </a:p>
         </p:txBody>
       </p:sp>
@@ -2182,7 +2263,7 @@
             <a:spLocks noGrp="1"/>
           </p:cNvSpPr>
           <p:nvPr>
-            <p:ph type="sldNum" sz="quarter" idx="5"/>
+            <p:ph type="sldNum" sz="quarter" idx="10"/>
           </p:nvPr>
         </p:nvSpPr>
         <p:spPr/>
@@ -2192,7 +2273,7 @@
           <a:p>
             <a:fld id="{552D3C56-8D01-3545-8296-A9435004F636}" type="slidenum">
               <a:rPr lang="en-US" smtClean="0"/>
-              <a:t>7</a:t>
+              <a:t>5</a:t>
             </a:fld>
             <a:endParaRPr lang="en-US"/>
           </a:p>
@@ -2201,7 +2282,7 @@
     </p:spTree>
     <p:extLst>
       <p:ext uri="{BB962C8B-B14F-4D97-AF65-F5344CB8AC3E}">
-        <p14:creationId xmlns:p14="http://schemas.microsoft.com/office/powerpoint/2010/main" val="4031553286"/>
+        <p14:creationId xmlns:p14="http://schemas.microsoft.com/office/powerpoint/2010/main" val="3940459994"/>
       </p:ext>
     </p:extLst>
   </p:cSld>
@@ -2257,16 +2338,7 @@
           <a:p>
             <a:r>
               <a:rPr lang="en-US"/>
-              <a:t>No one else has access to the code on my machine.</a:t>
-            </a:r>
-          </a:p>
-          <a:p>
-            <a:endParaRPr lang="en-US"/>
-          </a:p>
-          <a:p>
-            <a:r>
-              <a:rPr lang="en-US"/>
-              <a:t>Note that we have not yet told git about the tropical island.  That will be coming later.</a:t>
+              <a:t>We haven’t built the part on the tropical island yet</a:t>
             </a:r>
           </a:p>
         </p:txBody>
@@ -2288,7 +2360,7 @@
           <a:p>
             <a:fld id="{552D3C56-8D01-3545-8296-A9435004F636}" type="slidenum">
               <a:rPr lang="en-US" smtClean="0"/>
-              <a:t>8</a:t>
+              <a:t>7</a:t>
             </a:fld>
             <a:endParaRPr lang="en-US"/>
           </a:p>
@@ -2297,7 +2369,7 @@
     </p:spTree>
     <p:extLst>
       <p:ext uri="{BB962C8B-B14F-4D97-AF65-F5344CB8AC3E}">
-        <p14:creationId xmlns:p14="http://schemas.microsoft.com/office/powerpoint/2010/main" val="1889188926"/>
+        <p14:creationId xmlns:p14="http://schemas.microsoft.com/office/powerpoint/2010/main" val="4031553286"/>
       </p:ext>
     </p:extLst>
   </p:cSld>
@@ -2352,8 +2424,17 @@
           <a:lstStyle/>
           <a:p>
             <a:r>
-              <a:rPr lang="en-US" dirty="0"/>
-              <a:t>When we save our work, it does not go to the staging area or to the local repository!</a:t>
+              <a:rPr lang="en-US"/>
+              <a:t>No one else has access to the code on my machine.</a:t>
+            </a:r>
+          </a:p>
+          <a:p>
+            <a:endParaRPr lang="en-US"/>
+          </a:p>
+          <a:p>
+            <a:r>
+              <a:rPr lang="en-US"/>
+              <a:t>Note that we have not yet told git about the tropical island.  That will be coming later.</a:t>
             </a:r>
           </a:p>
         </p:txBody>
@@ -2365,7 +2446,7 @@
             <a:spLocks noGrp="1"/>
           </p:cNvSpPr>
           <p:nvPr>
-            <p:ph type="sldNum" sz="quarter" idx="10"/>
+            <p:ph type="sldNum" sz="quarter" idx="5"/>
           </p:nvPr>
         </p:nvSpPr>
         <p:spPr/>
@@ -2375,7 +2456,7 @@
           <a:p>
             <a:fld id="{552D3C56-8D01-3545-8296-A9435004F636}" type="slidenum">
               <a:rPr lang="en-US" smtClean="0"/>
-              <a:t>9</a:t>
+              <a:t>8</a:t>
             </a:fld>
             <a:endParaRPr lang="en-US"/>
           </a:p>
@@ -2384,7 +2465,7 @@
     </p:spTree>
     <p:extLst>
       <p:ext uri="{BB962C8B-B14F-4D97-AF65-F5344CB8AC3E}">
-        <p14:creationId xmlns:p14="http://schemas.microsoft.com/office/powerpoint/2010/main" val="3480653068"/>
+        <p14:creationId xmlns:p14="http://schemas.microsoft.com/office/powerpoint/2010/main" val="1889188926"/>
       </p:ext>
     </p:extLst>
   </p:cSld>
@@ -2439,8 +2520,8 @@
           <a:lstStyle/>
           <a:p>
             <a:r>
-              <a:rPr lang="en-US"/>
-              <a:t>Customer1 is on my local machine, in the working tree.  There are no copies of it anywhere else</a:t>
+              <a:rPr lang="en-US" dirty="0"/>
+              <a:t>When we save our work, it does not go to the staging area or to the local repository!</a:t>
             </a:r>
           </a:p>
         </p:txBody>
@@ -2452,7 +2533,7 @@
             <a:spLocks noGrp="1"/>
           </p:cNvSpPr>
           <p:nvPr>
-            <p:ph type="sldNum" sz="quarter" idx="5"/>
+            <p:ph type="sldNum" sz="quarter" idx="10"/>
           </p:nvPr>
         </p:nvSpPr>
         <p:spPr/>
@@ -2462,7 +2543,7 @@
           <a:p>
             <a:fld id="{552D3C56-8D01-3545-8296-A9435004F636}" type="slidenum">
               <a:rPr lang="en-US" smtClean="0"/>
-              <a:t>11</a:t>
+              <a:t>9</a:t>
             </a:fld>
             <a:endParaRPr lang="en-US"/>
           </a:p>
@@ -2471,7 +2552,7 @@
     </p:spTree>
     <p:extLst>
       <p:ext uri="{BB962C8B-B14F-4D97-AF65-F5344CB8AC3E}">
-        <p14:creationId xmlns:p14="http://schemas.microsoft.com/office/powerpoint/2010/main" val="2793967480"/>
+        <p14:creationId xmlns:p14="http://schemas.microsoft.com/office/powerpoint/2010/main" val="3480653068"/>
       </p:ext>
     </p:extLst>
   </p:cSld>
@@ -2526,56 +2607,9 @@
           <a:lstStyle/>
           <a:p>
             <a:r>
-              <a:rPr lang="en-US" dirty="0"/>
-              <a:t>Syntax notes</a:t>
-            </a:r>
-          </a:p>
-          <a:p>
-            <a:r>
-              <a:rPr lang="en-US" dirty="0"/>
-              <a:t>We specifically identified the file to be added by using this command:</a:t>
-            </a:r>
-          </a:p>
-          <a:p>
-            <a:r>
-              <a:rPr lang="en-US" dirty="0"/>
-              <a:t>	git add Customer1.txt</a:t>
-            </a:r>
-          </a:p>
-          <a:p>
-            <a:endParaRPr lang="en-US"/>
-          </a:p>
-          <a:p>
-            <a:r>
               <a:rPr lang="en-US"/>
-              <a:t>We can add all of the files in the working tree to the stagine area wh the command:</a:t>
-            </a:r>
-          </a:p>
-          <a:p>
-            <a:pPr marL="0" marR="0" lvl="0" indent="0" algn="l" defTabSz="914400" rtl="0" eaLnBrk="1" fontAlgn="auto" latinLnBrk="0" hangingPunct="1">
-              <a:lnSpc>
-                <a:spcPct val="100000"/>
-              </a:lnSpc>
-              <a:spcBef>
-                <a:spcPts val="0"/>
-              </a:spcBef>
-              <a:spcAft>
-                <a:spcPts val="0"/>
-              </a:spcAft>
-              <a:buClrTx/>
-              <a:buSzTx/>
-              <a:buFontTx/>
-              <a:buNone/>
-              <a:tabLst/>
-              <a:defRPr/>
-            </a:pPr>
-            <a:r>
-              <a:rPr lang="en-US"/>
-              <a:t>	git add .</a:t>
-            </a:r>
-          </a:p>
-          <a:p>
-            <a:endParaRPr lang="en-US" dirty="0"/>
+              <a:t>Customer1 is on my local machine, in the working tree.  There are no copies of it anywhere else</a:t>
+            </a:r>
           </a:p>
         </p:txBody>
       </p:sp>
@@ -2586,7 +2620,7 @@
             <a:spLocks noGrp="1"/>
           </p:cNvSpPr>
           <p:nvPr>
-            <p:ph type="sldNum" sz="quarter" idx="10"/>
+            <p:ph type="sldNum" sz="quarter" idx="5"/>
           </p:nvPr>
         </p:nvSpPr>
         <p:spPr/>
@@ -2596,7 +2630,7 @@
           <a:p>
             <a:fld id="{552D3C56-8D01-3545-8296-A9435004F636}" type="slidenum">
               <a:rPr lang="en-US" smtClean="0"/>
-              <a:t>13</a:t>
+              <a:t>11</a:t>
             </a:fld>
             <a:endParaRPr lang="en-US"/>
           </a:p>
@@ -2605,7 +2639,7 @@
     </p:spTree>
     <p:extLst>
       <p:ext uri="{BB962C8B-B14F-4D97-AF65-F5344CB8AC3E}">
-        <p14:creationId xmlns:p14="http://schemas.microsoft.com/office/powerpoint/2010/main" val="1319652293"/>
+        <p14:creationId xmlns:p14="http://schemas.microsoft.com/office/powerpoint/2010/main" val="2793967480"/>
       </p:ext>
     </p:extLst>
   </p:cSld>
@@ -2661,39 +2695,54 @@
           <a:p>
             <a:r>
               <a:rPr lang="en-US" dirty="0"/>
-              <a:t>Go over the –m </a:t>
-            </a:r>
+              <a:t>Syntax notes</a:t>
+            </a:r>
+          </a:p>
+          <a:p>
+            <a:r>
+              <a:rPr lang="en-US" dirty="0"/>
+              <a:t>We specifically identified the file to be added by using this command:</a:t>
+            </a:r>
+          </a:p>
+          <a:p>
+            <a:r>
+              <a:rPr lang="en-US" dirty="0"/>
+              <a:t>	git add Customer1.txt</a:t>
+            </a:r>
+          </a:p>
+          <a:p>
+            <a:endParaRPr lang="en-US"/>
+          </a:p>
+          <a:p>
             <a:r>
               <a:rPr lang="en-US"/>
-              <a:t>syntax here</a:t>
-            </a:r>
-          </a:p>
-          <a:p>
-            <a:endParaRPr lang="en-US"/>
-          </a:p>
-          <a:p>
+              <a:t>We can add all of the files in the working tree to the stagine area wh the command:</a:t>
+            </a:r>
+          </a:p>
+          <a:p>
+            <a:pPr marL="0" marR="0" lvl="0" indent="0" algn="l" defTabSz="914400" rtl="0" eaLnBrk="1" fontAlgn="auto" latinLnBrk="0" hangingPunct="1">
+              <a:lnSpc>
+                <a:spcPct val="100000"/>
+              </a:lnSpc>
+              <a:spcBef>
+                <a:spcPts val="0"/>
+              </a:spcBef>
+              <a:spcAft>
+                <a:spcPts val="0"/>
+              </a:spcAft>
+              <a:buClrTx/>
+              <a:buSzTx/>
+              <a:buFontTx/>
+              <a:buNone/>
+              <a:tabLst/>
+              <a:defRPr/>
+            </a:pPr>
             <a:r>
               <a:rPr lang="en-US"/>
-              <a:t>It is a good idea to add a message to the commit command describing the changes.</a:t>
-            </a:r>
-          </a:p>
-          <a:p>
-            <a:endParaRPr lang="en-US"/>
-          </a:p>
-          <a:p>
-            <a:r>
-              <a:rPr lang="en-US"/>
-              <a:t>If you don’t use the –m, git will assume you really wanted to but just forgot.  It will open a vi editor for you to type your message.</a:t>
-            </a:r>
-          </a:p>
-          <a:p>
-            <a:endParaRPr lang="en-US"/>
-          </a:p>
-          <a:p>
-            <a:r>
-              <a:rPr lang="en-US"/>
-              <a:t>Do you know how to close a vi editor?  If not, then don’t foget the –m and to include a message!</a:t>
-            </a:r>
+              <a:t>	git add .</a:t>
+            </a:r>
+          </a:p>
+          <a:p>
             <a:endParaRPr lang="en-US" dirty="0"/>
           </a:p>
         </p:txBody>
@@ -2715,7 +2764,7 @@
           <a:p>
             <a:fld id="{552D3C56-8D01-3545-8296-A9435004F636}" type="slidenum">
               <a:rPr lang="en-US" smtClean="0"/>
-              <a:t>15</a:t>
+              <a:t>13</a:t>
             </a:fld>
             <a:endParaRPr lang="en-US"/>
           </a:p>
@@ -2724,7 +2773,7 @@
     </p:spTree>
     <p:extLst>
       <p:ext uri="{BB962C8B-B14F-4D97-AF65-F5344CB8AC3E}">
-        <p14:creationId xmlns:p14="http://schemas.microsoft.com/office/powerpoint/2010/main" val="1377478283"/>
+        <p14:creationId xmlns:p14="http://schemas.microsoft.com/office/powerpoint/2010/main" val="1319652293"/>
       </p:ext>
     </p:extLst>
   </p:cSld>
@@ -2778,6 +2827,41 @@
           <a:bodyPr/>
           <a:lstStyle/>
           <a:p>
+            <a:r>
+              <a:rPr lang="en-US" dirty="0"/>
+              <a:t>Go over the –m </a:t>
+            </a:r>
+            <a:r>
+              <a:rPr lang="en-US"/>
+              <a:t>syntax here</a:t>
+            </a:r>
+          </a:p>
+          <a:p>
+            <a:endParaRPr lang="en-US"/>
+          </a:p>
+          <a:p>
+            <a:r>
+              <a:rPr lang="en-US"/>
+              <a:t>It is a good idea to add a message to the commit command describing the changes.</a:t>
+            </a:r>
+          </a:p>
+          <a:p>
+            <a:endParaRPr lang="en-US"/>
+          </a:p>
+          <a:p>
+            <a:r>
+              <a:rPr lang="en-US"/>
+              <a:t>If you don’t use the –m, git will assume you really wanted to but just forgot.  It will open a vi editor for you to type your message.</a:t>
+            </a:r>
+          </a:p>
+          <a:p>
+            <a:endParaRPr lang="en-US"/>
+          </a:p>
+          <a:p>
+            <a:r>
+              <a:rPr lang="en-US"/>
+              <a:t>Do you know how to close a vi editor?  If not, then don’t foget the –m and to include a message!</a:t>
+            </a:r>
             <a:endParaRPr lang="en-US" dirty="0"/>
           </a:p>
         </p:txBody>
@@ -2799,7 +2883,7 @@
           <a:p>
             <a:fld id="{552D3C56-8D01-3545-8296-A9435004F636}" type="slidenum">
               <a:rPr lang="en-US" smtClean="0"/>
-              <a:t>16</a:t>
+              <a:t>15</a:t>
             </a:fld>
             <a:endParaRPr lang="en-US"/>
           </a:p>
@@ -2808,7 +2892,7 @@
     </p:spTree>
     <p:extLst>
       <p:ext uri="{BB962C8B-B14F-4D97-AF65-F5344CB8AC3E}">
-        <p14:creationId xmlns:p14="http://schemas.microsoft.com/office/powerpoint/2010/main" val="1185084557"/>
+        <p14:creationId xmlns:p14="http://schemas.microsoft.com/office/powerpoint/2010/main" val="1377478283"/>
       </p:ext>
     </p:extLst>
   </p:cSld>
@@ -2944,35 +3028,6 @@
       </p:sp>
       <p:sp>
         <p:nvSpPr>
-          <p:cNvPr id="4" name="Date Placeholder 3">
-            <a:extLst>
-              <a:ext uri="{FF2B5EF4-FFF2-40B4-BE49-F238E27FC236}">
-                <a16:creationId xmlns:a16="http://schemas.microsoft.com/office/drawing/2014/main" id="{BA5551F4-6F06-A941-A279-26A702BCBF19}"/>
-              </a:ext>
-            </a:extLst>
-          </p:cNvPr>
-          <p:cNvSpPr>
-            <a:spLocks noGrp="1"/>
-          </p:cNvSpPr>
-          <p:nvPr>
-            <p:ph type="dt" sz="half" idx="10"/>
-          </p:nvPr>
-        </p:nvSpPr>
-        <p:spPr/>
-        <p:txBody>
-          <a:bodyPr/>
-          <a:lstStyle/>
-          <a:p>
-            <a:fld id="{97582E99-9980-004E-894D-FB2DAC7C0884}" type="datetimeFigureOut">
-              <a:rPr lang="en-US" smtClean="0"/>
-              <a:t>8/11/2021</a:t>
-            </a:fld>
-            <a:endParaRPr lang="en-US"/>
-          </a:p>
-        </p:txBody>
-      </p:sp>
-      <p:sp>
-        <p:nvSpPr>
           <p:cNvPr id="5" name="Footer Placeholder 4">
             <a:extLst>
               <a:ext uri="{FF2B5EF4-FFF2-40B4-BE49-F238E27FC236}">
@@ -2987,12 +3042,20 @@
             <p:ph type="ftr" sz="quarter" idx="11"/>
           </p:nvPr>
         </p:nvSpPr>
-        <p:spPr/>
+        <p:spPr>
+          <a:xfrm>
+            <a:off x="182592" y="6356350"/>
+            <a:ext cx="2620993" cy="365125"/>
+          </a:xfrm>
+        </p:spPr>
         <p:txBody>
           <a:bodyPr/>
           <a:lstStyle/>
           <a:p>
-            <a:endParaRPr lang="en-US"/>
+            <a:r>
+              <a:rPr lang="en-US"/>
+              <a:t>© 2021 Fairfield &amp; Company</a:t>
+            </a:r>
           </a:p>
         </p:txBody>
       </p:sp>
@@ -3161,7 +3224,7 @@
           <a:bodyPr/>
           <a:lstStyle/>
           <a:p>
-            <a:fld id="{97582E99-9980-004E-894D-FB2DAC7C0884}" type="datetimeFigureOut">
+            <a:fld id="{B8BB289F-6F3C-44A1-9215-EEDBF3FE82ED}" type="datetime1">
               <a:rPr lang="en-US" smtClean="0"/>
               <a:t>8/11/2021</a:t>
             </a:fld>
@@ -3190,7 +3253,10 @@
           <a:bodyPr/>
           <a:lstStyle/>
           <a:p>
-            <a:endParaRPr lang="en-US"/>
+            <a:r>
+              <a:rPr lang="en-US"/>
+              <a:t>© 2021 Fairfield &amp; Company</a:t>
+            </a:r>
           </a:p>
         </p:txBody>
       </p:sp>
@@ -3369,7 +3435,7 @@
           <a:bodyPr/>
           <a:lstStyle/>
           <a:p>
-            <a:fld id="{97582E99-9980-004E-894D-FB2DAC7C0884}" type="datetimeFigureOut">
+            <a:fld id="{9636A90E-6BEB-4570-920A-013831ACDAA6}" type="datetime1">
               <a:rPr lang="en-US" smtClean="0"/>
               <a:t>8/11/2021</a:t>
             </a:fld>
@@ -3398,7 +3464,10 @@
           <a:bodyPr/>
           <a:lstStyle/>
           <a:p>
-            <a:endParaRPr lang="en-US"/>
+            <a:r>
+              <a:rPr lang="en-US"/>
+              <a:t>© 2021 Fairfield &amp; Company</a:t>
+            </a:r>
           </a:p>
         </p:txBody>
       </p:sp>
@@ -3567,7 +3636,7 @@
           <a:bodyPr/>
           <a:lstStyle/>
           <a:p>
-            <a:fld id="{97582E99-9980-004E-894D-FB2DAC7C0884}" type="datetimeFigureOut">
+            <a:fld id="{F6AEC437-EDB9-4063-89BA-240E6C311F90}" type="datetime1">
               <a:rPr lang="en-US" smtClean="0"/>
               <a:t>8/11/2021</a:t>
             </a:fld>
@@ -3596,7 +3665,10 @@
           <a:bodyPr/>
           <a:lstStyle/>
           <a:p>
-            <a:endParaRPr lang="en-US"/>
+            <a:r>
+              <a:rPr lang="en-US"/>
+              <a:t>© 2021 Fairfield &amp; Company</a:t>
+            </a:r>
           </a:p>
         </p:txBody>
       </p:sp>
@@ -3842,7 +3914,7 @@
           <a:bodyPr/>
           <a:lstStyle/>
           <a:p>
-            <a:fld id="{97582E99-9980-004E-894D-FB2DAC7C0884}" type="datetimeFigureOut">
+            <a:fld id="{EBA524EA-33CB-40BA-A8AC-E9F9AFE44CD6}" type="datetime1">
               <a:rPr lang="en-US" smtClean="0"/>
               <a:t>8/11/2021</a:t>
             </a:fld>
@@ -3871,7 +3943,10 @@
           <a:bodyPr/>
           <a:lstStyle/>
           <a:p>
-            <a:endParaRPr lang="en-US"/>
+            <a:r>
+              <a:rPr lang="en-US"/>
+              <a:t>© 2021 Fairfield &amp; Company</a:t>
+            </a:r>
           </a:p>
         </p:txBody>
       </p:sp>
@@ -4107,7 +4182,10 @@
           <a:bodyPr/>
           <a:lstStyle/>
           <a:p>
-            <a:endParaRPr lang="en-US"/>
+            <a:r>
+              <a:rPr lang="en-US"/>
+              <a:t>© 2021 Fairfield &amp; Company</a:t>
+            </a:r>
           </a:p>
         </p:txBody>
       </p:sp>
@@ -4490,7 +4568,7 @@
           <a:bodyPr/>
           <a:lstStyle/>
           <a:p>
-            <a:fld id="{97582E99-9980-004E-894D-FB2DAC7C0884}" type="datetimeFigureOut">
+            <a:fld id="{A044758A-2F4B-436C-93C0-A054D25984E1}" type="datetime1">
               <a:rPr lang="en-US" smtClean="0"/>
               <a:t>8/11/2021</a:t>
             </a:fld>
@@ -4519,7 +4597,10 @@
           <a:bodyPr/>
           <a:lstStyle/>
           <a:p>
-            <a:endParaRPr lang="en-US"/>
+            <a:r>
+              <a:rPr lang="en-US"/>
+              <a:t>© 2021 Fairfield &amp; Company</a:t>
+            </a:r>
           </a:p>
         </p:txBody>
       </p:sp>
@@ -4631,7 +4712,7 @@
           <a:bodyPr/>
           <a:lstStyle/>
           <a:p>
-            <a:fld id="{97582E99-9980-004E-894D-FB2DAC7C0884}" type="datetimeFigureOut">
+            <a:fld id="{19282E44-CC2F-496C-9C21-7AF5A9735ADF}" type="datetime1">
               <a:rPr lang="en-US" smtClean="0"/>
               <a:t>8/11/2021</a:t>
             </a:fld>
@@ -4660,7 +4741,10 @@
           <a:bodyPr/>
           <a:lstStyle/>
           <a:p>
-            <a:endParaRPr lang="en-US"/>
+            <a:r>
+              <a:rPr lang="en-US"/>
+              <a:t>© 2021 Fairfield &amp; Company</a:t>
+            </a:r>
           </a:p>
         </p:txBody>
       </p:sp>
@@ -4744,7 +4828,7 @@
           <a:bodyPr/>
           <a:lstStyle/>
           <a:p>
-            <a:fld id="{97582E99-9980-004E-894D-FB2DAC7C0884}" type="datetimeFigureOut">
+            <a:fld id="{7B0A5099-D283-4EA7-899E-BCE0FE73A2B5}" type="datetime1">
               <a:rPr lang="en-US" smtClean="0"/>
               <a:t>8/11/2021</a:t>
             </a:fld>
@@ -4773,7 +4857,10 @@
           <a:bodyPr/>
           <a:lstStyle/>
           <a:p>
-            <a:endParaRPr lang="en-US"/>
+            <a:r>
+              <a:rPr lang="en-US"/>
+              <a:t>© 2021 Fairfield &amp; Company</a:t>
+            </a:r>
           </a:p>
         </p:txBody>
       </p:sp>
@@ -5055,7 +5142,7 @@
           <a:bodyPr/>
           <a:lstStyle/>
           <a:p>
-            <a:fld id="{97582E99-9980-004E-894D-FB2DAC7C0884}" type="datetimeFigureOut">
+            <a:fld id="{EECA9E28-A5EB-4225-97A7-11FE56F4B87D}" type="datetime1">
               <a:rPr lang="en-US" smtClean="0"/>
               <a:t>8/11/2021</a:t>
             </a:fld>
@@ -5084,7 +5171,10 @@
           <a:bodyPr/>
           <a:lstStyle/>
           <a:p>
-            <a:endParaRPr lang="en-US"/>
+            <a:r>
+              <a:rPr lang="en-US"/>
+              <a:t>© 2021 Fairfield &amp; Company</a:t>
+            </a:r>
           </a:p>
         </p:txBody>
       </p:sp>
@@ -5343,7 +5433,7 @@
           <a:bodyPr/>
           <a:lstStyle/>
           <a:p>
-            <a:fld id="{97582E99-9980-004E-894D-FB2DAC7C0884}" type="datetimeFigureOut">
+            <a:fld id="{49CE127B-E278-42C2-BD17-87C2A394B20C}" type="datetime1">
               <a:rPr lang="en-US" smtClean="0"/>
               <a:t>8/11/2021</a:t>
             </a:fld>
@@ -5372,7 +5462,10 @@
           <a:bodyPr/>
           <a:lstStyle/>
           <a:p>
-            <a:endParaRPr lang="en-US"/>
+            <a:r>
+              <a:rPr lang="en-US"/>
+              <a:t>© 2021 Fairfield &amp; Company</a:t>
+            </a:r>
           </a:p>
         </p:txBody>
       </p:sp>
@@ -5584,7 +5677,7 @@
             </a:lvl1pPr>
           </a:lstStyle>
           <a:p>
-            <a:fld id="{97582E99-9980-004E-894D-FB2DAC7C0884}" type="datetimeFigureOut">
+            <a:fld id="{F546E2B4-0578-45EA-B0AC-BC5E7EC4B1D7}" type="datetime1">
               <a:rPr lang="en-US" smtClean="0"/>
               <a:t>8/11/2021</a:t>
             </a:fld>
@@ -5631,7 +5724,10 @@
             </a:lvl1pPr>
           </a:lstStyle>
           <a:p>
-            <a:endParaRPr lang="en-US"/>
+            <a:r>
+              <a:rPr lang="en-US"/>
+              <a:t>© 2021 Fairfield &amp; Company</a:t>
+            </a:r>
           </a:p>
         </p:txBody>
       </p:sp>
@@ -5703,6 +5799,7 @@
     <p:sldLayoutId id="2147483658" r:id="rId10"/>
     <p:sldLayoutId id="2147483659" r:id="rId11"/>
   </p:sldLayoutIdLst>
+  <p:hf sldNum="0" hdr="0" dt="0"/>
   <p:txStyles>
     <p:titleStyle>
       <a:lvl1pPr algn="l" defTabSz="914400" rtl="0" eaLnBrk="1" latinLnBrk="0" hangingPunct="1">
@@ -6059,6 +6156,75 @@
           </a:p>
         </p:txBody>
       </p:sp>
+      <p:sp>
+        <p:nvSpPr>
+          <p:cNvPr id="4" name="TextBox 3">
+            <a:extLst>
+              <a:ext uri="{FF2B5EF4-FFF2-40B4-BE49-F238E27FC236}">
+                <a16:creationId xmlns:a16="http://schemas.microsoft.com/office/drawing/2014/main" id="{0C2BEDC2-C729-462A-B31E-316839138B4D}"/>
+              </a:ext>
+            </a:extLst>
+          </p:cNvPr>
+          <p:cNvSpPr txBox="1"/>
+          <p:nvPr/>
+        </p:nvSpPr>
+        <p:spPr>
+          <a:xfrm>
+            <a:off x="9236057" y="5933173"/>
+            <a:ext cx="2641096" cy="646331"/>
+          </a:xfrm>
+          <a:prstGeom prst="rect">
+            <a:avLst/>
+          </a:prstGeom>
+          <a:noFill/>
+        </p:spPr>
+        <p:txBody>
+          <a:bodyPr wrap="square" rtlCol="0">
+            <a:spAutoFit/>
+          </a:bodyPr>
+          <a:lstStyle/>
+          <a:p>
+            <a:r>
+              <a:rPr lang="en-US"/>
+              <a:t>Bill Fairfield CSP-D, REP</a:t>
+            </a:r>
+          </a:p>
+          <a:p>
+            <a:r>
+              <a:rPr lang="en-US"/>
+              <a:t>bill@fairfieldco.com</a:t>
+            </a:r>
+          </a:p>
+        </p:txBody>
+      </p:sp>
+      <p:sp>
+        <p:nvSpPr>
+          <p:cNvPr id="5" name="Footer Placeholder 4">
+            <a:extLst>
+              <a:ext uri="{FF2B5EF4-FFF2-40B4-BE49-F238E27FC236}">
+                <a16:creationId xmlns:a16="http://schemas.microsoft.com/office/drawing/2014/main" id="{584152D8-61A7-4945-9169-0729FBE2A806}"/>
+              </a:ext>
+            </a:extLst>
+          </p:cNvPr>
+          <p:cNvSpPr>
+            <a:spLocks noGrp="1"/>
+          </p:cNvSpPr>
+          <p:nvPr>
+            <p:ph type="ftr" sz="quarter" idx="11"/>
+          </p:nvPr>
+        </p:nvSpPr>
+        <p:spPr/>
+        <p:txBody>
+          <a:bodyPr/>
+          <a:lstStyle/>
+          <a:p>
+            <a:r>
+              <a:rPr lang="en-US"/>
+              <a:t>© 2021 Fairfield &amp; Company</a:t>
+            </a:r>
+          </a:p>
+        </p:txBody>
+      </p:sp>
     </p:spTree>
     <p:extLst>
       <p:ext uri="{BB962C8B-B14F-4D97-AF65-F5344CB8AC3E}">
@@ -6075,6 +6241,21 @@
 <file path=ppt/slides/slide10.xml><?xml version="1.0" encoding="utf-8"?>
 <p:sld xmlns:a="http://schemas.openxmlformats.org/drawingml/2006/main" xmlns:r="http://schemas.openxmlformats.org/officeDocument/2006/relationships" xmlns:p="http://schemas.openxmlformats.org/presentationml/2006/main">
   <p:cSld>
+    <p:bg>
+      <p:bgPr>
+        <a:blipFill dpi="0" rotWithShape="1">
+          <a:blip r:embed="rId2">
+            <a:alphaModFix amt="20000"/>
+            <a:lum/>
+          </a:blip>
+          <a:srcRect/>
+          <a:stretch>
+            <a:fillRect t="-10000" b="-10000"/>
+          </a:stretch>
+        </a:blipFill>
+        <a:effectLst/>
+      </p:bgPr>
+    </p:bg>
     <p:spTree>
       <p:nvGrpSpPr>
         <p:cNvPr id="1" name=""/>
@@ -6111,9 +6292,10 @@
           <a:lstStyle/>
           <a:p>
             <a:r>
-              <a:rPr lang="en-US" dirty="0"/>
+              <a:rPr lang="en-US"/>
               <a:t>The Working Area</a:t>
             </a:r>
+            <a:endParaRPr lang="en-US" dirty="0"/>
           </a:p>
         </p:txBody>
       </p:sp>
@@ -6134,7 +6316,7 @@
           </p:nvPr>
         </p:nvPicPr>
         <p:blipFill>
-          <a:blip r:embed="rId2"/>
+          <a:blip r:embed="rId3"/>
           <a:stretch>
             <a:fillRect/>
           </a:stretch>
@@ -6175,7 +6357,7 @@
           <a:lstStyle/>
           <a:p>
             <a:r>
-              <a:rPr lang="en-US" sz="2400" dirty="0">
+              <a:rPr lang="en-US" sz="2400">
                 <a:solidFill>
                   <a:schemeClr val="accent1">
                     <a:lumMod val="75000"/>
@@ -6186,6 +6368,25 @@
             </a:r>
           </a:p>
           <a:p>
+            <a:endParaRPr lang="en-US" sz="2400">
+              <a:solidFill>
+                <a:schemeClr val="accent1">
+                  <a:lumMod val="75000"/>
+                </a:schemeClr>
+              </a:solidFill>
+            </a:endParaRPr>
+          </a:p>
+          <a:p>
+            <a:r>
+              <a:rPr lang="en-US" sz="2400">
+                <a:solidFill>
+                  <a:schemeClr val="accent1">
+                    <a:lumMod val="75000"/>
+                  </a:schemeClr>
+                </a:solidFill>
+              </a:rPr>
+              <a:t>Save the file</a:t>
+            </a:r>
             <a:endParaRPr lang="en-US" sz="2400" dirty="0">
               <a:solidFill>
                 <a:schemeClr val="accent1">
@@ -6194,16 +6395,54 @@
               </a:solidFill>
             </a:endParaRPr>
           </a:p>
-          <a:p>
-            <a:r>
-              <a:rPr lang="en-US" sz="2400" dirty="0">
+        </p:txBody>
+      </p:sp>
+      <p:sp>
+        <p:nvSpPr>
+          <p:cNvPr id="8" name="Footer Placeholder 3">
+            <a:extLst>
+              <a:ext uri="{FF2B5EF4-FFF2-40B4-BE49-F238E27FC236}">
+                <a16:creationId xmlns:a16="http://schemas.microsoft.com/office/drawing/2014/main" id="{B3194D8D-AB7C-47B2-9614-621AF997C5B1}"/>
+              </a:ext>
+            </a:extLst>
+          </p:cNvPr>
+          <p:cNvSpPr>
+            <a:spLocks noGrp="1"/>
+          </p:cNvSpPr>
+          <p:nvPr>
+            <p:ph type="ftr" sz="quarter" idx="11"/>
+          </p:nvPr>
+        </p:nvSpPr>
+        <p:spPr>
+          <a:xfrm>
+            <a:off x="86698" y="6492875"/>
+            <a:ext cx="1827092" cy="320040"/>
+          </a:xfrm>
+        </p:spPr>
+        <p:txBody>
+          <a:bodyPr vert="horz" lIns="91440" tIns="45720" rIns="91440" bIns="45720" rtlCol="0" anchor="ctr">
+            <a:normAutofit/>
+          </a:bodyPr>
+          <a:lstStyle/>
+          <a:p>
+            <a:pPr algn="l">
+              <a:spcAft>
+                <a:spcPts val="600"/>
+              </a:spcAft>
+              <a:defRPr/>
+            </a:pPr>
+            <a:r>
+              <a:rPr lang="en-US" sz="1000" kern="1200">
                 <a:solidFill>
-                  <a:schemeClr val="accent1">
-                    <a:lumMod val="75000"/>
+                  <a:schemeClr val="tx1">
+                    <a:tint val="75000"/>
                   </a:schemeClr>
                 </a:solidFill>
+                <a:latin typeface="+mn-lt"/>
+                <a:ea typeface="+mn-ea"/>
+                <a:cs typeface="+mn-cs"/>
               </a:rPr>
-              <a:t>Save the file</a:t>
+              <a:t>© 2021 Fairfield &amp; Company</a:t>
             </a:r>
           </a:p>
         </p:txBody>
@@ -6224,6 +6463,21 @@
 <file path=ppt/slides/slide11.xml><?xml version="1.0" encoding="utf-8"?>
 <p:sld xmlns:a="http://schemas.openxmlformats.org/drawingml/2006/main" xmlns:r="http://schemas.openxmlformats.org/officeDocument/2006/relationships" xmlns:p="http://schemas.openxmlformats.org/presentationml/2006/main">
   <p:cSld>
+    <p:bg>
+      <p:bgPr>
+        <a:blipFill dpi="0" rotWithShape="1">
+          <a:blip r:embed="rId3">
+            <a:alphaModFix amt="20000"/>
+            <a:lum/>
+          </a:blip>
+          <a:srcRect/>
+          <a:stretch>
+            <a:fillRect t="-10000" b="-10000"/>
+          </a:stretch>
+        </a:blipFill>
+        <a:effectLst/>
+      </p:bgPr>
+    </p:bg>
     <p:spTree>
       <p:nvGrpSpPr>
         <p:cNvPr id="1" name=""/>
@@ -6763,6 +7017,56 @@
           </a:p>
         </p:txBody>
       </p:sp>
+      <p:sp>
+        <p:nvSpPr>
+          <p:cNvPr id="14" name="Footer Placeholder 3">
+            <a:extLst>
+              <a:ext uri="{FF2B5EF4-FFF2-40B4-BE49-F238E27FC236}">
+                <a16:creationId xmlns:a16="http://schemas.microsoft.com/office/drawing/2014/main" id="{3DC64EE3-D6ED-41F3-B1AE-255AC129111C}"/>
+              </a:ext>
+            </a:extLst>
+          </p:cNvPr>
+          <p:cNvSpPr>
+            <a:spLocks noGrp="1"/>
+          </p:cNvSpPr>
+          <p:nvPr>
+            <p:ph type="ftr" sz="quarter" idx="11"/>
+          </p:nvPr>
+        </p:nvSpPr>
+        <p:spPr>
+          <a:xfrm>
+            <a:off x="86698" y="6492875"/>
+            <a:ext cx="1827092" cy="320040"/>
+          </a:xfrm>
+        </p:spPr>
+        <p:txBody>
+          <a:bodyPr vert="horz" lIns="91440" tIns="45720" rIns="91440" bIns="45720" rtlCol="0" anchor="ctr">
+            <a:normAutofit/>
+          </a:bodyPr>
+          <a:lstStyle/>
+          <a:p>
+            <a:pPr algn="l">
+              <a:spcAft>
+                <a:spcPts val="600"/>
+              </a:spcAft>
+              <a:defRPr/>
+            </a:pPr>
+            <a:r>
+              <a:rPr lang="en-US" sz="1000" kern="1200">
+                <a:solidFill>
+                  <a:schemeClr val="tx1">
+                    <a:tint val="75000"/>
+                  </a:schemeClr>
+                </a:solidFill>
+                <a:latin typeface="+mn-lt"/>
+                <a:ea typeface="+mn-ea"/>
+                <a:cs typeface="+mn-cs"/>
+              </a:rPr>
+              <a:t>© 2021 Fairfield &amp; Company</a:t>
+            </a:r>
+          </a:p>
+        </p:txBody>
+      </p:sp>
     </p:spTree>
     <p:extLst>
       <p:ext uri="{BB962C8B-B14F-4D97-AF65-F5344CB8AC3E}">
@@ -6779,6 +7083,21 @@
 <file path=ppt/slides/slide12.xml><?xml version="1.0" encoding="utf-8"?>
 <p:sld xmlns:a="http://schemas.openxmlformats.org/drawingml/2006/main" xmlns:r="http://schemas.openxmlformats.org/officeDocument/2006/relationships" xmlns:p="http://schemas.openxmlformats.org/presentationml/2006/main">
   <p:cSld>
+    <p:bg>
+      <p:bgPr>
+        <a:blipFill dpi="0" rotWithShape="1">
+          <a:blip r:embed="rId2">
+            <a:alphaModFix amt="20000"/>
+            <a:lum/>
+          </a:blip>
+          <a:srcRect/>
+          <a:stretch>
+            <a:fillRect t="-10000" b="-10000"/>
+          </a:stretch>
+        </a:blipFill>
+        <a:effectLst/>
+      </p:bgPr>
+    </p:bg>
     <p:spTree>
       <p:nvGrpSpPr>
         <p:cNvPr id="1" name=""/>
@@ -6838,7 +7157,7 @@
           </p:nvPr>
         </p:nvPicPr>
         <p:blipFill>
-          <a:blip r:embed="rId2"/>
+          <a:blip r:embed="rId3"/>
           <a:stretch>
             <a:fillRect/>
           </a:stretch>
@@ -7342,6 +7661,56 @@
                 </a:schemeClr>
               </a:solidFill>
             </a:endParaRPr>
+          </a:p>
+        </p:txBody>
+      </p:sp>
+      <p:sp>
+        <p:nvSpPr>
+          <p:cNvPr id="17" name="Footer Placeholder 3">
+            <a:extLst>
+              <a:ext uri="{FF2B5EF4-FFF2-40B4-BE49-F238E27FC236}">
+                <a16:creationId xmlns:a16="http://schemas.microsoft.com/office/drawing/2014/main" id="{C418C100-6E3B-4C8B-BD3F-D53183B9B380}"/>
+              </a:ext>
+            </a:extLst>
+          </p:cNvPr>
+          <p:cNvSpPr>
+            <a:spLocks noGrp="1"/>
+          </p:cNvSpPr>
+          <p:nvPr>
+            <p:ph type="ftr" sz="quarter" idx="11"/>
+          </p:nvPr>
+        </p:nvSpPr>
+        <p:spPr>
+          <a:xfrm>
+            <a:off x="86698" y="6492875"/>
+            <a:ext cx="1827092" cy="320040"/>
+          </a:xfrm>
+        </p:spPr>
+        <p:txBody>
+          <a:bodyPr vert="horz" lIns="91440" tIns="45720" rIns="91440" bIns="45720" rtlCol="0" anchor="ctr">
+            <a:normAutofit/>
+          </a:bodyPr>
+          <a:lstStyle/>
+          <a:p>
+            <a:pPr algn="l">
+              <a:spcAft>
+                <a:spcPts val="600"/>
+              </a:spcAft>
+              <a:defRPr/>
+            </a:pPr>
+            <a:r>
+              <a:rPr lang="en-US" sz="1000" kern="1200">
+                <a:solidFill>
+                  <a:schemeClr val="tx1">
+                    <a:tint val="75000"/>
+                  </a:schemeClr>
+                </a:solidFill>
+                <a:latin typeface="+mn-lt"/>
+                <a:ea typeface="+mn-ea"/>
+                <a:cs typeface="+mn-cs"/>
+              </a:rPr>
+              <a:t>© 2021 Fairfield &amp; Company</a:t>
+            </a:r>
           </a:p>
         </p:txBody>
       </p:sp>
@@ -7696,6 +8065,21 @@
 <file path=ppt/slides/slide13.xml><?xml version="1.0" encoding="utf-8"?>
 <p:sld xmlns:a="http://schemas.openxmlformats.org/drawingml/2006/main" xmlns:r="http://schemas.openxmlformats.org/officeDocument/2006/relationships" xmlns:p="http://schemas.openxmlformats.org/presentationml/2006/main">
   <p:cSld>
+    <p:bg>
+      <p:bgPr>
+        <a:blipFill dpi="0" rotWithShape="1">
+          <a:blip r:embed="rId3">
+            <a:alphaModFix amt="20000"/>
+            <a:lum/>
+          </a:blip>
+          <a:srcRect/>
+          <a:stretch>
+            <a:fillRect t="-10000" b="-10000"/>
+          </a:stretch>
+        </a:blipFill>
+        <a:effectLst/>
+      </p:bgPr>
+    </p:bg>
     <p:spTree>
       <p:nvGrpSpPr>
         <p:cNvPr id="1" name=""/>
@@ -7726,14 +8110,28 @@
             <p:ph type="title"/>
           </p:nvPr>
         </p:nvSpPr>
-        <p:spPr/>
-        <p:txBody>
-          <a:bodyPr/>
-          <a:lstStyle/>
-          <a:p>
-            <a:r>
-              <a:rPr lang="en-US" dirty="0"/>
-              <a:t>Add the file to the staging area with $git add</a:t>
+        <p:spPr>
+          <a:xfrm>
+            <a:off x="838200" y="232439"/>
+            <a:ext cx="10515600" cy="1325563"/>
+          </a:xfrm>
+        </p:spPr>
+        <p:txBody>
+          <a:bodyPr>
+            <a:normAutofit/>
+          </a:bodyPr>
+          <a:lstStyle/>
+          <a:p>
+            <a:r>
+              <a:rPr lang="en-US" sz="4000" dirty="0"/>
+              <a:t>Add the file to the staging area with </a:t>
+            </a:r>
+            <a:r>
+              <a:rPr lang="en-US" sz="4000" dirty="0">
+                <a:latin typeface="Courier New" panose="02070309020205020404" pitchFamily="49" charset="0"/>
+                <a:cs typeface="Courier New" panose="02070309020205020404" pitchFamily="49" charset="0"/>
+              </a:rPr>
+              <a:t>$git add</a:t>
             </a:r>
           </a:p>
         </p:txBody>
@@ -8331,6 +8729,56 @@
           </a:p>
         </p:txBody>
       </p:sp>
+      <p:sp>
+        <p:nvSpPr>
+          <p:cNvPr id="16" name="Footer Placeholder 3">
+            <a:extLst>
+              <a:ext uri="{FF2B5EF4-FFF2-40B4-BE49-F238E27FC236}">
+                <a16:creationId xmlns:a16="http://schemas.microsoft.com/office/drawing/2014/main" id="{1B36E718-CF18-4C20-80CF-56297F29669D}"/>
+              </a:ext>
+            </a:extLst>
+          </p:cNvPr>
+          <p:cNvSpPr>
+            <a:spLocks noGrp="1"/>
+          </p:cNvSpPr>
+          <p:nvPr>
+            <p:ph type="ftr" sz="quarter" idx="11"/>
+          </p:nvPr>
+        </p:nvSpPr>
+        <p:spPr>
+          <a:xfrm>
+            <a:off x="86698" y="6492875"/>
+            <a:ext cx="1827092" cy="320040"/>
+          </a:xfrm>
+        </p:spPr>
+        <p:txBody>
+          <a:bodyPr vert="horz" lIns="91440" tIns="45720" rIns="91440" bIns="45720" rtlCol="0" anchor="ctr">
+            <a:normAutofit/>
+          </a:bodyPr>
+          <a:lstStyle/>
+          <a:p>
+            <a:pPr algn="l">
+              <a:spcAft>
+                <a:spcPts val="600"/>
+              </a:spcAft>
+              <a:defRPr/>
+            </a:pPr>
+            <a:r>
+              <a:rPr lang="en-US" sz="1000" kern="1200">
+                <a:solidFill>
+                  <a:schemeClr val="tx1">
+                    <a:tint val="75000"/>
+                  </a:schemeClr>
+                </a:solidFill>
+                <a:latin typeface="+mn-lt"/>
+                <a:ea typeface="+mn-ea"/>
+                <a:cs typeface="+mn-cs"/>
+              </a:rPr>
+              <a:t>© 2021 Fairfield &amp; Company</a:t>
+            </a:r>
+          </a:p>
+        </p:txBody>
+      </p:sp>
     </p:spTree>
     <p:extLst>
       <p:ext uri="{BB962C8B-B14F-4D97-AF65-F5344CB8AC3E}">
@@ -8347,6 +8795,21 @@
 <file path=ppt/slides/slide14.xml><?xml version="1.0" encoding="utf-8"?>
 <p:sld xmlns:a="http://schemas.openxmlformats.org/drawingml/2006/main" xmlns:r="http://schemas.openxmlformats.org/officeDocument/2006/relationships" xmlns:p="http://schemas.openxmlformats.org/presentationml/2006/main">
   <p:cSld>
+    <p:bg>
+      <p:bgPr>
+        <a:blipFill dpi="0" rotWithShape="1">
+          <a:blip r:embed="rId2">
+            <a:alphaModFix amt="20000"/>
+            <a:lum/>
+          </a:blip>
+          <a:srcRect/>
+          <a:stretch>
+            <a:fillRect t="-10000" b="-10000"/>
+          </a:stretch>
+        </a:blipFill>
+        <a:effectLst/>
+      </p:bgPr>
+    </p:bg>
     <p:spTree>
       <p:nvGrpSpPr>
         <p:cNvPr id="1" name=""/>
@@ -8492,7 +8955,7 @@
           </p:nvPr>
         </p:nvPicPr>
         <p:blipFill>
-          <a:blip r:embed="rId2"/>
+          <a:blip r:embed="rId3"/>
           <a:stretch>
             <a:fillRect/>
           </a:stretch>
@@ -8652,6 +9115,56 @@
           </a:fontRef>
         </p:style>
       </p:cxnSp>
+      <p:sp>
+        <p:nvSpPr>
+          <p:cNvPr id="9" name="Footer Placeholder 3">
+            <a:extLst>
+              <a:ext uri="{FF2B5EF4-FFF2-40B4-BE49-F238E27FC236}">
+                <a16:creationId xmlns:a16="http://schemas.microsoft.com/office/drawing/2014/main" id="{C9F2EC2D-4DC2-414F-824D-3466A073F617}"/>
+              </a:ext>
+            </a:extLst>
+          </p:cNvPr>
+          <p:cNvSpPr>
+            <a:spLocks noGrp="1"/>
+          </p:cNvSpPr>
+          <p:nvPr>
+            <p:ph type="ftr" sz="quarter" idx="11"/>
+          </p:nvPr>
+        </p:nvSpPr>
+        <p:spPr>
+          <a:xfrm>
+            <a:off x="86698" y="6492875"/>
+            <a:ext cx="1827092" cy="320040"/>
+          </a:xfrm>
+        </p:spPr>
+        <p:txBody>
+          <a:bodyPr vert="horz" lIns="91440" tIns="45720" rIns="91440" bIns="45720" rtlCol="0" anchor="ctr">
+            <a:normAutofit/>
+          </a:bodyPr>
+          <a:lstStyle/>
+          <a:p>
+            <a:pPr algn="l">
+              <a:spcAft>
+                <a:spcPts val="600"/>
+              </a:spcAft>
+              <a:defRPr/>
+            </a:pPr>
+            <a:r>
+              <a:rPr lang="en-US" sz="1000" kern="1200">
+                <a:solidFill>
+                  <a:schemeClr val="tx1">
+                    <a:tint val="75000"/>
+                  </a:schemeClr>
+                </a:solidFill>
+                <a:latin typeface="+mn-lt"/>
+                <a:ea typeface="+mn-ea"/>
+                <a:cs typeface="+mn-cs"/>
+              </a:rPr>
+              <a:t>© 2021 Fairfield &amp; Company</a:t>
+            </a:r>
+          </a:p>
+        </p:txBody>
+      </p:sp>
     </p:spTree>
     <p:extLst>
       <p:ext uri="{BB962C8B-B14F-4D97-AF65-F5344CB8AC3E}">
@@ -8746,6 +9259,21 @@
 <file path=ppt/slides/slide15.xml><?xml version="1.0" encoding="utf-8"?>
 <p:sld xmlns:a="http://schemas.openxmlformats.org/drawingml/2006/main" xmlns:r="http://schemas.openxmlformats.org/officeDocument/2006/relationships" xmlns:p="http://schemas.openxmlformats.org/presentationml/2006/main">
   <p:cSld>
+    <p:bg>
+      <p:bgPr>
+        <a:blipFill dpi="0" rotWithShape="1">
+          <a:blip r:embed="rId3">
+            <a:alphaModFix amt="20000"/>
+            <a:lum/>
+          </a:blip>
+          <a:srcRect/>
+          <a:stretch>
+            <a:fillRect t="-10000" b="-10000"/>
+          </a:stretch>
+        </a:blipFill>
+        <a:effectLst/>
+      </p:bgPr>
+    </p:bg>
     <p:spTree>
       <p:nvGrpSpPr>
         <p:cNvPr id="1" name=""/>
@@ -8812,7 +9340,7 @@
           </p:nvPr>
         </p:nvPicPr>
         <p:blipFill>
-          <a:blip r:embed="rId3"/>
+          <a:blip r:embed="rId4"/>
           <a:stretch>
             <a:fillRect/>
           </a:stretch>
@@ -9160,6 +9688,56 @@
           </a:fontRef>
         </p:style>
       </p:cxnSp>
+      <p:sp>
+        <p:nvSpPr>
+          <p:cNvPr id="11" name="Footer Placeholder 3">
+            <a:extLst>
+              <a:ext uri="{FF2B5EF4-FFF2-40B4-BE49-F238E27FC236}">
+                <a16:creationId xmlns:a16="http://schemas.microsoft.com/office/drawing/2014/main" id="{41F736AA-E558-4D05-884A-CF2BAC97094E}"/>
+              </a:ext>
+            </a:extLst>
+          </p:cNvPr>
+          <p:cNvSpPr>
+            <a:spLocks noGrp="1"/>
+          </p:cNvSpPr>
+          <p:nvPr>
+            <p:ph type="ftr" sz="quarter" idx="11"/>
+          </p:nvPr>
+        </p:nvSpPr>
+        <p:spPr>
+          <a:xfrm>
+            <a:off x="86698" y="6492875"/>
+            <a:ext cx="1827092" cy="320040"/>
+          </a:xfrm>
+        </p:spPr>
+        <p:txBody>
+          <a:bodyPr vert="horz" lIns="91440" tIns="45720" rIns="91440" bIns="45720" rtlCol="0" anchor="ctr">
+            <a:normAutofit/>
+          </a:bodyPr>
+          <a:lstStyle/>
+          <a:p>
+            <a:pPr algn="l">
+              <a:spcAft>
+                <a:spcPts val="600"/>
+              </a:spcAft>
+              <a:defRPr/>
+            </a:pPr>
+            <a:r>
+              <a:rPr lang="en-US" sz="1000" kern="1200">
+                <a:solidFill>
+                  <a:schemeClr val="tx1">
+                    <a:tint val="75000"/>
+                  </a:schemeClr>
+                </a:solidFill>
+                <a:latin typeface="+mn-lt"/>
+                <a:ea typeface="+mn-ea"/>
+                <a:cs typeface="+mn-cs"/>
+              </a:rPr>
+              <a:t>© 2021 Fairfield &amp; Company</a:t>
+            </a:r>
+          </a:p>
+        </p:txBody>
+      </p:sp>
     </p:spTree>
     <p:extLst>
       <p:ext uri="{BB962C8B-B14F-4D97-AF65-F5344CB8AC3E}">
@@ -9383,6 +9961,21 @@
 <file path=ppt/slides/slide16.xml><?xml version="1.0" encoding="utf-8"?>
 <p:sld xmlns:a="http://schemas.openxmlformats.org/drawingml/2006/main" xmlns:r="http://schemas.openxmlformats.org/officeDocument/2006/relationships" xmlns:p="http://schemas.openxmlformats.org/presentationml/2006/main">
   <p:cSld>
+    <p:bg>
+      <p:bgPr>
+        <a:blipFill dpi="0" rotWithShape="1">
+          <a:blip r:embed="rId3">
+            <a:alphaModFix amt="20000"/>
+            <a:lum/>
+          </a:blip>
+          <a:srcRect/>
+          <a:stretch>
+            <a:fillRect t="-10000" b="-10000"/>
+          </a:stretch>
+        </a:blipFill>
+        <a:effectLst/>
+      </p:bgPr>
+    </p:bg>
     <p:spTree>
       <p:nvGrpSpPr>
         <p:cNvPr id="1" name=""/>
@@ -10013,6 +10606,56 @@
           </a:p>
         </p:txBody>
       </p:sp>
+      <p:sp>
+        <p:nvSpPr>
+          <p:cNvPr id="17" name="Footer Placeholder 3">
+            <a:extLst>
+              <a:ext uri="{FF2B5EF4-FFF2-40B4-BE49-F238E27FC236}">
+                <a16:creationId xmlns:a16="http://schemas.microsoft.com/office/drawing/2014/main" id="{8BDA002A-CC5F-4883-9976-2EDF637EE02E}"/>
+              </a:ext>
+            </a:extLst>
+          </p:cNvPr>
+          <p:cNvSpPr>
+            <a:spLocks noGrp="1"/>
+          </p:cNvSpPr>
+          <p:nvPr>
+            <p:ph type="ftr" sz="quarter" idx="11"/>
+          </p:nvPr>
+        </p:nvSpPr>
+        <p:spPr>
+          <a:xfrm>
+            <a:off x="86698" y="6492875"/>
+            <a:ext cx="1827092" cy="320040"/>
+          </a:xfrm>
+        </p:spPr>
+        <p:txBody>
+          <a:bodyPr vert="horz" lIns="91440" tIns="45720" rIns="91440" bIns="45720" rtlCol="0" anchor="ctr">
+            <a:normAutofit/>
+          </a:bodyPr>
+          <a:lstStyle/>
+          <a:p>
+            <a:pPr algn="l">
+              <a:spcAft>
+                <a:spcPts val="600"/>
+              </a:spcAft>
+              <a:defRPr/>
+            </a:pPr>
+            <a:r>
+              <a:rPr lang="en-US" sz="1000" kern="1200">
+                <a:solidFill>
+                  <a:schemeClr val="tx1">
+                    <a:tint val="75000"/>
+                  </a:schemeClr>
+                </a:solidFill>
+                <a:latin typeface="+mn-lt"/>
+                <a:ea typeface="+mn-ea"/>
+                <a:cs typeface="+mn-cs"/>
+              </a:rPr>
+              <a:t>© 2021 Fairfield &amp; Company</a:t>
+            </a:r>
+          </a:p>
+        </p:txBody>
+      </p:sp>
     </p:spTree>
     <p:extLst>
       <p:ext uri="{BB962C8B-B14F-4D97-AF65-F5344CB8AC3E}">
@@ -10029,6 +10672,21 @@
 <file path=ppt/slides/slide17.xml><?xml version="1.0" encoding="utf-8"?>
 <p:sld xmlns:a="http://schemas.openxmlformats.org/drawingml/2006/main" xmlns:r="http://schemas.openxmlformats.org/officeDocument/2006/relationships" xmlns:p="http://schemas.openxmlformats.org/presentationml/2006/main">
   <p:cSld>
+    <p:bg>
+      <p:bgPr>
+        <a:blipFill dpi="0" rotWithShape="1">
+          <a:blip r:embed="rId3">
+            <a:alphaModFix amt="20000"/>
+            <a:lum/>
+          </a:blip>
+          <a:srcRect/>
+          <a:stretch>
+            <a:fillRect t="-10000" b="-10000"/>
+          </a:stretch>
+        </a:blipFill>
+        <a:effectLst/>
+      </p:bgPr>
+    </p:bg>
     <p:spTree>
       <p:nvGrpSpPr>
         <p:cNvPr id="1" name=""/>
@@ -10242,6 +10900,56 @@
           </a:p>
         </p:txBody>
       </p:sp>
+      <p:sp>
+        <p:nvSpPr>
+          <p:cNvPr id="7" name="Footer Placeholder 3">
+            <a:extLst>
+              <a:ext uri="{FF2B5EF4-FFF2-40B4-BE49-F238E27FC236}">
+                <a16:creationId xmlns:a16="http://schemas.microsoft.com/office/drawing/2014/main" id="{C81E2088-26E0-4E4E-856A-291673CF1CAC}"/>
+              </a:ext>
+            </a:extLst>
+          </p:cNvPr>
+          <p:cNvSpPr>
+            <a:spLocks noGrp="1"/>
+          </p:cNvSpPr>
+          <p:nvPr>
+            <p:ph type="ftr" sz="quarter" idx="11"/>
+          </p:nvPr>
+        </p:nvSpPr>
+        <p:spPr>
+          <a:xfrm>
+            <a:off x="86698" y="6492875"/>
+            <a:ext cx="1827092" cy="320040"/>
+          </a:xfrm>
+        </p:spPr>
+        <p:txBody>
+          <a:bodyPr vert="horz" lIns="91440" tIns="45720" rIns="91440" bIns="45720" rtlCol="0" anchor="ctr">
+            <a:normAutofit/>
+          </a:bodyPr>
+          <a:lstStyle/>
+          <a:p>
+            <a:pPr algn="l">
+              <a:spcAft>
+                <a:spcPts val="600"/>
+              </a:spcAft>
+              <a:defRPr/>
+            </a:pPr>
+            <a:r>
+              <a:rPr lang="en-US" sz="1000" kern="1200">
+                <a:solidFill>
+                  <a:schemeClr val="tx1">
+                    <a:tint val="75000"/>
+                  </a:schemeClr>
+                </a:solidFill>
+                <a:latin typeface="+mn-lt"/>
+                <a:ea typeface="+mn-ea"/>
+                <a:cs typeface="+mn-cs"/>
+              </a:rPr>
+              <a:t>© 2021 Fairfield &amp; Company</a:t>
+            </a:r>
+          </a:p>
+        </p:txBody>
+      </p:sp>
     </p:spTree>
     <p:extLst>
       <p:ext uri="{BB962C8B-B14F-4D97-AF65-F5344CB8AC3E}">
@@ -10258,6 +10966,21 @@
 <file path=ppt/slides/slide18.xml><?xml version="1.0" encoding="utf-8"?>
 <p:sld xmlns:a="http://schemas.openxmlformats.org/drawingml/2006/main" xmlns:r="http://schemas.openxmlformats.org/officeDocument/2006/relationships" xmlns:p="http://schemas.openxmlformats.org/presentationml/2006/main">
   <p:cSld>
+    <p:bg>
+      <p:bgPr>
+        <a:blipFill dpi="0" rotWithShape="1">
+          <a:blip r:embed="rId3">
+            <a:alphaModFix amt="20000"/>
+            <a:lum/>
+          </a:blip>
+          <a:srcRect/>
+          <a:stretch>
+            <a:fillRect t="-10000" b="-10000"/>
+          </a:stretch>
+        </a:blipFill>
+        <a:effectLst/>
+      </p:bgPr>
+    </p:bg>
     <p:spTree>
       <p:nvGrpSpPr>
         <p:cNvPr id="1" name=""/>
@@ -10832,6 +11555,56 @@
           </a:p>
         </p:txBody>
       </p:sp>
+      <p:sp>
+        <p:nvSpPr>
+          <p:cNvPr id="16" name="Footer Placeholder 3">
+            <a:extLst>
+              <a:ext uri="{FF2B5EF4-FFF2-40B4-BE49-F238E27FC236}">
+                <a16:creationId xmlns:a16="http://schemas.microsoft.com/office/drawing/2014/main" id="{C669FAA6-BFE4-4B0E-9401-061CC41F0755}"/>
+              </a:ext>
+            </a:extLst>
+          </p:cNvPr>
+          <p:cNvSpPr>
+            <a:spLocks noGrp="1"/>
+          </p:cNvSpPr>
+          <p:nvPr>
+            <p:ph type="ftr" sz="quarter" idx="11"/>
+          </p:nvPr>
+        </p:nvSpPr>
+        <p:spPr>
+          <a:xfrm>
+            <a:off x="86698" y="6492875"/>
+            <a:ext cx="1827092" cy="320040"/>
+          </a:xfrm>
+        </p:spPr>
+        <p:txBody>
+          <a:bodyPr vert="horz" lIns="91440" tIns="45720" rIns="91440" bIns="45720" rtlCol="0" anchor="ctr">
+            <a:normAutofit/>
+          </a:bodyPr>
+          <a:lstStyle/>
+          <a:p>
+            <a:pPr algn="l">
+              <a:spcAft>
+                <a:spcPts val="600"/>
+              </a:spcAft>
+              <a:defRPr/>
+            </a:pPr>
+            <a:r>
+              <a:rPr lang="en-US" sz="1000" kern="1200">
+                <a:solidFill>
+                  <a:schemeClr val="tx1">
+                    <a:tint val="75000"/>
+                  </a:schemeClr>
+                </a:solidFill>
+                <a:latin typeface="+mn-lt"/>
+                <a:ea typeface="+mn-ea"/>
+                <a:cs typeface="+mn-cs"/>
+              </a:rPr>
+              <a:t>© 2021 Fairfield &amp; Company</a:t>
+            </a:r>
+          </a:p>
+        </p:txBody>
+      </p:sp>
     </p:spTree>
     <p:extLst>
       <p:ext uri="{BB962C8B-B14F-4D97-AF65-F5344CB8AC3E}">
@@ -10848,6 +11621,21 @@
 <file path=ppt/slides/slide19.xml><?xml version="1.0" encoding="utf-8"?>
 <p:sld xmlns:a="http://schemas.openxmlformats.org/drawingml/2006/main" xmlns:r="http://schemas.openxmlformats.org/officeDocument/2006/relationships" xmlns:p="http://schemas.openxmlformats.org/presentationml/2006/main">
   <p:cSld>
+    <p:bg>
+      <p:bgPr>
+        <a:blipFill dpi="0" rotWithShape="1">
+          <a:blip r:embed="rId3">
+            <a:alphaModFix amt="20000"/>
+            <a:lum/>
+          </a:blip>
+          <a:srcRect/>
+          <a:stretch>
+            <a:fillRect t="-10000" b="-10000"/>
+          </a:stretch>
+        </a:blipFill>
+        <a:effectLst/>
+      </p:bgPr>
+    </p:bg>
     <p:spTree>
       <p:nvGrpSpPr>
         <p:cNvPr id="1" name=""/>
@@ -11394,6 +12182,56 @@
           </a:p>
         </p:txBody>
       </p:sp>
+      <p:sp>
+        <p:nvSpPr>
+          <p:cNvPr id="17" name="Footer Placeholder 3">
+            <a:extLst>
+              <a:ext uri="{FF2B5EF4-FFF2-40B4-BE49-F238E27FC236}">
+                <a16:creationId xmlns:a16="http://schemas.microsoft.com/office/drawing/2014/main" id="{864D3323-DD10-4665-81E6-D9253ABA0EC1}"/>
+              </a:ext>
+            </a:extLst>
+          </p:cNvPr>
+          <p:cNvSpPr>
+            <a:spLocks noGrp="1"/>
+          </p:cNvSpPr>
+          <p:nvPr>
+            <p:ph type="ftr" sz="quarter" idx="11"/>
+          </p:nvPr>
+        </p:nvSpPr>
+        <p:spPr>
+          <a:xfrm>
+            <a:off x="86698" y="6492875"/>
+            <a:ext cx="1827092" cy="320040"/>
+          </a:xfrm>
+        </p:spPr>
+        <p:txBody>
+          <a:bodyPr vert="horz" lIns="91440" tIns="45720" rIns="91440" bIns="45720" rtlCol="0" anchor="ctr">
+            <a:normAutofit/>
+          </a:bodyPr>
+          <a:lstStyle/>
+          <a:p>
+            <a:pPr algn="l">
+              <a:spcAft>
+                <a:spcPts val="600"/>
+              </a:spcAft>
+              <a:defRPr/>
+            </a:pPr>
+            <a:r>
+              <a:rPr lang="en-US" sz="1000" kern="1200">
+                <a:solidFill>
+                  <a:schemeClr val="tx1">
+                    <a:tint val="75000"/>
+                  </a:schemeClr>
+                </a:solidFill>
+                <a:latin typeface="+mn-lt"/>
+                <a:ea typeface="+mn-ea"/>
+                <a:cs typeface="+mn-cs"/>
+              </a:rPr>
+              <a:t>© 2021 Fairfield &amp; Company</a:t>
+            </a:r>
+          </a:p>
+        </p:txBody>
+      </p:sp>
     </p:spTree>
     <p:extLst>
       <p:ext uri="{BB962C8B-B14F-4D97-AF65-F5344CB8AC3E}">
@@ -11410,6 +12248,14 @@
 <file path=ppt/slides/slide2.xml><?xml version="1.0" encoding="utf-8"?>
 <p:sld xmlns:a="http://schemas.openxmlformats.org/drawingml/2006/main" xmlns:r="http://schemas.openxmlformats.org/officeDocument/2006/relationships" xmlns:p="http://schemas.openxmlformats.org/presentationml/2006/main">
   <p:cSld>
+    <p:bg>
+      <p:bgPr>
+        <a:solidFill>
+          <a:schemeClr val="bg1"/>
+        </a:solidFill>
+        <a:effectLst/>
+      </p:bgPr>
+    </p:bg>
     <p:spTree>
       <p:nvGrpSpPr>
         <p:cNvPr id="1" name=""/>
@@ -11424,6 +12270,372 @@
           <a:chExt cx="0" cy="0"/>
         </a:xfrm>
       </p:grpSpPr>
+      <p:sp useBgFill="1">
+        <p:nvSpPr>
+          <p:cNvPr id="36" name="Rectangle 35">
+            <a:extLst>
+              <a:ext uri="{FF2B5EF4-FFF2-40B4-BE49-F238E27FC236}">
+                <a16:creationId xmlns:a16="http://schemas.microsoft.com/office/drawing/2014/main" id="{B5FA7C47-B7C1-4D2E-AB49-ED23BA34BA83}"/>
+              </a:ext>
+              <a:ext uri="{C183D7F6-B498-43B3-948B-1728B52AA6E4}">
+                <adec:decorative xmlns:adec="http://schemas.microsoft.com/office/drawing/2017/decorative" val="1"/>
+              </a:ext>
+            </a:extLst>
+          </p:cNvPr>
+          <p:cNvSpPr>
+            <a:spLocks noGrp="1" noRot="1" noChangeAspect="1" noMove="1" noResize="1" noEditPoints="1" noAdjustHandles="1" noChangeArrowheads="1" noChangeShapeType="1" noTextEdit="1"/>
+          </p:cNvSpPr>
+          <p:nvPr>
+            <p:extLst>
+              <p:ext uri="{386F3935-93C4-4BCD-93E2-E3B085C9AB24}">
+                <p16:designElem xmlns:p16="http://schemas.microsoft.com/office/powerpoint/2015/main" val="1"/>
+              </p:ext>
+            </p:extLst>
+          </p:nvPr>
+        </p:nvSpPr>
+        <p:spPr>
+          <a:xfrm>
+            <a:off x="0" y="0"/>
+            <a:ext cx="12188952" cy="6858000"/>
+          </a:xfrm>
+          <a:prstGeom prst="rect">
+            <a:avLst/>
+          </a:prstGeom>
+          <a:ln>
+            <a:noFill/>
+          </a:ln>
+        </p:spPr>
+        <p:style>
+          <a:lnRef idx="2">
+            <a:schemeClr val="accent1">
+              <a:shade val="50000"/>
+            </a:schemeClr>
+          </a:lnRef>
+          <a:fillRef idx="1">
+            <a:schemeClr val="accent1"/>
+          </a:fillRef>
+          <a:effectRef idx="0">
+            <a:schemeClr val="accent1"/>
+          </a:effectRef>
+          <a:fontRef idx="minor">
+            <a:schemeClr val="lt1"/>
+          </a:fontRef>
+        </p:style>
+        <p:txBody>
+          <a:bodyPr rtlCol="0" anchor="ctr"/>
+          <a:lstStyle/>
+          <a:p>
+            <a:pPr algn="ctr"/>
+            <a:endParaRPr lang="en-US"/>
+          </a:p>
+        </p:txBody>
+      </p:sp>
+      <p:sp>
+        <p:nvSpPr>
+          <p:cNvPr id="38" name="Freeform 6">
+            <a:extLst>
+              <a:ext uri="{FF2B5EF4-FFF2-40B4-BE49-F238E27FC236}">
+                <a16:creationId xmlns:a16="http://schemas.microsoft.com/office/drawing/2014/main" id="{596EE156-ABF1-4329-A6BA-03B4254E0877}"/>
+              </a:ext>
+              <a:ext uri="{C183D7F6-B498-43B3-948B-1728B52AA6E4}">
+                <adec:decorative xmlns:adec="http://schemas.microsoft.com/office/drawing/2017/decorative" val="1"/>
+              </a:ext>
+            </a:extLst>
+          </p:cNvPr>
+          <p:cNvSpPr>
+            <a:spLocks noGrp="1" noRot="1" noChangeAspect="1" noMove="1" noResize="1" noEditPoints="1" noAdjustHandles="1" noChangeArrowheads="1" noChangeShapeType="1" noTextEdit="1"/>
+          </p:cNvSpPr>
+          <p:nvPr>
+            <p:extLst>
+              <p:ext uri="{386F3935-93C4-4BCD-93E2-E3B085C9AB24}">
+                <p16:designElem xmlns:p16="http://schemas.microsoft.com/office/powerpoint/2015/main" val="1"/>
+              </p:ext>
+            </p:extLst>
+          </p:nvPr>
+        </p:nvSpPr>
+        <p:spPr bwMode="auto">
+          <a:xfrm flipH="1">
+            <a:off x="521144" y="911116"/>
+            <a:ext cx="687754" cy="5710965"/>
+          </a:xfrm>
+          <a:custGeom>
+            <a:avLst/>
+            <a:gdLst>
+              <a:gd name="T0" fmla="*/ 414 w 414"/>
+              <a:gd name="T1" fmla="*/ 2447 h 2447"/>
+              <a:gd name="T2" fmla="*/ 0 w 414"/>
+              <a:gd name="T3" fmla="*/ 2247 h 2447"/>
+              <a:gd name="T4" fmla="*/ 0 w 414"/>
+              <a:gd name="T5" fmla="*/ 0 h 2447"/>
+              <a:gd name="T6" fmla="*/ 414 w 414"/>
+              <a:gd name="T7" fmla="*/ 200 h 2447"/>
+              <a:gd name="T8" fmla="*/ 414 w 414"/>
+              <a:gd name="T9" fmla="*/ 2447 h 2447"/>
+            </a:gdLst>
+            <a:ahLst/>
+            <a:cxnLst>
+              <a:cxn ang="0">
+                <a:pos x="T0" y="T1"/>
+              </a:cxn>
+              <a:cxn ang="0">
+                <a:pos x="T2" y="T3"/>
+              </a:cxn>
+              <a:cxn ang="0">
+                <a:pos x="T4" y="T5"/>
+              </a:cxn>
+              <a:cxn ang="0">
+                <a:pos x="T6" y="T7"/>
+              </a:cxn>
+              <a:cxn ang="0">
+                <a:pos x="T8" y="T9"/>
+              </a:cxn>
+            </a:cxnLst>
+            <a:rect l="0" t="0" r="r" b="b"/>
+            <a:pathLst>
+              <a:path w="414" h="2447">
+                <a:moveTo>
+                  <a:pt x="414" y="2447"/>
+                </a:moveTo>
+                <a:lnTo>
+                  <a:pt x="0" y="2247"/>
+                </a:lnTo>
+                <a:lnTo>
+                  <a:pt x="0" y="0"/>
+                </a:lnTo>
+                <a:lnTo>
+                  <a:pt x="414" y="200"/>
+                </a:lnTo>
+                <a:lnTo>
+                  <a:pt x="414" y="2447"/>
+                </a:lnTo>
+                <a:close/>
+              </a:path>
+            </a:pathLst>
+          </a:custGeom>
+          <a:solidFill>
+            <a:schemeClr val="accent1">
+              <a:lumMod val="75000"/>
+            </a:schemeClr>
+          </a:solidFill>
+          <a:ln>
+            <a:noFill/>
+          </a:ln>
+        </p:spPr>
+        <p:txBody>
+          <a:bodyPr vert="horz" wrap="square" lIns="91440" tIns="45720" rIns="91440" bIns="45720" numCol="1" anchor="t" anchorCtr="0" compatLnSpc="1">
+            <a:prstTxWarp prst="textNoShape">
+              <a:avLst/>
+            </a:prstTxWarp>
+          </a:bodyPr>
+          <a:lstStyle/>
+          <a:p>
+            <a:endParaRPr lang="en-US"/>
+          </a:p>
+        </p:txBody>
+      </p:sp>
+      <p:sp>
+        <p:nvSpPr>
+          <p:cNvPr id="40" name="Rectangle 8">
+            <a:extLst>
+              <a:ext uri="{FF2B5EF4-FFF2-40B4-BE49-F238E27FC236}">
+                <a16:creationId xmlns:a16="http://schemas.microsoft.com/office/drawing/2014/main" id="{19B9933F-AAB3-444A-8BB5-9CA194A8BC63}"/>
+              </a:ext>
+              <a:ext uri="{C183D7F6-B498-43B3-948B-1728B52AA6E4}">
+                <adec:decorative xmlns:adec="http://schemas.microsoft.com/office/drawing/2017/decorative" val="1"/>
+              </a:ext>
+            </a:extLst>
+          </p:cNvPr>
+          <p:cNvSpPr>
+            <a:spLocks noGrp="1" noRot="1" noChangeAspect="1" noMove="1" noResize="1" noEditPoints="1" noAdjustHandles="1" noChangeArrowheads="1" noChangeShapeType="1" noTextEdit="1"/>
+          </p:cNvSpPr>
+          <p:nvPr>
+            <p:extLst>
+              <p:ext uri="{386F3935-93C4-4BCD-93E2-E3B085C9AB24}">
+                <p16:designElem xmlns:p16="http://schemas.microsoft.com/office/powerpoint/2015/main" val="1"/>
+              </p:ext>
+            </p:extLst>
+          </p:nvPr>
+        </p:nvSpPr>
+        <p:spPr bwMode="auto">
+          <a:xfrm flipH="1">
+            <a:off x="0" y="1370435"/>
+            <a:ext cx="527226" cy="5251646"/>
+          </a:xfrm>
+          <a:prstGeom prst="rect">
+            <a:avLst/>
+          </a:prstGeom>
+          <a:solidFill>
+            <a:schemeClr val="accent1"/>
+          </a:solidFill>
+          <a:ln>
+            <a:noFill/>
+          </a:ln>
+        </p:spPr>
+        <p:txBody>
+          <a:bodyPr vert="horz" wrap="square" lIns="91440" tIns="45720" rIns="91440" bIns="45720" numCol="1" anchor="t" anchorCtr="0" compatLnSpc="1">
+            <a:prstTxWarp prst="textNoShape">
+              <a:avLst/>
+            </a:prstTxWarp>
+          </a:bodyPr>
+          <a:lstStyle/>
+          <a:p>
+            <a:endParaRPr lang="en-US"/>
+          </a:p>
+        </p:txBody>
+      </p:sp>
+      <p:sp>
+        <p:nvSpPr>
+          <p:cNvPr id="42" name="Freeform 7">
+            <a:extLst>
+              <a:ext uri="{FF2B5EF4-FFF2-40B4-BE49-F238E27FC236}">
+                <a16:creationId xmlns:a16="http://schemas.microsoft.com/office/drawing/2014/main" id="{7D20183A-0B1D-4A1F-89B1-ADBEDBC6E54E}"/>
+              </a:ext>
+              <a:ext uri="{C183D7F6-B498-43B3-948B-1728B52AA6E4}">
+                <adec:decorative xmlns:adec="http://schemas.microsoft.com/office/drawing/2017/decorative" val="1"/>
+              </a:ext>
+            </a:extLst>
+          </p:cNvPr>
+          <p:cNvSpPr>
+            <a:spLocks noGrp="1" noRot="1" noChangeAspect="1" noMove="1" noResize="1" noEditPoints="1" noAdjustHandles="1" noChangeArrowheads="1" noChangeShapeType="1" noTextEdit="1"/>
+          </p:cNvSpPr>
+          <p:nvPr>
+            <p:extLst>
+              <p:ext uri="{386F3935-93C4-4BCD-93E2-E3B085C9AB24}">
+                <p16:designElem xmlns:p16="http://schemas.microsoft.com/office/powerpoint/2015/main" val="1"/>
+              </p:ext>
+            </p:extLst>
+          </p:nvPr>
+        </p:nvSpPr>
+        <p:spPr bwMode="auto">
+          <a:xfrm flipH="1">
+            <a:off x="800164" y="643467"/>
+            <a:ext cx="409371" cy="5521414"/>
+          </a:xfrm>
+          <a:custGeom>
+            <a:avLst/>
+            <a:gdLst>
+              <a:gd name="T0" fmla="*/ 209 w 209"/>
+              <a:gd name="T1" fmla="*/ 2246 h 2358"/>
+              <a:gd name="T2" fmla="*/ 0 w 209"/>
+              <a:gd name="T3" fmla="*/ 2358 h 2358"/>
+              <a:gd name="T4" fmla="*/ 0 w 209"/>
+              <a:gd name="T5" fmla="*/ 111 h 2358"/>
+              <a:gd name="T6" fmla="*/ 209 w 209"/>
+              <a:gd name="T7" fmla="*/ 0 h 2358"/>
+              <a:gd name="T8" fmla="*/ 209 w 209"/>
+              <a:gd name="T9" fmla="*/ 2246 h 2358"/>
+            </a:gdLst>
+            <a:ahLst/>
+            <a:cxnLst>
+              <a:cxn ang="0">
+                <a:pos x="T0" y="T1"/>
+              </a:cxn>
+              <a:cxn ang="0">
+                <a:pos x="T2" y="T3"/>
+              </a:cxn>
+              <a:cxn ang="0">
+                <a:pos x="T4" y="T5"/>
+              </a:cxn>
+              <a:cxn ang="0">
+                <a:pos x="T6" y="T7"/>
+              </a:cxn>
+              <a:cxn ang="0">
+                <a:pos x="T8" y="T9"/>
+              </a:cxn>
+            </a:cxnLst>
+            <a:rect l="0" t="0" r="r" b="b"/>
+            <a:pathLst>
+              <a:path w="209" h="2358">
+                <a:moveTo>
+                  <a:pt x="209" y="2246"/>
+                </a:moveTo>
+                <a:lnTo>
+                  <a:pt x="0" y="2358"/>
+                </a:lnTo>
+                <a:lnTo>
+                  <a:pt x="0" y="111"/>
+                </a:lnTo>
+                <a:lnTo>
+                  <a:pt x="209" y="0"/>
+                </a:lnTo>
+                <a:lnTo>
+                  <a:pt x="209" y="2246"/>
+                </a:lnTo>
+                <a:close/>
+              </a:path>
+            </a:pathLst>
+          </a:custGeom>
+          <a:solidFill>
+            <a:schemeClr val="accent1">
+              <a:lumMod val="50000"/>
+            </a:schemeClr>
+          </a:solidFill>
+          <a:ln>
+            <a:noFill/>
+          </a:ln>
+        </p:spPr>
+        <p:txBody>
+          <a:bodyPr vert="horz" wrap="square" lIns="91440" tIns="45720" rIns="91440" bIns="45720" numCol="1" anchor="t" anchorCtr="0" compatLnSpc="1">
+            <a:prstTxWarp prst="textNoShape">
+              <a:avLst/>
+            </a:prstTxWarp>
+          </a:bodyPr>
+          <a:lstStyle/>
+          <a:p>
+            <a:endParaRPr lang="en-US"/>
+          </a:p>
+        </p:txBody>
+      </p:sp>
+      <p:sp>
+        <p:nvSpPr>
+          <p:cNvPr id="44" name="Rectangle 8">
+            <a:extLst>
+              <a:ext uri="{FF2B5EF4-FFF2-40B4-BE49-F238E27FC236}">
+                <a16:creationId xmlns:a16="http://schemas.microsoft.com/office/drawing/2014/main" id="{131031D3-26CD-4214-A9A4-5857EFA15A0C}"/>
+              </a:ext>
+              <a:ext uri="{C183D7F6-B498-43B3-948B-1728B52AA6E4}">
+                <adec:decorative xmlns:adec="http://schemas.microsoft.com/office/drawing/2017/decorative" val="1"/>
+              </a:ext>
+            </a:extLst>
+          </p:cNvPr>
+          <p:cNvSpPr>
+            <a:spLocks noGrp="1" noRot="1" noChangeAspect="1" noMove="1" noResize="1" noEditPoints="1" noAdjustHandles="1" noChangeArrowheads="1" noChangeShapeType="1" noTextEdit="1"/>
+          </p:cNvSpPr>
+          <p:nvPr>
+            <p:extLst>
+              <p:ext uri="{386F3935-93C4-4BCD-93E2-E3B085C9AB24}">
+                <p16:designElem xmlns:p16="http://schemas.microsoft.com/office/powerpoint/2015/main" val="1"/>
+              </p:ext>
+            </p:extLst>
+          </p:nvPr>
+        </p:nvSpPr>
+        <p:spPr bwMode="auto">
+          <a:xfrm>
+            <a:off x="795529" y="644382"/>
+            <a:ext cx="3856024" cy="5251646"/>
+          </a:xfrm>
+          <a:prstGeom prst="rect">
+            <a:avLst/>
+          </a:prstGeom>
+          <a:solidFill>
+            <a:schemeClr val="accent1"/>
+          </a:solidFill>
+          <a:ln>
+            <a:noFill/>
+          </a:ln>
+        </p:spPr>
+        <p:txBody>
+          <a:bodyPr vert="horz" wrap="square" lIns="91440" tIns="45720" rIns="91440" bIns="45720" numCol="1" anchor="t" anchorCtr="0" compatLnSpc="1">
+            <a:prstTxWarp prst="textNoShape">
+              <a:avLst/>
+            </a:prstTxWarp>
+          </a:bodyPr>
+          <a:lstStyle/>
+          <a:p>
+            <a:endParaRPr lang="en-US"/>
+          </a:p>
+        </p:txBody>
+      </p:sp>
       <p:sp>
         <p:nvSpPr>
           <p:cNvPr id="2" name="Title 1">
@@ -11440,13 +12652,27 @@
             <p:ph type="title"/>
           </p:nvPr>
         </p:nvSpPr>
-        <p:spPr/>
-        <p:txBody>
-          <a:bodyPr/>
-          <a:lstStyle/>
-          <a:p>
-            <a:r>
-              <a:rPr lang="en-US" dirty="0"/>
+        <p:spPr>
+          <a:xfrm>
+            <a:off x="1146879" y="998002"/>
+            <a:ext cx="3182940" cy="1471959"/>
+          </a:xfrm>
+        </p:spPr>
+        <p:txBody>
+          <a:bodyPr vert="horz" lIns="91440" tIns="45720" rIns="91440" bIns="45720" rtlCol="0" anchor="ctr">
+            <a:normAutofit/>
+          </a:bodyPr>
+          <a:lstStyle/>
+          <a:p>
+            <a:r>
+              <a:rPr lang="en-US" sz="3600" kern="1200">
+                <a:solidFill>
+                  <a:srgbClr val="FFFFFF"/>
+                </a:solidFill>
+                <a:latin typeface="+mj-lt"/>
+                <a:ea typeface="+mj-ea"/>
+                <a:cs typeface="+mj-cs"/>
+              </a:rPr>
               <a:t>When I work alone ……</a:t>
             </a:r>
           </a:p>
@@ -11470,73 +12696,90 @@
         </p:nvSpPr>
         <p:spPr>
           <a:xfrm>
-            <a:off x="838200" y="2557931"/>
-            <a:ext cx="4454610" cy="3619032"/>
-          </a:xfrm>
-        </p:spPr>
-        <p:txBody>
-          <a:bodyPr/>
-          <a:lstStyle/>
-          <a:p>
-            <a:r>
-              <a:rPr lang="en-US" dirty="0"/>
+            <a:off x="1139635" y="2546161"/>
+            <a:ext cx="3200451" cy="2985929"/>
+          </a:xfrm>
+        </p:spPr>
+        <p:txBody>
+          <a:bodyPr vert="horz" lIns="91440" tIns="45720" rIns="91440" bIns="45720" rtlCol="0" anchor="t">
+            <a:normAutofit lnSpcReduction="10000"/>
+          </a:bodyPr>
+          <a:lstStyle/>
+          <a:p>
+            <a:r>
+              <a:rPr lang="en-US" sz="2000">
+                <a:solidFill>
+                  <a:srgbClr val="FEFFFF"/>
+                </a:solidFill>
+              </a:rPr>
               <a:t>Life is simple!</a:t>
             </a:r>
           </a:p>
           <a:p>
-            <a:endParaRPr lang="en-US" dirty="0"/>
-          </a:p>
-          <a:p>
-            <a:pPr lvl="1">
-              <a:buFont typeface="Wingdings" pitchFamily="2" charset="2"/>
-              <a:buChar char="v"/>
-            </a:pPr>
-            <a:r>
-              <a:rPr lang="en-US"/>
+            <a:endParaRPr lang="en-US" sz="2000">
+              <a:solidFill>
+                <a:srgbClr val="FEFFFF"/>
+              </a:solidFill>
+            </a:endParaRPr>
+          </a:p>
+          <a:p>
+            <a:pPr lvl="1"/>
+            <a:r>
+              <a:rPr lang="en-US" sz="2000">
+                <a:solidFill>
+                  <a:srgbClr val="FEFFFF"/>
+                </a:solidFill>
+              </a:rPr>
               <a:t>I write a test</a:t>
             </a:r>
           </a:p>
           <a:p>
-            <a:pPr lvl="1">
-              <a:buFont typeface="Wingdings" pitchFamily="2" charset="2"/>
-              <a:buChar char="v"/>
-            </a:pPr>
-            <a:r>
-              <a:rPr lang="en-US"/>
-              <a:t>I </a:t>
-            </a:r>
-            <a:r>
-              <a:rPr lang="en-US" dirty="0"/>
-              <a:t>write my code</a:t>
-            </a:r>
-          </a:p>
-          <a:p>
-            <a:pPr lvl="1">
-              <a:buFont typeface="Wingdings" pitchFamily="2" charset="2"/>
-              <a:buChar char="v"/>
-            </a:pPr>
-            <a:r>
-              <a:rPr lang="en-US" dirty="0"/>
+            <a:pPr lvl="1"/>
+            <a:r>
+              <a:rPr lang="en-US" sz="2000">
+                <a:solidFill>
+                  <a:srgbClr val="FEFFFF"/>
+                </a:solidFill>
+              </a:rPr>
+              <a:t>I write my code</a:t>
+            </a:r>
+          </a:p>
+          <a:p>
+            <a:pPr lvl="1"/>
+            <a:r>
+              <a:rPr lang="en-US" sz="2000">
+                <a:solidFill>
+                  <a:srgbClr val="FEFFFF"/>
+                </a:solidFill>
+              </a:rPr>
               <a:t>I save my code</a:t>
             </a:r>
           </a:p>
           <a:p>
-            <a:pPr lvl="1">
-              <a:buFont typeface="Wingdings" pitchFamily="2" charset="2"/>
-              <a:buChar char="v"/>
-            </a:pPr>
-            <a:r>
-              <a:rPr lang="en-US"/>
-              <a:t>My code passes the test</a:t>
-            </a:r>
-            <a:endParaRPr lang="en-US" dirty="0"/>
-          </a:p>
-          <a:p>
-            <a:endParaRPr lang="en-US" dirty="0"/>
-          </a:p>
-          <a:p>
-            <a:r>
-              <a:rPr lang="en-US" dirty="0"/>
+            <a:pPr lvl="1"/>
+            <a:r>
+              <a:rPr lang="en-US" sz="2000">
+                <a:solidFill>
+                  <a:srgbClr val="FEFFFF"/>
+                </a:solidFill>
+              </a:rPr>
+              <a:t>I run the test and my code passes</a:t>
+            </a:r>
+          </a:p>
+          <a:p>
+            <a:endParaRPr lang="en-US" sz="2000">
+              <a:solidFill>
+                <a:srgbClr val="FEFFFF"/>
+              </a:solidFill>
+            </a:endParaRPr>
+          </a:p>
+          <a:p>
+            <a:r>
+              <a:rPr lang="en-US" sz="2000">
+                <a:solidFill>
+                  <a:srgbClr val="FEFFFF"/>
+                </a:solidFill>
+              </a:rPr>
               <a:t>And then I am done!</a:t>
             </a:r>
           </a:p>
@@ -11556,22 +12799,71 @@
           </p:cNvPicPr>
           <p:nvPr/>
         </p:nvPicPr>
-        <p:blipFill>
+        <p:blipFill rotWithShape="1">
           <a:blip r:embed="rId3"/>
-          <a:stretch>
-            <a:fillRect/>
-          </a:stretch>
+          <a:srcRect l="10204" r="18001" b="1"/>
+          <a:stretch/>
         </p:blipFill>
         <p:spPr>
           <a:xfrm>
-            <a:off x="5292810" y="2557931"/>
-            <a:ext cx="6462557" cy="3619032"/>
+            <a:off x="4998268" y="719082"/>
+            <a:ext cx="6539075" cy="5100415"/>
           </a:xfrm>
           <a:prstGeom prst="rect">
             <a:avLst/>
           </a:prstGeom>
         </p:spPr>
       </p:pic>
+      <p:sp>
+        <p:nvSpPr>
+          <p:cNvPr id="4" name="Footer Placeholder 3">
+            <a:extLst>
+              <a:ext uri="{FF2B5EF4-FFF2-40B4-BE49-F238E27FC236}">
+                <a16:creationId xmlns:a16="http://schemas.microsoft.com/office/drawing/2014/main" id="{513D541C-E851-4CA8-A79C-FE463B26B83B}"/>
+              </a:ext>
+            </a:extLst>
+          </p:cNvPr>
+          <p:cNvSpPr>
+            <a:spLocks noGrp="1"/>
+          </p:cNvSpPr>
+          <p:nvPr>
+            <p:ph type="ftr" sz="quarter" idx="11"/>
+          </p:nvPr>
+        </p:nvSpPr>
+        <p:spPr>
+          <a:xfrm>
+            <a:off x="795528" y="6382512"/>
+            <a:ext cx="1827092" cy="320040"/>
+          </a:xfrm>
+        </p:spPr>
+        <p:txBody>
+          <a:bodyPr vert="horz" lIns="91440" tIns="45720" rIns="91440" bIns="45720" rtlCol="0" anchor="ctr">
+            <a:normAutofit/>
+          </a:bodyPr>
+          <a:lstStyle/>
+          <a:p>
+            <a:pPr algn="l">
+              <a:spcAft>
+                <a:spcPts val="600"/>
+              </a:spcAft>
+              <a:defRPr/>
+            </a:pPr>
+            <a:r>
+              <a:rPr lang="en-US" sz="1000" kern="1200">
+                <a:solidFill>
+                  <a:schemeClr val="tx1">
+                    <a:tint val="75000"/>
+                  </a:schemeClr>
+                </a:solidFill>
+                <a:latin typeface="+mn-lt"/>
+                <a:ea typeface="+mn-ea"/>
+                <a:cs typeface="+mn-cs"/>
+              </a:rPr>
+              <a:t>© 2021 Fairfield &amp; Company</a:t>
+            </a:r>
+          </a:p>
+        </p:txBody>
+      </p:sp>
     </p:spTree>
     <p:extLst>
       <p:ext uri="{BB962C8B-B14F-4D97-AF65-F5344CB8AC3E}">
@@ -11588,6 +12880,21 @@
 <file path=ppt/slides/slide20.xml><?xml version="1.0" encoding="utf-8"?>
 <p:sld xmlns:a="http://schemas.openxmlformats.org/drawingml/2006/main" xmlns:r="http://schemas.openxmlformats.org/officeDocument/2006/relationships" xmlns:p="http://schemas.openxmlformats.org/presentationml/2006/main">
   <p:cSld>
+    <p:bg>
+      <p:bgPr>
+        <a:blipFill dpi="0" rotWithShape="1">
+          <a:blip r:embed="rId3">
+            <a:alphaModFix amt="20000"/>
+            <a:lum/>
+          </a:blip>
+          <a:srcRect/>
+          <a:stretch>
+            <a:fillRect t="-10000" b="-10000"/>
+          </a:stretch>
+        </a:blipFill>
+        <a:effectLst/>
+      </p:bgPr>
+    </p:bg>
     <p:spTree>
       <p:nvGrpSpPr>
         <p:cNvPr id="1" name=""/>
@@ -12229,6 +13536,144 @@
           </a:p>
         </p:txBody>
       </p:sp>
+      <p:sp>
+        <p:nvSpPr>
+          <p:cNvPr id="18" name="Footer Placeholder 3">
+            <a:extLst>
+              <a:ext uri="{FF2B5EF4-FFF2-40B4-BE49-F238E27FC236}">
+                <a16:creationId xmlns:a16="http://schemas.microsoft.com/office/drawing/2014/main" id="{AB7ED5A9-E85D-42BC-A745-99DF9DE00FC7}"/>
+              </a:ext>
+            </a:extLst>
+          </p:cNvPr>
+          <p:cNvSpPr txBox="1">
+            <a:spLocks/>
+          </p:cNvSpPr>
+          <p:nvPr/>
+        </p:nvSpPr>
+        <p:spPr>
+          <a:xfrm>
+            <a:off x="86698" y="6492875"/>
+            <a:ext cx="1827092" cy="320040"/>
+          </a:xfrm>
+          <a:prstGeom prst="rect">
+            <a:avLst/>
+          </a:prstGeom>
+        </p:spPr>
+        <p:txBody>
+          <a:bodyPr vert="horz" lIns="91440" tIns="45720" rIns="91440" bIns="45720" rtlCol="0" anchor="ctr">
+            <a:normAutofit/>
+          </a:bodyPr>
+          <a:lstStyle>
+            <a:defPPr>
+              <a:defRPr lang="en-US"/>
+            </a:defPPr>
+            <a:lvl1pPr marL="0" algn="ctr" defTabSz="914400" rtl="0" eaLnBrk="1" latinLnBrk="0" hangingPunct="1">
+              <a:defRPr sz="1200" kern="1200">
+                <a:solidFill>
+                  <a:schemeClr val="tx1">
+                    <a:tint val="75000"/>
+                  </a:schemeClr>
+                </a:solidFill>
+                <a:latin typeface="+mn-lt"/>
+                <a:ea typeface="+mn-ea"/>
+                <a:cs typeface="+mn-cs"/>
+              </a:defRPr>
+            </a:lvl1pPr>
+            <a:lvl2pPr marL="457200" algn="l" defTabSz="914400" rtl="0" eaLnBrk="1" latinLnBrk="0" hangingPunct="1">
+              <a:defRPr sz="1800" kern="1200">
+                <a:solidFill>
+                  <a:schemeClr val="tx1"/>
+                </a:solidFill>
+                <a:latin typeface="+mn-lt"/>
+                <a:ea typeface="+mn-ea"/>
+                <a:cs typeface="+mn-cs"/>
+              </a:defRPr>
+            </a:lvl2pPr>
+            <a:lvl3pPr marL="914400" algn="l" defTabSz="914400" rtl="0" eaLnBrk="1" latinLnBrk="0" hangingPunct="1">
+              <a:defRPr sz="1800" kern="1200">
+                <a:solidFill>
+                  <a:schemeClr val="tx1"/>
+                </a:solidFill>
+                <a:latin typeface="+mn-lt"/>
+                <a:ea typeface="+mn-ea"/>
+                <a:cs typeface="+mn-cs"/>
+              </a:defRPr>
+            </a:lvl3pPr>
+            <a:lvl4pPr marL="1371600" algn="l" defTabSz="914400" rtl="0" eaLnBrk="1" latinLnBrk="0" hangingPunct="1">
+              <a:defRPr sz="1800" kern="1200">
+                <a:solidFill>
+                  <a:schemeClr val="tx1"/>
+                </a:solidFill>
+                <a:latin typeface="+mn-lt"/>
+                <a:ea typeface="+mn-ea"/>
+                <a:cs typeface="+mn-cs"/>
+              </a:defRPr>
+            </a:lvl4pPr>
+            <a:lvl5pPr marL="1828800" algn="l" defTabSz="914400" rtl="0" eaLnBrk="1" latinLnBrk="0" hangingPunct="1">
+              <a:defRPr sz="1800" kern="1200">
+                <a:solidFill>
+                  <a:schemeClr val="tx1"/>
+                </a:solidFill>
+                <a:latin typeface="+mn-lt"/>
+                <a:ea typeface="+mn-ea"/>
+                <a:cs typeface="+mn-cs"/>
+              </a:defRPr>
+            </a:lvl5pPr>
+            <a:lvl6pPr marL="2286000" algn="l" defTabSz="914400" rtl="0" eaLnBrk="1" latinLnBrk="0" hangingPunct="1">
+              <a:defRPr sz="1800" kern="1200">
+                <a:solidFill>
+                  <a:schemeClr val="tx1"/>
+                </a:solidFill>
+                <a:latin typeface="+mn-lt"/>
+                <a:ea typeface="+mn-ea"/>
+                <a:cs typeface="+mn-cs"/>
+              </a:defRPr>
+            </a:lvl6pPr>
+            <a:lvl7pPr marL="2743200" algn="l" defTabSz="914400" rtl="0" eaLnBrk="1" latinLnBrk="0" hangingPunct="1">
+              <a:defRPr sz="1800" kern="1200">
+                <a:solidFill>
+                  <a:schemeClr val="tx1"/>
+                </a:solidFill>
+                <a:latin typeface="+mn-lt"/>
+                <a:ea typeface="+mn-ea"/>
+                <a:cs typeface="+mn-cs"/>
+              </a:defRPr>
+            </a:lvl7pPr>
+            <a:lvl8pPr marL="3200400" algn="l" defTabSz="914400" rtl="0" eaLnBrk="1" latinLnBrk="0" hangingPunct="1">
+              <a:defRPr sz="1800" kern="1200">
+                <a:solidFill>
+                  <a:schemeClr val="tx1"/>
+                </a:solidFill>
+                <a:latin typeface="+mn-lt"/>
+                <a:ea typeface="+mn-ea"/>
+                <a:cs typeface="+mn-cs"/>
+              </a:defRPr>
+            </a:lvl8pPr>
+            <a:lvl9pPr marL="3657600" algn="l" defTabSz="914400" rtl="0" eaLnBrk="1" latinLnBrk="0" hangingPunct="1">
+              <a:defRPr sz="1800" kern="1200">
+                <a:solidFill>
+                  <a:schemeClr val="tx1"/>
+                </a:solidFill>
+                <a:latin typeface="+mn-lt"/>
+                <a:ea typeface="+mn-ea"/>
+                <a:cs typeface="+mn-cs"/>
+              </a:defRPr>
+            </a:lvl9pPr>
+          </a:lstStyle>
+          <a:p>
+            <a:pPr algn="l">
+              <a:spcAft>
+                <a:spcPts val="600"/>
+              </a:spcAft>
+              <a:defRPr/>
+            </a:pPr>
+            <a:r>
+              <a:rPr lang="en-US" sz="1000"/>
+              <a:t>© 2021 Fairfield &amp; Company</a:t>
+            </a:r>
+          </a:p>
+        </p:txBody>
+      </p:sp>
     </p:spTree>
     <p:extLst>
       <p:ext uri="{BB962C8B-B14F-4D97-AF65-F5344CB8AC3E}">
@@ -12245,6 +13690,21 @@
 <file path=ppt/slides/slide21.xml><?xml version="1.0" encoding="utf-8"?>
 <p:sld xmlns:a="http://schemas.openxmlformats.org/drawingml/2006/main" xmlns:r="http://schemas.openxmlformats.org/officeDocument/2006/relationships" xmlns:p="http://schemas.openxmlformats.org/presentationml/2006/main">
   <p:cSld>
+    <p:bg>
+      <p:bgPr>
+        <a:blipFill dpi="0" rotWithShape="1">
+          <a:blip r:embed="rId3">
+            <a:alphaModFix amt="20000"/>
+            <a:lum/>
+          </a:blip>
+          <a:srcRect/>
+          <a:stretch>
+            <a:fillRect t="-10000" b="-10000"/>
+          </a:stretch>
+        </a:blipFill>
+        <a:effectLst/>
+      </p:bgPr>
+    </p:bg>
     <p:spTree>
       <p:nvGrpSpPr>
         <p:cNvPr id="1" name=""/>
@@ -12936,6 +14396,56 @@
           </a:p>
         </p:txBody>
       </p:sp>
+      <p:sp>
+        <p:nvSpPr>
+          <p:cNvPr id="17" name="Footer Placeholder 3">
+            <a:extLst>
+              <a:ext uri="{FF2B5EF4-FFF2-40B4-BE49-F238E27FC236}">
+                <a16:creationId xmlns:a16="http://schemas.microsoft.com/office/drawing/2014/main" id="{4EF12F4C-35FD-4147-9ED2-9F4A2636ECB8}"/>
+              </a:ext>
+            </a:extLst>
+          </p:cNvPr>
+          <p:cNvSpPr>
+            <a:spLocks noGrp="1"/>
+          </p:cNvSpPr>
+          <p:nvPr>
+            <p:ph type="ftr" sz="quarter" idx="11"/>
+          </p:nvPr>
+        </p:nvSpPr>
+        <p:spPr>
+          <a:xfrm>
+            <a:off x="86698" y="6492875"/>
+            <a:ext cx="1827092" cy="320040"/>
+          </a:xfrm>
+        </p:spPr>
+        <p:txBody>
+          <a:bodyPr vert="horz" lIns="91440" tIns="45720" rIns="91440" bIns="45720" rtlCol="0" anchor="ctr">
+            <a:normAutofit/>
+          </a:bodyPr>
+          <a:lstStyle/>
+          <a:p>
+            <a:pPr algn="l">
+              <a:spcAft>
+                <a:spcPts val="600"/>
+              </a:spcAft>
+              <a:defRPr/>
+            </a:pPr>
+            <a:r>
+              <a:rPr lang="en-US" sz="1000" kern="1200">
+                <a:solidFill>
+                  <a:schemeClr val="tx1">
+                    <a:tint val="75000"/>
+                  </a:schemeClr>
+                </a:solidFill>
+                <a:latin typeface="+mn-lt"/>
+                <a:ea typeface="+mn-ea"/>
+                <a:cs typeface="+mn-cs"/>
+              </a:rPr>
+              <a:t>© 2021 Fairfield &amp; Company</a:t>
+            </a:r>
+          </a:p>
+        </p:txBody>
+      </p:sp>
     </p:spTree>
     <p:extLst>
       <p:ext uri="{BB962C8B-B14F-4D97-AF65-F5344CB8AC3E}">
@@ -12952,6 +14462,21 @@
 <file path=ppt/slides/slide22.xml><?xml version="1.0" encoding="utf-8"?>
 <p:sld xmlns:a="http://schemas.openxmlformats.org/drawingml/2006/main" xmlns:r="http://schemas.openxmlformats.org/officeDocument/2006/relationships" xmlns:p="http://schemas.openxmlformats.org/presentationml/2006/main">
   <p:cSld>
+    <p:bg>
+      <p:bgPr>
+        <a:blipFill dpi="0" rotWithShape="1">
+          <a:blip r:embed="rId2">
+            <a:alphaModFix amt="20000"/>
+            <a:lum/>
+          </a:blip>
+          <a:srcRect/>
+          <a:stretch>
+            <a:fillRect t="-10000" b="-10000"/>
+          </a:stretch>
+        </a:blipFill>
+        <a:effectLst/>
+      </p:bgPr>
+    </p:bg>
     <p:spTree>
       <p:nvGrpSpPr>
         <p:cNvPr id="1" name=""/>
@@ -13011,7 +14536,7 @@
           </p:nvPr>
         </p:nvPicPr>
         <p:blipFill>
-          <a:blip r:embed="rId2"/>
+          <a:blip r:embed="rId3"/>
           <a:stretch>
             <a:fillRect/>
           </a:stretch>
@@ -13080,6 +14605,56 @@
                 </a:solidFill>
               </a:rPr>
               <a:t>after we committed our changes?</a:t>
+            </a:r>
+          </a:p>
+        </p:txBody>
+      </p:sp>
+      <p:sp>
+        <p:nvSpPr>
+          <p:cNvPr id="8" name="Footer Placeholder 3">
+            <a:extLst>
+              <a:ext uri="{FF2B5EF4-FFF2-40B4-BE49-F238E27FC236}">
+                <a16:creationId xmlns:a16="http://schemas.microsoft.com/office/drawing/2014/main" id="{92DF6F0F-4559-4348-8CFA-5B10225AAC2A}"/>
+              </a:ext>
+            </a:extLst>
+          </p:cNvPr>
+          <p:cNvSpPr>
+            <a:spLocks noGrp="1"/>
+          </p:cNvSpPr>
+          <p:nvPr>
+            <p:ph type="ftr" sz="quarter" idx="11"/>
+          </p:nvPr>
+        </p:nvSpPr>
+        <p:spPr>
+          <a:xfrm>
+            <a:off x="86698" y="6492875"/>
+            <a:ext cx="1827092" cy="320040"/>
+          </a:xfrm>
+        </p:spPr>
+        <p:txBody>
+          <a:bodyPr vert="horz" lIns="91440" tIns="45720" rIns="91440" bIns="45720" rtlCol="0" anchor="ctr">
+            <a:normAutofit/>
+          </a:bodyPr>
+          <a:lstStyle/>
+          <a:p>
+            <a:pPr algn="l">
+              <a:spcAft>
+                <a:spcPts val="600"/>
+              </a:spcAft>
+              <a:defRPr/>
+            </a:pPr>
+            <a:r>
+              <a:rPr lang="en-US" sz="1000" kern="1200">
+                <a:solidFill>
+                  <a:schemeClr val="tx1">
+                    <a:tint val="75000"/>
+                  </a:schemeClr>
+                </a:solidFill>
+                <a:latin typeface="+mn-lt"/>
+                <a:ea typeface="+mn-ea"/>
+                <a:cs typeface="+mn-cs"/>
+              </a:rPr>
+              <a:t>© 2021 Fairfield &amp; Company</a:t>
             </a:r>
           </a:p>
         </p:txBody>
@@ -13175,6 +14750,21 @@
 <file path=ppt/slides/slide23.xml><?xml version="1.0" encoding="utf-8"?>
 <p:sld xmlns:a="http://schemas.openxmlformats.org/drawingml/2006/main" xmlns:r="http://schemas.openxmlformats.org/officeDocument/2006/relationships" xmlns:p="http://schemas.openxmlformats.org/presentationml/2006/main">
   <p:cSld>
+    <p:bg>
+      <p:bgPr>
+        <a:blipFill dpi="0" rotWithShape="1">
+          <a:blip r:embed="rId3">
+            <a:alphaModFix amt="20000"/>
+            <a:lum/>
+          </a:blip>
+          <a:srcRect/>
+          <a:stretch>
+            <a:fillRect t="-10000" b="-10000"/>
+          </a:stretch>
+        </a:blipFill>
+        <a:effectLst/>
+      </p:bgPr>
+    </p:bg>
     <p:spTree>
       <p:nvGrpSpPr>
         <p:cNvPr id="1" name=""/>
@@ -13234,7 +14824,7 @@
           </p:nvPr>
         </p:nvPicPr>
         <p:blipFill>
-          <a:blip r:embed="rId3"/>
+          <a:blip r:embed="rId4"/>
           <a:stretch>
             <a:fillRect/>
           </a:stretch>
@@ -13370,7 +14960,7 @@
           <a:lstStyle/>
           <a:p>
             <a:r>
-              <a:rPr lang="en-US" sz="2400" dirty="0">
+              <a:rPr lang="en-US" sz="2400" b="1" dirty="0">
                 <a:solidFill>
                   <a:srgbClr val="C00000"/>
                 </a:solidFill>
@@ -13530,7 +15120,7 @@
         </p:nvSpPr>
         <p:spPr>
           <a:xfrm>
-            <a:off x="4296588" y="4654342"/>
+            <a:off x="4296588" y="5357476"/>
             <a:ext cx="2548198" cy="461665"/>
           </a:xfrm>
           <a:prstGeom prst="rect">
@@ -13566,13 +15156,16 @@
               </a:ext>
             </a:extLst>
           </p:cNvPr>
-          <p:cNvCxnSpPr/>
+          <p:cNvCxnSpPr>
+            <a:cxnSpLocks/>
+            <a:stCxn id="16" idx="0"/>
+          </p:cNvCxnSpPr>
           <p:nvPr/>
         </p:nvCxnSpPr>
         <p:spPr>
           <a:xfrm flipH="1" flipV="1">
-            <a:off x="3299833" y="4384551"/>
-            <a:ext cx="1134319" cy="500623"/>
+            <a:off x="3299835" y="4384552"/>
+            <a:ext cx="2270852" cy="972924"/>
           </a:xfrm>
           <a:prstGeom prst="straightConnector1">
             <a:avLst/>
@@ -13766,6 +15359,56 @@
           </a:p>
         </p:txBody>
       </p:sp>
+      <p:sp>
+        <p:nvSpPr>
+          <p:cNvPr id="17" name="Footer Placeholder 3">
+            <a:extLst>
+              <a:ext uri="{FF2B5EF4-FFF2-40B4-BE49-F238E27FC236}">
+                <a16:creationId xmlns:a16="http://schemas.microsoft.com/office/drawing/2014/main" id="{7A0CDF99-0476-4971-882E-916406EDD952}"/>
+              </a:ext>
+            </a:extLst>
+          </p:cNvPr>
+          <p:cNvSpPr>
+            <a:spLocks noGrp="1"/>
+          </p:cNvSpPr>
+          <p:nvPr>
+            <p:ph type="ftr" sz="quarter" idx="11"/>
+          </p:nvPr>
+        </p:nvSpPr>
+        <p:spPr>
+          <a:xfrm>
+            <a:off x="86698" y="6492875"/>
+            <a:ext cx="1827092" cy="320040"/>
+          </a:xfrm>
+        </p:spPr>
+        <p:txBody>
+          <a:bodyPr vert="horz" lIns="91440" tIns="45720" rIns="91440" bIns="45720" rtlCol="0" anchor="ctr">
+            <a:normAutofit/>
+          </a:bodyPr>
+          <a:lstStyle/>
+          <a:p>
+            <a:pPr algn="l">
+              <a:spcAft>
+                <a:spcPts val="600"/>
+              </a:spcAft>
+              <a:defRPr/>
+            </a:pPr>
+            <a:r>
+              <a:rPr lang="en-US" sz="1000" kern="1200">
+                <a:solidFill>
+                  <a:schemeClr val="tx1">
+                    <a:tint val="75000"/>
+                  </a:schemeClr>
+                </a:solidFill>
+                <a:latin typeface="+mn-lt"/>
+                <a:ea typeface="+mn-ea"/>
+                <a:cs typeface="+mn-cs"/>
+              </a:rPr>
+              <a:t>© 2021 Fairfield &amp; Company</a:t>
+            </a:r>
+          </a:p>
+        </p:txBody>
+      </p:sp>
     </p:spTree>
     <p:extLst>
       <p:ext uri="{BB962C8B-B14F-4D97-AF65-F5344CB8AC3E}">
@@ -13782,6 +15425,21 @@
 <file path=ppt/slides/slide24.xml><?xml version="1.0" encoding="utf-8"?>
 <p:sld xmlns:a="http://schemas.openxmlformats.org/drawingml/2006/main" xmlns:r="http://schemas.openxmlformats.org/officeDocument/2006/relationships" xmlns:p="http://schemas.openxmlformats.org/presentationml/2006/main">
   <p:cSld>
+    <p:bg>
+      <p:bgPr>
+        <a:blipFill dpi="0" rotWithShape="1">
+          <a:blip r:embed="rId2">
+            <a:alphaModFix amt="15000"/>
+            <a:lum/>
+          </a:blip>
+          <a:srcRect/>
+          <a:stretch>
+            <a:fillRect t="-10000" b="-10000"/>
+          </a:stretch>
+        </a:blipFill>
+        <a:effectLst/>
+      </p:bgPr>
+    </p:bg>
     <p:spTree>
       <p:nvGrpSpPr>
         <p:cNvPr id="1" name=""/>
@@ -13888,7 +15546,7 @@
           </p:nvPr>
         </p:nvPicPr>
         <p:blipFill>
-          <a:blip r:embed="rId2"/>
+          <a:blip r:embed="rId3"/>
           <a:stretch>
             <a:fillRect/>
           </a:stretch>
@@ -13900,6 +15558,56 @@
           </a:xfrm>
         </p:spPr>
       </p:pic>
+      <p:sp>
+        <p:nvSpPr>
+          <p:cNvPr id="6" name="Footer Placeholder 3">
+            <a:extLst>
+              <a:ext uri="{FF2B5EF4-FFF2-40B4-BE49-F238E27FC236}">
+                <a16:creationId xmlns:a16="http://schemas.microsoft.com/office/drawing/2014/main" id="{1EF91A1C-402B-488D-82B5-B804D21DBD73}"/>
+              </a:ext>
+            </a:extLst>
+          </p:cNvPr>
+          <p:cNvSpPr>
+            <a:spLocks noGrp="1"/>
+          </p:cNvSpPr>
+          <p:nvPr>
+            <p:ph type="ftr" sz="quarter" idx="11"/>
+          </p:nvPr>
+        </p:nvSpPr>
+        <p:spPr>
+          <a:xfrm>
+            <a:off x="86698" y="6492875"/>
+            <a:ext cx="1827092" cy="320040"/>
+          </a:xfrm>
+        </p:spPr>
+        <p:txBody>
+          <a:bodyPr vert="horz" lIns="91440" tIns="45720" rIns="91440" bIns="45720" rtlCol="0" anchor="ctr">
+            <a:normAutofit/>
+          </a:bodyPr>
+          <a:lstStyle/>
+          <a:p>
+            <a:pPr algn="l">
+              <a:spcAft>
+                <a:spcPts val="600"/>
+              </a:spcAft>
+              <a:defRPr/>
+            </a:pPr>
+            <a:r>
+              <a:rPr lang="en-US" sz="1000" kern="1200">
+                <a:solidFill>
+                  <a:schemeClr val="tx1">
+                    <a:tint val="75000"/>
+                  </a:schemeClr>
+                </a:solidFill>
+                <a:latin typeface="+mn-lt"/>
+                <a:ea typeface="+mn-ea"/>
+                <a:cs typeface="+mn-cs"/>
+              </a:rPr>
+              <a:t>© 2021 Fairfield &amp; Company</a:t>
+            </a:r>
+          </a:p>
+        </p:txBody>
+      </p:sp>
     </p:spTree>
     <p:extLst>
       <p:ext uri="{BB962C8B-B14F-4D97-AF65-F5344CB8AC3E}">
@@ -13916,6 +15624,21 @@
 <file path=ppt/slides/slide25.xml><?xml version="1.0" encoding="utf-8"?>
 <p:sld xmlns:a="http://schemas.openxmlformats.org/drawingml/2006/main" xmlns:r="http://schemas.openxmlformats.org/officeDocument/2006/relationships" xmlns:p="http://schemas.openxmlformats.org/presentationml/2006/main">
   <p:cSld>
+    <p:bg>
+      <p:bgPr>
+        <a:blipFill dpi="0" rotWithShape="1">
+          <a:blip r:embed="rId2">
+            <a:alphaModFix amt="15000"/>
+            <a:lum/>
+          </a:blip>
+          <a:srcRect/>
+          <a:stretch>
+            <a:fillRect t="-10000" b="-10000"/>
+          </a:stretch>
+        </a:blipFill>
+        <a:effectLst/>
+      </p:bgPr>
+    </p:bg>
     <p:spTree>
       <p:nvGrpSpPr>
         <p:cNvPr id="1" name=""/>
@@ -13952,9 +15675,10 @@
           <a:lstStyle/>
           <a:p>
             <a:r>
-              <a:rPr lang="en-US" dirty="0"/>
+              <a:rPr lang="en-US"/>
               <a:t>Editing the first file</a:t>
             </a:r>
+            <a:endParaRPr lang="en-US" dirty="0"/>
           </a:p>
         </p:txBody>
       </p:sp>
@@ -13975,7 +15699,7 @@
           </p:nvPr>
         </p:nvPicPr>
         <p:blipFill>
-          <a:blip r:embed="rId2"/>
+          <a:blip r:embed="rId3"/>
           <a:stretch>
             <a:fillRect/>
           </a:stretch>
@@ -14014,7 +15738,7 @@
           <a:lstStyle/>
           <a:p>
             <a:r>
-              <a:rPr lang="en-US" dirty="0"/>
+              <a:rPr lang="en-US"/>
               <a:t>Changes to Customer1</a:t>
             </a:r>
           </a:p>
@@ -14041,7 +15765,7 @@
           <p:nvPr/>
         </p:nvPicPr>
         <p:blipFill>
-          <a:blip r:embed="rId3"/>
+          <a:blip r:embed="rId4"/>
           <a:stretch>
             <a:fillRect/>
           </a:stretch>
@@ -14085,7 +15809,7 @@
           <a:lstStyle/>
           <a:p>
             <a:r>
-              <a:rPr lang="en-US" sz="2400" dirty="0">
+              <a:rPr lang="en-US" sz="2400">
                 <a:solidFill>
                   <a:schemeClr val="accent1">
                     <a:lumMod val="75000"/>
@@ -14094,6 +15818,13 @@
               </a:rPr>
               <a:t>Original</a:t>
             </a:r>
+            <a:endParaRPr lang="en-US" sz="2400" dirty="0">
+              <a:solidFill>
+                <a:schemeClr val="accent1">
+                  <a:lumMod val="75000"/>
+                </a:schemeClr>
+              </a:solidFill>
+            </a:endParaRPr>
           </a:p>
         </p:txBody>
       </p:sp>
@@ -14126,7 +15857,7 @@
           <a:lstStyle/>
           <a:p>
             <a:r>
-              <a:rPr lang="en-US" sz="2400" dirty="0">
+              <a:rPr lang="en-US" sz="2400">
                 <a:solidFill>
                   <a:schemeClr val="accent1">
                     <a:lumMod val="75000"/>
@@ -14135,6 +15866,13 @@
               </a:rPr>
               <a:t>Revised</a:t>
             </a:r>
+            <a:endParaRPr lang="en-US" sz="2400" dirty="0">
+              <a:solidFill>
+                <a:schemeClr val="accent1">
+                  <a:lumMod val="75000"/>
+                </a:schemeClr>
+              </a:solidFill>
+            </a:endParaRPr>
           </a:p>
         </p:txBody>
       </p:sp>
@@ -14153,7 +15891,7 @@
         <p:spPr>
           <a:xfrm>
             <a:off x="669073" y="3311912"/>
-            <a:ext cx="2486722" cy="646331"/>
+            <a:ext cx="2486722" cy="1200329"/>
           </a:xfrm>
           <a:prstGeom prst="rect">
             <a:avLst/>
@@ -14172,12 +15910,67 @@
           <a:lstStyle/>
           <a:p>
             <a:r>
-              <a:rPr lang="en-US" dirty="0">
+              <a:rPr lang="en-US" sz="2400">
                 <a:solidFill>
                   <a:srgbClr val="C00000"/>
                 </a:solidFill>
               </a:rPr>
               <a:t>The name and the credit limit have been changed</a:t>
+            </a:r>
+            <a:endParaRPr lang="en-US" sz="2400" dirty="0">
+              <a:solidFill>
+                <a:srgbClr val="C00000"/>
+              </a:solidFill>
+            </a:endParaRPr>
+          </a:p>
+        </p:txBody>
+      </p:sp>
+      <p:sp>
+        <p:nvSpPr>
+          <p:cNvPr id="17" name="Footer Placeholder 3">
+            <a:extLst>
+              <a:ext uri="{FF2B5EF4-FFF2-40B4-BE49-F238E27FC236}">
+                <a16:creationId xmlns:a16="http://schemas.microsoft.com/office/drawing/2014/main" id="{2F49138F-7012-4AFC-9709-E35BC5F36BF6}"/>
+              </a:ext>
+            </a:extLst>
+          </p:cNvPr>
+          <p:cNvSpPr>
+            <a:spLocks noGrp="1"/>
+          </p:cNvSpPr>
+          <p:nvPr>
+            <p:ph type="ftr" sz="quarter" idx="11"/>
+          </p:nvPr>
+        </p:nvSpPr>
+        <p:spPr>
+          <a:xfrm>
+            <a:off x="86698" y="6492875"/>
+            <a:ext cx="1827092" cy="320040"/>
+          </a:xfrm>
+        </p:spPr>
+        <p:txBody>
+          <a:bodyPr vert="horz" lIns="91440" tIns="45720" rIns="91440" bIns="45720" rtlCol="0" anchor="ctr">
+            <a:normAutofit/>
+          </a:bodyPr>
+          <a:lstStyle/>
+          <a:p>
+            <a:pPr algn="l">
+              <a:spcAft>
+                <a:spcPts val="600"/>
+              </a:spcAft>
+              <a:defRPr/>
+            </a:pPr>
+            <a:r>
+              <a:rPr lang="en-US" sz="1000" kern="1200">
+                <a:solidFill>
+                  <a:schemeClr val="tx1">
+                    <a:tint val="75000"/>
+                  </a:schemeClr>
+                </a:solidFill>
+                <a:latin typeface="+mn-lt"/>
+                <a:ea typeface="+mn-ea"/>
+                <a:cs typeface="+mn-cs"/>
+              </a:rPr>
+              <a:t>© 2021 Fairfield &amp; Company</a:t>
             </a:r>
           </a:p>
         </p:txBody>
@@ -14198,6 +15991,21 @@
 <file path=ppt/slides/slide26.xml><?xml version="1.0" encoding="utf-8"?>
 <p:sld xmlns:a="http://schemas.openxmlformats.org/drawingml/2006/main" xmlns:r="http://schemas.openxmlformats.org/officeDocument/2006/relationships" xmlns:p="http://schemas.openxmlformats.org/presentationml/2006/main">
   <p:cSld>
+    <p:bg>
+      <p:bgPr>
+        <a:blipFill dpi="0" rotWithShape="1">
+          <a:blip r:embed="rId2">
+            <a:alphaModFix amt="15000"/>
+            <a:lum/>
+          </a:blip>
+          <a:srcRect/>
+          <a:stretch>
+            <a:fillRect t="-10000" b="-10000"/>
+          </a:stretch>
+        </a:blipFill>
+        <a:effectLst/>
+      </p:bgPr>
+    </p:bg>
     <p:spTree>
       <p:nvGrpSpPr>
         <p:cNvPr id="1" name=""/>
@@ -14291,7 +16099,7 @@
           <p:nvPr/>
         </p:nvPicPr>
         <p:blipFill>
-          <a:blip r:embed="rId2"/>
+          <a:blip r:embed="rId3"/>
           <a:stretch>
             <a:fillRect/>
           </a:stretch>
@@ -14306,6 +16114,56 @@
           </a:prstGeom>
         </p:spPr>
       </p:pic>
+      <p:sp>
+        <p:nvSpPr>
+          <p:cNvPr id="7" name="Footer Placeholder 3">
+            <a:extLst>
+              <a:ext uri="{FF2B5EF4-FFF2-40B4-BE49-F238E27FC236}">
+                <a16:creationId xmlns:a16="http://schemas.microsoft.com/office/drawing/2014/main" id="{AD7B6DA9-5E3E-4CDF-BECB-267827A68E23}"/>
+              </a:ext>
+            </a:extLst>
+          </p:cNvPr>
+          <p:cNvSpPr>
+            <a:spLocks noGrp="1"/>
+          </p:cNvSpPr>
+          <p:nvPr>
+            <p:ph type="ftr" sz="quarter" idx="11"/>
+          </p:nvPr>
+        </p:nvSpPr>
+        <p:spPr>
+          <a:xfrm>
+            <a:off x="86698" y="6492875"/>
+            <a:ext cx="1827092" cy="320040"/>
+          </a:xfrm>
+        </p:spPr>
+        <p:txBody>
+          <a:bodyPr vert="horz" lIns="91440" tIns="45720" rIns="91440" bIns="45720" rtlCol="0" anchor="ctr">
+            <a:normAutofit/>
+          </a:bodyPr>
+          <a:lstStyle/>
+          <a:p>
+            <a:pPr algn="l">
+              <a:spcAft>
+                <a:spcPts val="600"/>
+              </a:spcAft>
+              <a:defRPr/>
+            </a:pPr>
+            <a:r>
+              <a:rPr lang="en-US" sz="1000" kern="1200">
+                <a:solidFill>
+                  <a:schemeClr val="tx1">
+                    <a:tint val="75000"/>
+                  </a:schemeClr>
+                </a:solidFill>
+                <a:latin typeface="+mn-lt"/>
+                <a:ea typeface="+mn-ea"/>
+                <a:cs typeface="+mn-cs"/>
+              </a:rPr>
+              <a:t>© 2021 Fairfield &amp; Company</a:t>
+            </a:r>
+          </a:p>
+        </p:txBody>
+      </p:sp>
     </p:spTree>
     <p:extLst>
       <p:ext uri="{BB962C8B-B14F-4D97-AF65-F5344CB8AC3E}">
@@ -14322,6 +16180,21 @@
 <file path=ppt/slides/slide27.xml><?xml version="1.0" encoding="utf-8"?>
 <p:sld xmlns:a="http://schemas.openxmlformats.org/drawingml/2006/main" xmlns:r="http://schemas.openxmlformats.org/officeDocument/2006/relationships" xmlns:p="http://schemas.openxmlformats.org/presentationml/2006/main">
   <p:cSld>
+    <p:bg>
+      <p:bgPr>
+        <a:blipFill dpi="0" rotWithShape="1">
+          <a:blip r:embed="rId3">
+            <a:alphaModFix amt="15000"/>
+            <a:lum/>
+          </a:blip>
+          <a:srcRect/>
+          <a:stretch>
+            <a:fillRect t="-10000" b="-10000"/>
+          </a:stretch>
+        </a:blipFill>
+        <a:effectLst/>
+      </p:bgPr>
+    </p:bg>
     <p:spTree>
       <p:nvGrpSpPr>
         <p:cNvPr id="1" name=""/>
@@ -14913,6 +16786,177 @@
           </a:p>
         </p:txBody>
       </p:sp>
+      <p:sp>
+        <p:nvSpPr>
+          <p:cNvPr id="3" name="Footer Placeholder 2">
+            <a:extLst>
+              <a:ext uri="{FF2B5EF4-FFF2-40B4-BE49-F238E27FC236}">
+                <a16:creationId xmlns:a16="http://schemas.microsoft.com/office/drawing/2014/main" id="{334F6913-4B56-4B62-BE8F-568DC41481B5}"/>
+              </a:ext>
+            </a:extLst>
+          </p:cNvPr>
+          <p:cNvSpPr>
+            <a:spLocks noGrp="1"/>
+          </p:cNvSpPr>
+          <p:nvPr>
+            <p:ph type="ftr" sz="quarter" idx="11"/>
+          </p:nvPr>
+        </p:nvSpPr>
+        <p:spPr>
+          <a:xfrm>
+            <a:off x="4038600" y="6356351"/>
+            <a:ext cx="4080468" cy="335852"/>
+          </a:xfrm>
+        </p:spPr>
+        <p:txBody>
+          <a:bodyPr/>
+          <a:lstStyle/>
+          <a:p>
+            <a:r>
+              <a:rPr lang="en-US"/>
+              <a:t>© 2021 Fairfield &amp; Company</a:t>
+            </a:r>
+          </a:p>
+        </p:txBody>
+      </p:sp>
+      <p:sp>
+        <p:nvSpPr>
+          <p:cNvPr id="14" name="Footer Placeholder 3">
+            <a:extLst>
+              <a:ext uri="{FF2B5EF4-FFF2-40B4-BE49-F238E27FC236}">
+                <a16:creationId xmlns:a16="http://schemas.microsoft.com/office/drawing/2014/main" id="{BEE34989-F5A0-477D-A3F2-058DF53ECCF0}"/>
+              </a:ext>
+            </a:extLst>
+          </p:cNvPr>
+          <p:cNvSpPr txBox="1">
+            <a:spLocks/>
+          </p:cNvSpPr>
+          <p:nvPr/>
+        </p:nvSpPr>
+        <p:spPr>
+          <a:xfrm>
+            <a:off x="86698" y="6492875"/>
+            <a:ext cx="1827092" cy="320040"/>
+          </a:xfrm>
+          <a:prstGeom prst="rect">
+            <a:avLst/>
+          </a:prstGeom>
+        </p:spPr>
+        <p:txBody>
+          <a:bodyPr vert="horz" lIns="91440" tIns="45720" rIns="91440" bIns="45720" rtlCol="0" anchor="ctr">
+            <a:normAutofit/>
+          </a:bodyPr>
+          <a:lstStyle>
+            <a:defPPr>
+              <a:defRPr lang="en-US"/>
+            </a:defPPr>
+            <a:lvl1pPr marL="0" algn="ctr" defTabSz="914400" rtl="0" eaLnBrk="1" latinLnBrk="0" hangingPunct="1">
+              <a:defRPr sz="1200" kern="1200">
+                <a:solidFill>
+                  <a:schemeClr val="tx1">
+                    <a:tint val="75000"/>
+                  </a:schemeClr>
+                </a:solidFill>
+                <a:latin typeface="+mn-lt"/>
+                <a:ea typeface="+mn-ea"/>
+                <a:cs typeface="+mn-cs"/>
+              </a:defRPr>
+            </a:lvl1pPr>
+            <a:lvl2pPr marL="457200" algn="l" defTabSz="914400" rtl="0" eaLnBrk="1" latinLnBrk="0" hangingPunct="1">
+              <a:defRPr sz="1800" kern="1200">
+                <a:solidFill>
+                  <a:schemeClr val="tx1"/>
+                </a:solidFill>
+                <a:latin typeface="+mn-lt"/>
+                <a:ea typeface="+mn-ea"/>
+                <a:cs typeface="+mn-cs"/>
+              </a:defRPr>
+            </a:lvl2pPr>
+            <a:lvl3pPr marL="914400" algn="l" defTabSz="914400" rtl="0" eaLnBrk="1" latinLnBrk="0" hangingPunct="1">
+              <a:defRPr sz="1800" kern="1200">
+                <a:solidFill>
+                  <a:schemeClr val="tx1"/>
+                </a:solidFill>
+                <a:latin typeface="+mn-lt"/>
+                <a:ea typeface="+mn-ea"/>
+                <a:cs typeface="+mn-cs"/>
+              </a:defRPr>
+            </a:lvl3pPr>
+            <a:lvl4pPr marL="1371600" algn="l" defTabSz="914400" rtl="0" eaLnBrk="1" latinLnBrk="0" hangingPunct="1">
+              <a:defRPr sz="1800" kern="1200">
+                <a:solidFill>
+                  <a:schemeClr val="tx1"/>
+                </a:solidFill>
+                <a:latin typeface="+mn-lt"/>
+                <a:ea typeface="+mn-ea"/>
+                <a:cs typeface="+mn-cs"/>
+              </a:defRPr>
+            </a:lvl4pPr>
+            <a:lvl5pPr marL="1828800" algn="l" defTabSz="914400" rtl="0" eaLnBrk="1" latinLnBrk="0" hangingPunct="1">
+              <a:defRPr sz="1800" kern="1200">
+                <a:solidFill>
+                  <a:schemeClr val="tx1"/>
+                </a:solidFill>
+                <a:latin typeface="+mn-lt"/>
+                <a:ea typeface="+mn-ea"/>
+                <a:cs typeface="+mn-cs"/>
+              </a:defRPr>
+            </a:lvl5pPr>
+            <a:lvl6pPr marL="2286000" algn="l" defTabSz="914400" rtl="0" eaLnBrk="1" latinLnBrk="0" hangingPunct="1">
+              <a:defRPr sz="1800" kern="1200">
+                <a:solidFill>
+                  <a:schemeClr val="tx1"/>
+                </a:solidFill>
+                <a:latin typeface="+mn-lt"/>
+                <a:ea typeface="+mn-ea"/>
+                <a:cs typeface="+mn-cs"/>
+              </a:defRPr>
+            </a:lvl6pPr>
+            <a:lvl7pPr marL="2743200" algn="l" defTabSz="914400" rtl="0" eaLnBrk="1" latinLnBrk="0" hangingPunct="1">
+              <a:defRPr sz="1800" kern="1200">
+                <a:solidFill>
+                  <a:schemeClr val="tx1"/>
+                </a:solidFill>
+                <a:latin typeface="+mn-lt"/>
+                <a:ea typeface="+mn-ea"/>
+                <a:cs typeface="+mn-cs"/>
+              </a:defRPr>
+            </a:lvl7pPr>
+            <a:lvl8pPr marL="3200400" algn="l" defTabSz="914400" rtl="0" eaLnBrk="1" latinLnBrk="0" hangingPunct="1">
+              <a:defRPr sz="1800" kern="1200">
+                <a:solidFill>
+                  <a:schemeClr val="tx1"/>
+                </a:solidFill>
+                <a:latin typeface="+mn-lt"/>
+                <a:ea typeface="+mn-ea"/>
+                <a:cs typeface="+mn-cs"/>
+              </a:defRPr>
+            </a:lvl8pPr>
+            <a:lvl9pPr marL="3657600" algn="l" defTabSz="914400" rtl="0" eaLnBrk="1" latinLnBrk="0" hangingPunct="1">
+              <a:defRPr sz="1800" kern="1200">
+                <a:solidFill>
+                  <a:schemeClr val="tx1"/>
+                </a:solidFill>
+                <a:latin typeface="+mn-lt"/>
+                <a:ea typeface="+mn-ea"/>
+                <a:cs typeface="+mn-cs"/>
+              </a:defRPr>
+            </a:lvl9pPr>
+          </a:lstStyle>
+          <a:p>
+            <a:pPr algn="l">
+              <a:spcAft>
+                <a:spcPts val="600"/>
+              </a:spcAft>
+              <a:defRPr/>
+            </a:pPr>
+            <a:r>
+              <a:rPr lang="en-US" sz="1000"/>
+              <a:t>© 2021 Fairfield &amp; Company</a:t>
+            </a:r>
+          </a:p>
+        </p:txBody>
+      </p:sp>
     </p:spTree>
     <p:extLst>
       <p:ext uri="{BB962C8B-B14F-4D97-AF65-F5344CB8AC3E}">
@@ -14929,6 +16973,21 @@
 <file path=ppt/slides/slide28.xml><?xml version="1.0" encoding="utf-8"?>
 <p:sld xmlns:a="http://schemas.openxmlformats.org/drawingml/2006/main" xmlns:r="http://schemas.openxmlformats.org/officeDocument/2006/relationships" xmlns:p="http://schemas.openxmlformats.org/presentationml/2006/main">
   <p:cSld>
+    <p:bg>
+      <p:bgPr>
+        <a:blipFill dpi="0" rotWithShape="1">
+          <a:blip r:embed="rId3">
+            <a:alphaModFix amt="15000"/>
+            <a:lum/>
+          </a:blip>
+          <a:srcRect/>
+          <a:stretch>
+            <a:fillRect t="-10000" b="-10000"/>
+          </a:stretch>
+        </a:blipFill>
+        <a:effectLst/>
+      </p:bgPr>
+    </p:bg>
     <p:spTree>
       <p:nvGrpSpPr>
         <p:cNvPr id="1" name=""/>
@@ -15431,6 +17490,56 @@
           </a:p>
         </p:txBody>
       </p:sp>
+      <p:sp>
+        <p:nvSpPr>
+          <p:cNvPr id="13" name="Footer Placeholder 3">
+            <a:extLst>
+              <a:ext uri="{FF2B5EF4-FFF2-40B4-BE49-F238E27FC236}">
+                <a16:creationId xmlns:a16="http://schemas.microsoft.com/office/drawing/2014/main" id="{B3336248-1C63-42C1-A478-57A364AD77A4}"/>
+              </a:ext>
+            </a:extLst>
+          </p:cNvPr>
+          <p:cNvSpPr>
+            <a:spLocks noGrp="1"/>
+          </p:cNvSpPr>
+          <p:nvPr>
+            <p:ph type="ftr" sz="quarter" idx="11"/>
+          </p:nvPr>
+        </p:nvSpPr>
+        <p:spPr>
+          <a:xfrm>
+            <a:off x="86698" y="6492875"/>
+            <a:ext cx="1827092" cy="320040"/>
+          </a:xfrm>
+        </p:spPr>
+        <p:txBody>
+          <a:bodyPr vert="horz" lIns="91440" tIns="45720" rIns="91440" bIns="45720" rtlCol="0" anchor="ctr">
+            <a:normAutofit/>
+          </a:bodyPr>
+          <a:lstStyle/>
+          <a:p>
+            <a:pPr algn="l">
+              <a:spcAft>
+                <a:spcPts val="600"/>
+              </a:spcAft>
+              <a:defRPr/>
+            </a:pPr>
+            <a:r>
+              <a:rPr lang="en-US" sz="1000" kern="1200">
+                <a:solidFill>
+                  <a:schemeClr val="tx1">
+                    <a:tint val="75000"/>
+                  </a:schemeClr>
+                </a:solidFill>
+                <a:latin typeface="+mn-lt"/>
+                <a:ea typeface="+mn-ea"/>
+                <a:cs typeface="+mn-cs"/>
+              </a:rPr>
+              <a:t>© 2021 Fairfield &amp; Company</a:t>
+            </a:r>
+          </a:p>
+        </p:txBody>
+      </p:sp>
     </p:spTree>
     <p:extLst>
       <p:ext uri="{BB962C8B-B14F-4D97-AF65-F5344CB8AC3E}">
@@ -15447,6 +17556,21 @@
 <file path=ppt/slides/slide29.xml><?xml version="1.0" encoding="utf-8"?>
 <p:sld xmlns:a="http://schemas.openxmlformats.org/drawingml/2006/main" xmlns:r="http://schemas.openxmlformats.org/officeDocument/2006/relationships" xmlns:p="http://schemas.openxmlformats.org/presentationml/2006/main">
   <p:cSld>
+    <p:bg>
+      <p:bgPr>
+        <a:blipFill dpi="0" rotWithShape="1">
+          <a:blip r:embed="rId3">
+            <a:alphaModFix amt="15000"/>
+            <a:lum/>
+          </a:blip>
+          <a:srcRect/>
+          <a:stretch>
+            <a:fillRect t="-10000" b="-10000"/>
+          </a:stretch>
+        </a:blipFill>
+        <a:effectLst/>
+      </p:bgPr>
+    </p:bg>
     <p:spTree>
       <p:nvGrpSpPr>
         <p:cNvPr id="1" name=""/>
@@ -15554,7 +17678,7 @@
           </p:nvPr>
         </p:nvPicPr>
         <p:blipFill>
-          <a:blip r:embed="rId3"/>
+          <a:blip r:embed="rId4"/>
           <a:stretch>
             <a:fillRect/>
           </a:stretch>
@@ -15581,7 +17705,7 @@
         <p:spPr>
           <a:xfrm>
             <a:off x="2519774" y="5186008"/>
-            <a:ext cx="3111190" cy="1477328"/>
+            <a:ext cx="3576226" cy="1631216"/>
           </a:xfrm>
           <a:prstGeom prst="rect">
             <a:avLst/>
@@ -15600,7 +17724,7 @@
           <a:lstStyle/>
           <a:p>
             <a:r>
-              <a:rPr lang="en-US" dirty="0">
+              <a:rPr lang="en-US" sz="2000" dirty="0">
                 <a:solidFill>
                   <a:srgbClr val="7030A0"/>
                 </a:solidFill>
@@ -15608,7 +17732,7 @@
               <a:t>Note that </a:t>
             </a:r>
             <a:r>
-              <a:rPr lang="en-US" dirty="0">
+              <a:rPr lang="en-US" sz="2000" dirty="0">
                 <a:solidFill>
                   <a:srgbClr val="7030A0"/>
                 </a:solidFill>
@@ -15620,7 +17744,7 @@
           </a:p>
           <a:p>
             <a:r>
-              <a:rPr lang="en-US" dirty="0">
+              <a:rPr lang="en-US" sz="2000" dirty="0">
                 <a:solidFill>
                   <a:srgbClr val="7030A0"/>
                 </a:solidFill>
@@ -15629,7 +17753,7 @@
             </a:r>
           </a:p>
           <a:p>
-            <a:endParaRPr lang="en-US" dirty="0">
+            <a:endParaRPr lang="en-US" sz="2000" dirty="0">
               <a:solidFill>
                 <a:srgbClr val="7030A0"/>
               </a:solidFill>
@@ -15637,12 +17761,62 @@
           </a:p>
           <a:p>
             <a:r>
-              <a:rPr lang="en-US" dirty="0">
+              <a:rPr lang="en-US" sz="2000" dirty="0">
                 <a:solidFill>
                   <a:srgbClr val="7030A0"/>
                 </a:solidFill>
               </a:rPr>
               <a:t>Why not?</a:t>
+            </a:r>
+          </a:p>
+        </p:txBody>
+      </p:sp>
+      <p:sp>
+        <p:nvSpPr>
+          <p:cNvPr id="8" name="Footer Placeholder 3">
+            <a:extLst>
+              <a:ext uri="{FF2B5EF4-FFF2-40B4-BE49-F238E27FC236}">
+                <a16:creationId xmlns:a16="http://schemas.microsoft.com/office/drawing/2014/main" id="{A7759390-A482-4633-9445-839151831B12}"/>
+              </a:ext>
+            </a:extLst>
+          </p:cNvPr>
+          <p:cNvSpPr>
+            <a:spLocks noGrp="1"/>
+          </p:cNvSpPr>
+          <p:nvPr>
+            <p:ph type="ftr" sz="quarter" idx="11"/>
+          </p:nvPr>
+        </p:nvSpPr>
+        <p:spPr>
+          <a:xfrm>
+            <a:off x="86698" y="6492875"/>
+            <a:ext cx="1827092" cy="320040"/>
+          </a:xfrm>
+        </p:spPr>
+        <p:txBody>
+          <a:bodyPr vert="horz" lIns="91440" tIns="45720" rIns="91440" bIns="45720" rtlCol="0" anchor="ctr">
+            <a:normAutofit/>
+          </a:bodyPr>
+          <a:lstStyle/>
+          <a:p>
+            <a:pPr algn="l">
+              <a:spcAft>
+                <a:spcPts val="600"/>
+              </a:spcAft>
+              <a:defRPr/>
+            </a:pPr>
+            <a:r>
+              <a:rPr lang="en-US" sz="1000" kern="1200">
+                <a:solidFill>
+                  <a:schemeClr val="tx1">
+                    <a:tint val="75000"/>
+                  </a:schemeClr>
+                </a:solidFill>
+                <a:latin typeface="+mn-lt"/>
+                <a:ea typeface="+mn-ea"/>
+                <a:cs typeface="+mn-cs"/>
+              </a:rPr>
+              <a:t>© 2021 Fairfield &amp; Company</a:t>
             </a:r>
           </a:p>
         </p:txBody>
@@ -15663,6 +17837,14 @@
 <file path=ppt/slides/slide3.xml><?xml version="1.0" encoding="utf-8"?>
 <p:sld xmlns:a="http://schemas.openxmlformats.org/drawingml/2006/main" xmlns:r="http://schemas.openxmlformats.org/officeDocument/2006/relationships" xmlns:p="http://schemas.openxmlformats.org/presentationml/2006/main">
   <p:cSld>
+    <p:bg>
+      <p:bgPr>
+        <a:solidFill>
+          <a:schemeClr val="bg1"/>
+        </a:solidFill>
+        <a:effectLst/>
+      </p:bgPr>
+    </p:bg>
     <p:spTree>
       <p:nvGrpSpPr>
         <p:cNvPr id="1" name=""/>
@@ -15679,6 +17861,100 @@
       </p:grpSpPr>
       <p:sp>
         <p:nvSpPr>
+          <p:cNvPr id="12" name="Rectangle 11">
+            <a:extLst>
+              <a:ext uri="{FF2B5EF4-FFF2-40B4-BE49-F238E27FC236}">
+                <a16:creationId xmlns:a16="http://schemas.microsoft.com/office/drawing/2014/main" id="{4038CB10-1F5C-4D54-9DF7-12586DE5B007}"/>
+              </a:ext>
+              <a:ext uri="{C183D7F6-B498-43B3-948B-1728B52AA6E4}">
+                <adec:decorative xmlns:adec="http://schemas.microsoft.com/office/drawing/2017/decorative" val="1"/>
+              </a:ext>
+            </a:extLst>
+          </p:cNvPr>
+          <p:cNvSpPr>
+            <a:spLocks noGrp="1" noRot="1" noChangeAspect="1" noMove="1" noResize="1" noEditPoints="1" noAdjustHandles="1" noChangeArrowheads="1" noChangeShapeType="1" noTextEdit="1"/>
+          </p:cNvSpPr>
+          <p:nvPr>
+            <p:extLst>
+              <p:ext uri="{386F3935-93C4-4BCD-93E2-E3B085C9AB24}">
+                <p16:designElem xmlns:p16="http://schemas.microsoft.com/office/powerpoint/2015/main" val="1"/>
+              </p:ext>
+            </p:extLst>
+          </p:nvPr>
+        </p:nvSpPr>
+        <p:spPr>
+          <a:xfrm>
+            <a:off x="327546" y="321732"/>
+            <a:ext cx="7058307" cy="1964266"/>
+          </a:xfrm>
+          <a:prstGeom prst="rect">
+            <a:avLst/>
+          </a:prstGeom>
+          <a:solidFill>
+            <a:schemeClr val="accent5">
+              <a:alpha val="95000"/>
+            </a:schemeClr>
+          </a:solidFill>
+          <a:ln>
+            <a:noFill/>
+          </a:ln>
+        </p:spPr>
+        <p:style>
+          <a:lnRef idx="2">
+            <a:schemeClr val="accent1">
+              <a:shade val="50000"/>
+            </a:schemeClr>
+          </a:lnRef>
+          <a:fillRef idx="1">
+            <a:schemeClr val="accent1"/>
+          </a:fillRef>
+          <a:effectRef idx="0">
+            <a:schemeClr val="accent1"/>
+          </a:effectRef>
+          <a:fontRef idx="minor">
+            <a:schemeClr val="lt1"/>
+          </a:fontRef>
+        </p:style>
+        <p:txBody>
+          <a:bodyPr rtlCol="0" anchor="ctr"/>
+          <a:lstStyle/>
+          <a:p>
+            <a:pPr marL="0" marR="0" lvl="0" indent="0" algn="ctr" defTabSz="914400" rtl="0" eaLnBrk="1" fontAlgn="auto" latinLnBrk="0" hangingPunct="1">
+              <a:lnSpc>
+                <a:spcPct val="100000"/>
+              </a:lnSpc>
+              <a:spcBef>
+                <a:spcPts val="0"/>
+              </a:spcBef>
+              <a:spcAft>
+                <a:spcPts val="0"/>
+              </a:spcAft>
+              <a:buClrTx/>
+              <a:buSzTx/>
+              <a:buFontTx/>
+              <a:buNone/>
+              <a:tabLst/>
+              <a:defRPr/>
+            </a:pPr>
+            <a:endParaRPr kumimoji="0" lang="en-US" sz="1800" b="0" i="0" u="none" strike="noStrike" kern="1200" cap="none" spc="0" normalizeH="0" baseline="0" noProof="0">
+              <a:ln>
+                <a:noFill/>
+              </a:ln>
+              <a:solidFill>
+                <a:prstClr val="white"/>
+              </a:solidFill>
+              <a:effectLst/>
+              <a:uLnTx/>
+              <a:uFillTx/>
+              <a:latin typeface="Calibri" panose="020F0502020204030204"/>
+              <a:ea typeface="+mn-ea"/>
+              <a:cs typeface="+mn-cs"/>
+            </a:endParaRPr>
+          </a:p>
+        </p:txBody>
+      </p:sp>
+      <p:sp>
+        <p:nvSpPr>
           <p:cNvPr id="2" name="Title 1">
             <a:extLst>
               <a:ext uri="{FF2B5EF4-FFF2-40B4-BE49-F238E27FC236}">
@@ -15693,97 +17969,25 @@
             <p:ph type="title"/>
           </p:nvPr>
         </p:nvSpPr>
-        <p:spPr/>
-        <p:txBody>
-          <a:bodyPr/>
-          <a:lstStyle/>
-          <a:p>
-            <a:r>
-              <a:rPr lang="en-US" dirty="0"/>
+        <p:spPr>
+          <a:xfrm>
+            <a:off x="524256" y="491260"/>
+            <a:ext cx="6594189" cy="1625210"/>
+          </a:xfrm>
+        </p:spPr>
+        <p:txBody>
+          <a:bodyPr vert="horz" lIns="91440" tIns="45720" rIns="91440" bIns="45720" rtlCol="0" anchor="ctr">
+            <a:normAutofit/>
+          </a:bodyPr>
+          <a:lstStyle/>
+          <a:p>
+            <a:r>
+              <a:rPr lang="en-US">
+                <a:solidFill>
+                  <a:srgbClr val="FFFFFF"/>
+                </a:solidFill>
+              </a:rPr>
               <a:t>But when I collaborate….</a:t>
-            </a:r>
-          </a:p>
-        </p:txBody>
-      </p:sp>
-      <p:sp>
-        <p:nvSpPr>
-          <p:cNvPr id="3" name="Content Placeholder 2">
-            <a:extLst>
-              <a:ext uri="{FF2B5EF4-FFF2-40B4-BE49-F238E27FC236}">
-                <a16:creationId xmlns:a16="http://schemas.microsoft.com/office/drawing/2014/main" id="{7F8D1ECB-234F-1B44-B8A6-BCA262ED9AFB}"/>
-              </a:ext>
-            </a:extLst>
-          </p:cNvPr>
-          <p:cNvSpPr>
-            <a:spLocks noGrp="1"/>
-          </p:cNvSpPr>
-          <p:nvPr>
-            <p:ph sz="half" idx="1"/>
-          </p:nvPr>
-        </p:nvSpPr>
-        <p:spPr/>
-        <p:txBody>
-          <a:bodyPr>
-            <a:normAutofit lnSpcReduction="10000"/>
-          </a:bodyPr>
-          <a:lstStyle/>
-          <a:p>
-            <a:r>
-              <a:rPr lang="en-US" dirty="0"/>
-              <a:t>Life is complicated</a:t>
-            </a:r>
-          </a:p>
-          <a:p>
-            <a:endParaRPr lang="en-US" dirty="0"/>
-          </a:p>
-          <a:p>
-            <a:pPr lvl="1">
-              <a:buFont typeface="Wingdings" pitchFamily="2" charset="2"/>
-              <a:buChar char="v"/>
-            </a:pPr>
-            <a:r>
-              <a:rPr lang="en-US" dirty="0"/>
-              <a:t>We are all writing code for the same project</a:t>
-            </a:r>
-          </a:p>
-          <a:p>
-            <a:pPr lvl="1">
-              <a:buFont typeface="Wingdings" pitchFamily="2" charset="2"/>
-              <a:buChar char="v"/>
-            </a:pPr>
-            <a:r>
-              <a:rPr lang="en-US" dirty="0"/>
-              <a:t>I don’t want anyone to use what I have done until I know it works</a:t>
-            </a:r>
-          </a:p>
-          <a:p>
-            <a:pPr lvl="1">
-              <a:buFont typeface="Wingdings" pitchFamily="2" charset="2"/>
-              <a:buChar char="v"/>
-            </a:pPr>
-            <a:r>
-              <a:rPr lang="en-US" dirty="0"/>
-              <a:t>I need their changes and additions …. But only after they are known working</a:t>
-            </a:r>
-          </a:p>
-          <a:p>
-            <a:pPr lvl="1">
-              <a:buFont typeface="Wingdings" pitchFamily="2" charset="2"/>
-              <a:buChar char="v"/>
-            </a:pPr>
-            <a:r>
-              <a:rPr lang="en-US" dirty="0"/>
-              <a:t>What if we both change the same part of the code?</a:t>
-            </a:r>
-          </a:p>
-          <a:p>
-            <a:pPr lvl="1">
-              <a:buFont typeface="Wingdings" pitchFamily="2" charset="2"/>
-              <a:buChar char="v"/>
-            </a:pPr>
-            <a:r>
-              <a:rPr lang="en-US" dirty="0"/>
-              <a:t>What if somebody screws up?</a:t>
             </a:r>
           </a:p>
         </p:txBody>
@@ -15804,78 +18008,416 @@
             <p:ph sz="half" idx="2"/>
           </p:nvPr>
         </p:nvPicPr>
-        <p:blipFill>
-          <a:blip r:embed="rId2">
+        <p:blipFill rotWithShape="1">
+          <a:blip r:embed="rId3">
             <a:extLst>
               <a:ext uri="{837473B0-CC2E-450A-ABE3-18F120FF3D39}">
-                <a1611:picAttrSrcUrl xmlns:a1611="http://schemas.microsoft.com/office/drawing/2016/11/main" r:id="rId3"/>
+                <a1611:picAttrSrcUrl xmlns:a1611="http://schemas.microsoft.com/office/drawing/2016/11/main" r:id="rId4"/>
               </a:ext>
             </a:extLst>
           </a:blip>
-          <a:stretch>
-            <a:fillRect/>
-          </a:stretch>
+          <a:srcRect t="5487" r="1" b="11635"/>
+          <a:stretch/>
         </p:blipFill>
         <p:spPr>
           <a:xfrm>
-            <a:off x="6117853" y="1972035"/>
-            <a:ext cx="5384179" cy="3756961"/>
-          </a:xfrm>
-        </p:spPr>
-      </p:pic>
-      <p:sp>
-        <p:nvSpPr>
-          <p:cNvPr id="7" name="TextBox 6">
-            <a:extLst>
-              <a:ext uri="{FF2B5EF4-FFF2-40B4-BE49-F238E27FC236}">
-                <a16:creationId xmlns:a16="http://schemas.microsoft.com/office/drawing/2014/main" id="{7DD92857-CF2E-47D6-93B2-26C05D3E8583}"/>
-              </a:ext>
-            </a:extLst>
-          </p:cNvPr>
-          <p:cNvSpPr txBox="1"/>
-          <p:nvPr/>
-        </p:nvSpPr>
-        <p:spPr>
-          <a:xfrm>
-            <a:off x="8101815" y="4603115"/>
-            <a:ext cx="2902086" cy="369332"/>
+            <a:off x="327547" y="2454903"/>
+            <a:ext cx="7058306" cy="4080254"/>
           </a:xfrm>
           <a:prstGeom prst="rect">
             <a:avLst/>
           </a:prstGeom>
-          <a:noFill/>
-        </p:spPr>
-        <p:txBody>
-          <a:bodyPr wrap="square" rtlCol="0">
+        </p:spPr>
+      </p:pic>
+      <p:sp>
+        <p:nvSpPr>
+          <p:cNvPr id="4" name="Footer Placeholder 3">
+            <a:extLst>
+              <a:ext uri="{FF2B5EF4-FFF2-40B4-BE49-F238E27FC236}">
+                <a16:creationId xmlns:a16="http://schemas.microsoft.com/office/drawing/2014/main" id="{11B9E2C3-E395-411F-A591-65EDAA050E2B}"/>
+              </a:ext>
+            </a:extLst>
+          </p:cNvPr>
+          <p:cNvSpPr>
+            <a:spLocks noGrp="1"/>
+          </p:cNvSpPr>
+          <p:nvPr>
+            <p:ph type="ftr" sz="quarter" idx="11"/>
+          </p:nvPr>
+        </p:nvSpPr>
+        <p:spPr>
+          <a:xfrm>
+            <a:off x="524256" y="6535157"/>
+            <a:ext cx="6594189" cy="274320"/>
+          </a:xfrm>
+        </p:spPr>
+        <p:txBody>
+          <a:bodyPr vert="horz" lIns="91440" tIns="45720" rIns="91440" bIns="45720" rtlCol="0" anchor="ctr">
+            <a:normAutofit/>
+          </a:bodyPr>
+          <a:lstStyle/>
+          <a:p>
+            <a:pPr algn="l">
+              <a:spcAft>
+                <a:spcPts val="600"/>
+              </a:spcAft>
+              <a:defRPr/>
+            </a:pPr>
+            <a:r>
+              <a:rPr lang="en-US" sz="1050" kern="1200">
+                <a:solidFill>
+                  <a:schemeClr val="tx1">
+                    <a:lumMod val="50000"/>
+                    <a:lumOff val="50000"/>
+                  </a:schemeClr>
+                </a:solidFill>
+                <a:latin typeface="Calibri" panose="020F0502020204030204"/>
+                <a:ea typeface="+mn-ea"/>
+                <a:cs typeface="+mn-cs"/>
+              </a:rPr>
+              <a:t>© 2021 Fairfield &amp; Company</a:t>
+            </a:r>
+          </a:p>
+        </p:txBody>
+      </p:sp>
+      <p:sp>
+        <p:nvSpPr>
+          <p:cNvPr id="14" name="Rectangle 13">
+            <a:extLst>
+              <a:ext uri="{FF2B5EF4-FFF2-40B4-BE49-F238E27FC236}">
+                <a16:creationId xmlns:a16="http://schemas.microsoft.com/office/drawing/2014/main" id="{73ED6512-6858-4552-B699-9A97FE9A4EA2}"/>
+              </a:ext>
+              <a:ext uri="{C183D7F6-B498-43B3-948B-1728B52AA6E4}">
+                <adec:decorative xmlns:adec="http://schemas.microsoft.com/office/drawing/2017/decorative" val="1"/>
+              </a:ext>
+            </a:extLst>
+          </p:cNvPr>
+          <p:cNvSpPr>
+            <a:spLocks noGrp="1" noRot="1" noChangeAspect="1" noMove="1" noResize="1" noEditPoints="1" noAdjustHandles="1" noChangeArrowheads="1" noChangeShapeType="1" noTextEdit="1"/>
+          </p:cNvSpPr>
+          <p:nvPr>
+            <p:extLst>
+              <p:ext uri="{386F3935-93C4-4BCD-93E2-E3B085C9AB24}">
+                <p16:designElem xmlns:p16="http://schemas.microsoft.com/office/powerpoint/2015/main" val="1"/>
+              </p:ext>
+            </p:extLst>
+          </p:nvPr>
+        </p:nvSpPr>
+        <p:spPr>
+          <a:xfrm>
+            <a:off x="7556975" y="321732"/>
+            <a:ext cx="4313293" cy="6214534"/>
+          </a:xfrm>
+          <a:prstGeom prst="rect">
+            <a:avLst/>
+          </a:prstGeom>
+          <a:solidFill>
+            <a:srgbClr val="595959"/>
+          </a:solidFill>
+          <a:ln>
+            <a:noFill/>
+          </a:ln>
+        </p:spPr>
+        <p:style>
+          <a:lnRef idx="2">
+            <a:schemeClr val="accent1">
+              <a:shade val="50000"/>
+            </a:schemeClr>
+          </a:lnRef>
+          <a:fillRef idx="1">
+            <a:schemeClr val="accent1"/>
+          </a:fillRef>
+          <a:effectRef idx="0">
+            <a:schemeClr val="accent1"/>
+          </a:effectRef>
+          <a:fontRef idx="minor">
+            <a:schemeClr val="lt1"/>
+          </a:fontRef>
+        </p:style>
+        <p:txBody>
+          <a:bodyPr rtlCol="0" anchor="ctr"/>
+          <a:lstStyle/>
+          <a:p>
+            <a:pPr marL="0" marR="0" lvl="0" indent="0" algn="ctr" defTabSz="914400" rtl="0" eaLnBrk="1" fontAlgn="auto" latinLnBrk="0" hangingPunct="1">
+              <a:lnSpc>
+                <a:spcPct val="100000"/>
+              </a:lnSpc>
+              <a:spcBef>
+                <a:spcPts val="0"/>
+              </a:spcBef>
+              <a:spcAft>
+                <a:spcPts val="0"/>
+              </a:spcAft>
+              <a:buClrTx/>
+              <a:buSzTx/>
+              <a:buFontTx/>
+              <a:buNone/>
+              <a:tabLst/>
+              <a:defRPr/>
+            </a:pPr>
+            <a:endParaRPr kumimoji="0" lang="en-US" sz="1800" b="0" i="0" u="none" strike="noStrike" kern="1200" cap="none" spc="0" normalizeH="0" baseline="0" noProof="0">
+              <a:ln>
+                <a:noFill/>
+              </a:ln>
+              <a:solidFill>
+                <a:prstClr val="white"/>
+              </a:solidFill>
+              <a:effectLst/>
+              <a:uLnTx/>
+              <a:uFillTx/>
+              <a:latin typeface="Calibri" panose="020F0502020204030204"/>
+              <a:ea typeface="+mn-ea"/>
+              <a:cs typeface="+mn-cs"/>
+            </a:endParaRPr>
+          </a:p>
+        </p:txBody>
+      </p:sp>
+      <p:sp>
+        <p:nvSpPr>
+          <p:cNvPr id="3" name="Content Placeholder 2">
+            <a:extLst>
+              <a:ext uri="{FF2B5EF4-FFF2-40B4-BE49-F238E27FC236}">
+                <a16:creationId xmlns:a16="http://schemas.microsoft.com/office/drawing/2014/main" id="{7F8D1ECB-234F-1B44-B8A6-BCA262ED9AFB}"/>
+              </a:ext>
+            </a:extLst>
+          </p:cNvPr>
+          <p:cNvSpPr>
+            <a:spLocks noGrp="1"/>
+          </p:cNvSpPr>
+          <p:nvPr>
+            <p:ph sz="half" idx="1"/>
+          </p:nvPr>
+        </p:nvSpPr>
+        <p:spPr>
+          <a:xfrm>
+            <a:off x="7688827" y="494584"/>
+            <a:ext cx="3765232" cy="5601415"/>
+          </a:xfrm>
+        </p:spPr>
+        <p:txBody>
+          <a:bodyPr vert="horz" lIns="91440" tIns="45720" rIns="91440" bIns="45720" rtlCol="0" anchor="ctr">
+            <a:normAutofit/>
+          </a:bodyPr>
+          <a:lstStyle/>
+          <a:p>
+            <a:pPr marL="0" indent="0">
+              <a:buNone/>
+            </a:pPr>
+            <a:r>
+              <a:rPr lang="en-US">
+                <a:solidFill>
+                  <a:srgbClr val="FFFFFF"/>
+                </a:solidFill>
+              </a:rPr>
+              <a:t>Life is complicated</a:t>
+            </a:r>
+          </a:p>
+          <a:p>
+            <a:endParaRPr lang="en-US" sz="1900">
+              <a:solidFill>
+                <a:srgbClr val="FFFFFF"/>
+              </a:solidFill>
+            </a:endParaRPr>
+          </a:p>
+          <a:p>
+            <a:pPr lvl="1"/>
+            <a:r>
+              <a:rPr lang="en-US" sz="1900">
+                <a:solidFill>
+                  <a:srgbClr val="FFFFFF"/>
+                </a:solidFill>
+              </a:rPr>
+              <a:t>We are all writing code for the same project</a:t>
+            </a:r>
+            <a:br>
+              <a:rPr lang="en-US" sz="1900">
+                <a:solidFill>
+                  <a:srgbClr val="FFFFFF"/>
+                </a:solidFill>
+              </a:rPr>
+            </a:br>
+            <a:endParaRPr lang="en-US" sz="1900">
+              <a:solidFill>
+                <a:srgbClr val="FFFFFF"/>
+              </a:solidFill>
+            </a:endParaRPr>
+          </a:p>
+          <a:p>
+            <a:pPr lvl="1"/>
+            <a:r>
+              <a:rPr lang="en-US" sz="1900">
+                <a:solidFill>
+                  <a:srgbClr val="FFFFFF"/>
+                </a:solidFill>
+              </a:rPr>
+              <a:t>I don’t want anyone to use what I have done until I know it works</a:t>
+            </a:r>
+            <a:br>
+              <a:rPr lang="en-US" sz="1900">
+                <a:solidFill>
+                  <a:srgbClr val="FFFFFF"/>
+                </a:solidFill>
+              </a:rPr>
+            </a:br>
+            <a:endParaRPr lang="en-US" sz="1900">
+              <a:solidFill>
+                <a:srgbClr val="FFFFFF"/>
+              </a:solidFill>
+            </a:endParaRPr>
+          </a:p>
+          <a:p>
+            <a:pPr lvl="1"/>
+            <a:r>
+              <a:rPr lang="en-US" sz="1900">
+                <a:solidFill>
+                  <a:srgbClr val="FFFFFF"/>
+                </a:solidFill>
+              </a:rPr>
+              <a:t>I need their changes and additions …. But only after they are known working</a:t>
+            </a:r>
+            <a:br>
+              <a:rPr lang="en-US" sz="1900">
+                <a:solidFill>
+                  <a:srgbClr val="FFFFFF"/>
+                </a:solidFill>
+              </a:rPr>
+            </a:br>
+            <a:endParaRPr lang="en-US" sz="1900">
+              <a:solidFill>
+                <a:srgbClr val="FFFFFF"/>
+              </a:solidFill>
+            </a:endParaRPr>
+          </a:p>
+          <a:p>
+            <a:pPr lvl="1"/>
+            <a:r>
+              <a:rPr lang="en-US" sz="1900">
+                <a:solidFill>
+                  <a:srgbClr val="FFFFFF"/>
+                </a:solidFill>
+              </a:rPr>
+              <a:t>What if we both change the same part of the code?</a:t>
+            </a:r>
+            <a:br>
+              <a:rPr lang="en-US" sz="1900">
+                <a:solidFill>
+                  <a:srgbClr val="FFFFFF"/>
+                </a:solidFill>
+              </a:rPr>
+            </a:br>
+            <a:endParaRPr lang="en-US" sz="1900">
+              <a:solidFill>
+                <a:srgbClr val="FFFFFF"/>
+              </a:solidFill>
+            </a:endParaRPr>
+          </a:p>
+          <a:p>
+            <a:pPr lvl="1"/>
+            <a:r>
+              <a:rPr lang="en-US" sz="1900">
+                <a:solidFill>
+                  <a:srgbClr val="FFFFFF"/>
+                </a:solidFill>
+              </a:rPr>
+              <a:t>What if somebody screws up?</a:t>
+            </a:r>
+          </a:p>
+        </p:txBody>
+      </p:sp>
+      <p:sp>
+        <p:nvSpPr>
+          <p:cNvPr id="7" name="TextBox 6">
+            <a:extLst>
+              <a:ext uri="{FF2B5EF4-FFF2-40B4-BE49-F238E27FC236}">
+                <a16:creationId xmlns:a16="http://schemas.microsoft.com/office/drawing/2014/main" id="{7DD92857-CF2E-47D6-93B2-26C05D3E8583}"/>
+              </a:ext>
+            </a:extLst>
+          </p:cNvPr>
+          <p:cNvSpPr txBox="1"/>
+          <p:nvPr/>
+        </p:nvSpPr>
+        <p:spPr>
+          <a:xfrm>
+            <a:off x="4973013" y="6335102"/>
+            <a:ext cx="2412840" cy="200055"/>
+          </a:xfrm>
+          <a:prstGeom prst="rect">
+            <a:avLst/>
+          </a:prstGeom>
+          <a:solidFill>
+            <a:srgbClr val="000000"/>
+          </a:solidFill>
+        </p:spPr>
+        <p:txBody>
+          <a:bodyPr wrap="none" rtlCol="0">
             <a:spAutoFit/>
           </a:bodyPr>
           <a:lstStyle/>
           <a:p>
-            <a:r>
-              <a:rPr lang="en-US" sz="900" dirty="0">
-                <a:hlinkClick r:id="rId3" tooltip="http://leftcoastcowboys.com/2008/10/12/rube-goldberg-would-be-proud/"/>
+            <a:pPr algn="r">
+              <a:spcAft>
+                <a:spcPts val="600"/>
+              </a:spcAft>
+            </a:pPr>
+            <a:r>
+              <a:rPr lang="en-US" sz="700">
+                <a:solidFill>
+                  <a:srgbClr val="FFFFFF"/>
+                </a:solidFill>
+                <a:hlinkClick r:id="rId4" tooltip="http://leftcoastcowboys.com/2008/10/12/rube-goldberg-would-be-proud/">
+                  <a:extLst>
+                    <a:ext uri="{A12FA001-AC4F-418D-AE19-62706E023703}">
+                      <ahyp:hlinkClr xmlns:ahyp="http://schemas.microsoft.com/office/drawing/2018/hyperlinkcolor" val="tx"/>
+                    </a:ext>
+                  </a:extLst>
+                </a:hlinkClick>
               </a:rPr>
               <a:t>This Photo</a:t>
             </a:r>
             <a:r>
-              <a:rPr lang="en-US" sz="900" dirty="0"/>
+              <a:rPr lang="en-US" sz="700">
+                <a:solidFill>
+                  <a:srgbClr val="FFFFFF"/>
+                </a:solidFill>
+              </a:rPr>
               <a:t> by Unknown </a:t>
             </a:r>
             <a:r>
-              <a:rPr lang="en-US" sz="900" dirty="0" err="1"/>
+              <a:rPr lang="en-US" sz="700" err="1">
+                <a:solidFill>
+                  <a:srgbClr val="FFFFFF"/>
+                </a:solidFill>
+              </a:rPr>
               <a:t>Athor</a:t>
             </a:r>
             <a:r>
-              <a:rPr lang="en-US" sz="900" dirty="0"/>
+              <a:rPr lang="en-US" sz="700">
+                <a:solidFill>
+                  <a:srgbClr val="FFFFFF"/>
+                </a:solidFill>
+              </a:rPr>
               <a:t> is licensed under </a:t>
             </a:r>
             <a:r>
-              <a:rPr lang="en-US" sz="900" dirty="0">
-                <a:hlinkClick r:id="rId4" tooltip="https://creativecommons.org/licenses/by-nc-nd/3.0/"/>
+              <a:rPr lang="en-US" sz="700">
+                <a:solidFill>
+                  <a:srgbClr val="FFFFFF"/>
+                </a:solidFill>
+                <a:hlinkClick r:id="rId5" tooltip="https://creativecommons.org/licenses/by-nc-nd/3.0/">
+                  <a:extLst>
+                    <a:ext uri="{A12FA001-AC4F-418D-AE19-62706E023703}">
+                      <ahyp:hlinkClr xmlns:ahyp="http://schemas.microsoft.com/office/drawing/2018/hyperlinkcolor" val="tx"/>
+                    </a:ext>
+                  </a:extLst>
+                </a:hlinkClick>
               </a:rPr>
               <a:t>CC BY-NC-ND</a:t>
             </a:r>
-            <a:endParaRPr lang="en-US" sz="900" dirty="0"/>
+            <a:endParaRPr lang="en-US" sz="700">
+              <a:solidFill>
+                <a:srgbClr val="FFFFFF"/>
+              </a:solidFill>
+            </a:endParaRPr>
           </a:p>
         </p:txBody>
       </p:sp>
@@ -15895,6 +18437,21 @@
 <file path=ppt/slides/slide30.xml><?xml version="1.0" encoding="utf-8"?>
 <p:sld xmlns:a="http://schemas.openxmlformats.org/drawingml/2006/main" xmlns:r="http://schemas.openxmlformats.org/officeDocument/2006/relationships" xmlns:p="http://schemas.openxmlformats.org/presentationml/2006/main">
   <p:cSld>
+    <p:bg>
+      <p:bgPr>
+        <a:blipFill dpi="0" rotWithShape="1">
+          <a:blip r:embed="rId2">
+            <a:alphaModFix amt="15000"/>
+            <a:lum/>
+          </a:blip>
+          <a:srcRect/>
+          <a:stretch>
+            <a:fillRect t="-10000" b="-10000"/>
+          </a:stretch>
+        </a:blipFill>
+        <a:effectLst/>
+      </p:bgPr>
+    </p:bg>
     <p:spTree>
       <p:nvGrpSpPr>
         <p:cNvPr id="1" name=""/>
@@ -16124,6 +18681,56 @@
                 </a:solidFill>
               </a:rPr>
               <a:t>The * is a wild card.  Any file that begins with “Cust” in the working tree will be staged</a:t>
+            </a:r>
+          </a:p>
+        </p:txBody>
+      </p:sp>
+      <p:sp>
+        <p:nvSpPr>
+          <p:cNvPr id="6" name="Footer Placeholder 3">
+            <a:extLst>
+              <a:ext uri="{FF2B5EF4-FFF2-40B4-BE49-F238E27FC236}">
+                <a16:creationId xmlns:a16="http://schemas.microsoft.com/office/drawing/2014/main" id="{C99ACD31-8A58-458D-B068-4F9FDF4AD759}"/>
+              </a:ext>
+            </a:extLst>
+          </p:cNvPr>
+          <p:cNvSpPr>
+            <a:spLocks noGrp="1"/>
+          </p:cNvSpPr>
+          <p:nvPr>
+            <p:ph type="ftr" sz="quarter" idx="11"/>
+          </p:nvPr>
+        </p:nvSpPr>
+        <p:spPr>
+          <a:xfrm>
+            <a:off x="86698" y="6492875"/>
+            <a:ext cx="1827092" cy="320040"/>
+          </a:xfrm>
+        </p:spPr>
+        <p:txBody>
+          <a:bodyPr vert="horz" lIns="91440" tIns="45720" rIns="91440" bIns="45720" rtlCol="0" anchor="ctr">
+            <a:normAutofit/>
+          </a:bodyPr>
+          <a:lstStyle/>
+          <a:p>
+            <a:pPr algn="l">
+              <a:spcAft>
+                <a:spcPts val="600"/>
+              </a:spcAft>
+              <a:defRPr/>
+            </a:pPr>
+            <a:r>
+              <a:rPr lang="en-US" sz="1000" kern="1200">
+                <a:solidFill>
+                  <a:schemeClr val="tx1">
+                    <a:tint val="75000"/>
+                  </a:schemeClr>
+                </a:solidFill>
+                <a:latin typeface="+mn-lt"/>
+                <a:ea typeface="+mn-ea"/>
+                <a:cs typeface="+mn-cs"/>
+              </a:rPr>
+              <a:t>© 2021 Fairfield &amp; Company</a:t>
             </a:r>
           </a:p>
         </p:txBody>
@@ -16476,6 +19083,21 @@
 <file path=ppt/slides/slide31.xml><?xml version="1.0" encoding="utf-8"?>
 <p:sld xmlns:a="http://schemas.openxmlformats.org/drawingml/2006/main" xmlns:r="http://schemas.openxmlformats.org/officeDocument/2006/relationships" xmlns:p="http://schemas.openxmlformats.org/presentationml/2006/main">
   <p:cSld>
+    <p:bg>
+      <p:bgPr>
+        <a:blipFill dpi="0" rotWithShape="1">
+          <a:blip r:embed="rId2">
+            <a:alphaModFix amt="15000"/>
+            <a:lum/>
+          </a:blip>
+          <a:srcRect/>
+          <a:stretch>
+            <a:fillRect t="-10000" b="-10000"/>
+          </a:stretch>
+        </a:blipFill>
+        <a:effectLst/>
+      </p:bgPr>
+    </p:bg>
     <p:spTree>
       <p:nvGrpSpPr>
         <p:cNvPr id="1" name=""/>
@@ -16586,7 +19208,7 @@
           <p:nvPr/>
         </p:nvPicPr>
         <p:blipFill>
-          <a:blip r:embed="rId2"/>
+          <a:blip r:embed="rId3"/>
           <a:stretch>
             <a:fillRect/>
           </a:stretch>
@@ -16601,6 +19223,56 @@
           </a:prstGeom>
         </p:spPr>
       </p:pic>
+      <p:sp>
+        <p:nvSpPr>
+          <p:cNvPr id="6" name="Footer Placeholder 3">
+            <a:extLst>
+              <a:ext uri="{FF2B5EF4-FFF2-40B4-BE49-F238E27FC236}">
+                <a16:creationId xmlns:a16="http://schemas.microsoft.com/office/drawing/2014/main" id="{7BD628F7-A027-4709-B61B-EB81CB630B90}"/>
+              </a:ext>
+            </a:extLst>
+          </p:cNvPr>
+          <p:cNvSpPr>
+            <a:spLocks noGrp="1"/>
+          </p:cNvSpPr>
+          <p:nvPr>
+            <p:ph type="ftr" sz="quarter" idx="11"/>
+          </p:nvPr>
+        </p:nvSpPr>
+        <p:spPr>
+          <a:xfrm>
+            <a:off x="86698" y="6492875"/>
+            <a:ext cx="1827092" cy="320040"/>
+          </a:xfrm>
+        </p:spPr>
+        <p:txBody>
+          <a:bodyPr vert="horz" lIns="91440" tIns="45720" rIns="91440" bIns="45720" rtlCol="0" anchor="ctr">
+            <a:normAutofit/>
+          </a:bodyPr>
+          <a:lstStyle/>
+          <a:p>
+            <a:pPr algn="l">
+              <a:spcAft>
+                <a:spcPts val="600"/>
+              </a:spcAft>
+              <a:defRPr/>
+            </a:pPr>
+            <a:r>
+              <a:rPr lang="en-US" sz="1000" kern="1200">
+                <a:solidFill>
+                  <a:schemeClr val="tx1">
+                    <a:tint val="75000"/>
+                  </a:schemeClr>
+                </a:solidFill>
+                <a:latin typeface="+mn-lt"/>
+                <a:ea typeface="+mn-ea"/>
+                <a:cs typeface="+mn-cs"/>
+              </a:rPr>
+              <a:t>© 2021 Fairfield &amp; Company</a:t>
+            </a:r>
+          </a:p>
+        </p:txBody>
+      </p:sp>
     </p:spTree>
     <p:extLst>
       <p:ext uri="{BB962C8B-B14F-4D97-AF65-F5344CB8AC3E}">
@@ -16692,6 +19364,21 @@
 <file path=ppt/slides/slide32.xml><?xml version="1.0" encoding="utf-8"?>
 <p:sld xmlns:a="http://schemas.openxmlformats.org/drawingml/2006/main" xmlns:r="http://schemas.openxmlformats.org/officeDocument/2006/relationships" xmlns:p="http://schemas.openxmlformats.org/presentationml/2006/main">
   <p:cSld>
+    <p:bg>
+      <p:bgPr>
+        <a:blipFill dpi="0" rotWithShape="1">
+          <a:blip r:embed="rId3">
+            <a:alphaModFix amt="15000"/>
+            <a:lum/>
+          </a:blip>
+          <a:srcRect/>
+          <a:stretch>
+            <a:fillRect t="-10000" b="-10000"/>
+          </a:stretch>
+        </a:blipFill>
+        <a:effectLst/>
+      </p:bgPr>
+    </p:bg>
     <p:spTree>
       <p:nvGrpSpPr>
         <p:cNvPr id="1" name=""/>
@@ -17432,6 +20119,56 @@
           </a:fontRef>
         </p:style>
       </p:cxnSp>
+      <p:sp>
+        <p:nvSpPr>
+          <p:cNvPr id="19" name="Footer Placeholder 3">
+            <a:extLst>
+              <a:ext uri="{FF2B5EF4-FFF2-40B4-BE49-F238E27FC236}">
+                <a16:creationId xmlns:a16="http://schemas.microsoft.com/office/drawing/2014/main" id="{4C1D6077-5256-42B0-AAE7-02F590ECF242}"/>
+              </a:ext>
+            </a:extLst>
+          </p:cNvPr>
+          <p:cNvSpPr>
+            <a:spLocks noGrp="1"/>
+          </p:cNvSpPr>
+          <p:nvPr>
+            <p:ph type="ftr" sz="quarter" idx="11"/>
+          </p:nvPr>
+        </p:nvSpPr>
+        <p:spPr>
+          <a:xfrm>
+            <a:off x="86698" y="6492875"/>
+            <a:ext cx="1827092" cy="320040"/>
+          </a:xfrm>
+        </p:spPr>
+        <p:txBody>
+          <a:bodyPr vert="horz" lIns="91440" tIns="45720" rIns="91440" bIns="45720" rtlCol="0" anchor="ctr">
+            <a:normAutofit/>
+          </a:bodyPr>
+          <a:lstStyle/>
+          <a:p>
+            <a:pPr algn="l">
+              <a:spcAft>
+                <a:spcPts val="600"/>
+              </a:spcAft>
+              <a:defRPr/>
+            </a:pPr>
+            <a:r>
+              <a:rPr lang="en-US" sz="1000" kern="1200">
+                <a:solidFill>
+                  <a:schemeClr val="tx1">
+                    <a:tint val="75000"/>
+                  </a:schemeClr>
+                </a:solidFill>
+                <a:latin typeface="+mn-lt"/>
+                <a:ea typeface="+mn-ea"/>
+                <a:cs typeface="+mn-cs"/>
+              </a:rPr>
+              <a:t>© 2021 Fairfield &amp; Company</a:t>
+            </a:r>
+          </a:p>
+        </p:txBody>
+      </p:sp>
     </p:spTree>
     <p:extLst>
       <p:ext uri="{BB962C8B-B14F-4D97-AF65-F5344CB8AC3E}">
@@ -17526,6 +20263,14 @@
 <file path=ppt/slides/slide33.xml><?xml version="1.0" encoding="utf-8"?>
 <p:sld xmlns:a="http://schemas.openxmlformats.org/drawingml/2006/main" xmlns:r="http://schemas.openxmlformats.org/officeDocument/2006/relationships" xmlns:p="http://schemas.openxmlformats.org/presentationml/2006/main">
   <p:cSld>
+    <p:bg>
+      <p:bgPr>
+        <a:solidFill>
+          <a:schemeClr val="bg1"/>
+        </a:solidFill>
+        <a:effectLst/>
+      </p:bgPr>
+    </p:bg>
     <p:spTree>
       <p:nvGrpSpPr>
         <p:cNvPr id="1" name=""/>
@@ -17542,6 +20287,100 @@
       </p:grpSpPr>
       <p:sp>
         <p:nvSpPr>
+          <p:cNvPr id="13" name="Rectangle 12">
+            <a:extLst>
+              <a:ext uri="{FF2B5EF4-FFF2-40B4-BE49-F238E27FC236}">
+                <a16:creationId xmlns:a16="http://schemas.microsoft.com/office/drawing/2014/main" id="{4038CB10-1F5C-4D54-9DF7-12586DE5B007}"/>
+              </a:ext>
+              <a:ext uri="{C183D7F6-B498-43B3-948B-1728B52AA6E4}">
+                <adec:decorative xmlns:adec="http://schemas.microsoft.com/office/drawing/2017/decorative" val="1"/>
+              </a:ext>
+            </a:extLst>
+          </p:cNvPr>
+          <p:cNvSpPr>
+            <a:spLocks noGrp="1" noRot="1" noChangeAspect="1" noMove="1" noResize="1" noEditPoints="1" noAdjustHandles="1" noChangeArrowheads="1" noChangeShapeType="1" noTextEdit="1"/>
+          </p:cNvSpPr>
+          <p:nvPr>
+            <p:extLst>
+              <p:ext uri="{386F3935-93C4-4BCD-93E2-E3B085C9AB24}">
+                <p16:designElem xmlns:p16="http://schemas.microsoft.com/office/powerpoint/2015/main" val="1"/>
+              </p:ext>
+            </p:extLst>
+          </p:nvPr>
+        </p:nvSpPr>
+        <p:spPr>
+          <a:xfrm>
+            <a:off x="327546" y="4572000"/>
+            <a:ext cx="7058307" cy="1964266"/>
+          </a:xfrm>
+          <a:prstGeom prst="rect">
+            <a:avLst/>
+          </a:prstGeom>
+          <a:solidFill>
+            <a:srgbClr val="41305F">
+              <a:alpha val="95000"/>
+            </a:srgbClr>
+          </a:solidFill>
+          <a:ln>
+            <a:noFill/>
+          </a:ln>
+        </p:spPr>
+        <p:style>
+          <a:lnRef idx="2">
+            <a:schemeClr val="accent1">
+              <a:shade val="50000"/>
+            </a:schemeClr>
+          </a:lnRef>
+          <a:fillRef idx="1">
+            <a:schemeClr val="accent1"/>
+          </a:fillRef>
+          <a:effectRef idx="0">
+            <a:schemeClr val="accent1"/>
+          </a:effectRef>
+          <a:fontRef idx="minor">
+            <a:schemeClr val="lt1"/>
+          </a:fontRef>
+        </p:style>
+        <p:txBody>
+          <a:bodyPr rtlCol="0" anchor="ctr"/>
+          <a:lstStyle/>
+          <a:p>
+            <a:pPr marL="0" marR="0" lvl="0" indent="0" algn="ctr" defTabSz="914400" rtl="0" eaLnBrk="1" fontAlgn="auto" latinLnBrk="0" hangingPunct="1">
+              <a:lnSpc>
+                <a:spcPct val="100000"/>
+              </a:lnSpc>
+              <a:spcBef>
+                <a:spcPts val="0"/>
+              </a:spcBef>
+              <a:spcAft>
+                <a:spcPts val="0"/>
+              </a:spcAft>
+              <a:buClrTx/>
+              <a:buSzTx/>
+              <a:buFontTx/>
+              <a:buNone/>
+              <a:tabLst/>
+              <a:defRPr/>
+            </a:pPr>
+            <a:endParaRPr kumimoji="0" lang="en-US" sz="1800" b="0" i="0" u="none" strike="noStrike" kern="1200" cap="none" spc="0" normalizeH="0" baseline="0" noProof="0">
+              <a:ln>
+                <a:noFill/>
+              </a:ln>
+              <a:solidFill>
+                <a:prstClr val="white"/>
+              </a:solidFill>
+              <a:effectLst/>
+              <a:uLnTx/>
+              <a:uFillTx/>
+              <a:latin typeface="Calibri" panose="020F0502020204030204"/>
+              <a:ea typeface="+mn-ea"/>
+              <a:cs typeface="+mn-cs"/>
+            </a:endParaRPr>
+          </a:p>
+        </p:txBody>
+      </p:sp>
+      <p:sp>
+        <p:nvSpPr>
           <p:cNvPr id="2" name="Title 1">
             <a:extLst>
               <a:ext uri="{FF2B5EF4-FFF2-40B4-BE49-F238E27FC236}">
@@ -17556,15 +20395,156 @@
             <p:ph type="title"/>
           </p:nvPr>
         </p:nvSpPr>
-        <p:spPr/>
-        <p:txBody>
-          <a:bodyPr/>
-          <a:lstStyle/>
-          <a:p>
-            <a:r>
-              <a:rPr lang="en-US" dirty="0"/>
+        <p:spPr>
+          <a:xfrm>
+            <a:off x="524256" y="4767072"/>
+            <a:ext cx="6594189" cy="1625210"/>
+          </a:xfrm>
+        </p:spPr>
+        <p:txBody>
+          <a:bodyPr vert="horz" lIns="91440" tIns="45720" rIns="91440" bIns="45720" rtlCol="0" anchor="ctr">
+            <a:normAutofit/>
+          </a:bodyPr>
+          <a:lstStyle/>
+          <a:p>
+            <a:pPr algn="ctr"/>
+            <a:r>
+              <a:rPr lang="en-US">
+                <a:solidFill>
+                  <a:srgbClr val="FFFFFF"/>
+                </a:solidFill>
+              </a:rPr>
               <a:t>Executing the commit</a:t>
             </a:r>
+          </a:p>
+        </p:txBody>
+      </p:sp>
+      <p:pic>
+        <p:nvPicPr>
+          <p:cNvPr id="7" name="Content Placeholder 6" descr="A picture containing text, building, computer, outdoor&#10;&#10;Description automatically generated">
+            <a:extLst>
+              <a:ext uri="{FF2B5EF4-FFF2-40B4-BE49-F238E27FC236}">
+                <a16:creationId xmlns:a16="http://schemas.microsoft.com/office/drawing/2014/main" id="{3D0C75F6-A208-4306-920B-350E83C35591}"/>
+              </a:ext>
+            </a:extLst>
+          </p:cNvPr>
+          <p:cNvPicPr>
+            <a:picLocks noGrp="1" noChangeAspect="1"/>
+          </p:cNvPicPr>
+          <p:nvPr>
+            <p:ph sz="half" idx="2"/>
+          </p:nvPr>
+        </p:nvPicPr>
+        <p:blipFill rotWithShape="1">
+          <a:blip r:embed="rId3">
+            <a:extLst>
+              <a:ext uri="{837473B0-CC2E-450A-ABE3-18F120FF3D39}">
+                <a1611:picAttrSrcUrl xmlns:a1611="http://schemas.microsoft.com/office/drawing/2016/11/main" r:id="rId4"/>
+              </a:ext>
+            </a:extLst>
+          </a:blip>
+          <a:srcRect l="115" r="3223"/>
+          <a:stretch/>
+        </p:blipFill>
+        <p:spPr>
+          <a:xfrm>
+            <a:off x="327547" y="321733"/>
+            <a:ext cx="7058306" cy="4107392"/>
+          </a:xfrm>
+          <a:prstGeom prst="rect">
+            <a:avLst/>
+          </a:prstGeom>
+        </p:spPr>
+      </p:pic>
+      <p:sp>
+        <p:nvSpPr>
+          <p:cNvPr id="15" name="Rectangle 14">
+            <a:extLst>
+              <a:ext uri="{FF2B5EF4-FFF2-40B4-BE49-F238E27FC236}">
+                <a16:creationId xmlns:a16="http://schemas.microsoft.com/office/drawing/2014/main" id="{73ED6512-6858-4552-B699-9A97FE9A4EA2}"/>
+              </a:ext>
+              <a:ext uri="{C183D7F6-B498-43B3-948B-1728B52AA6E4}">
+                <adec:decorative xmlns:adec="http://schemas.microsoft.com/office/drawing/2017/decorative" val="1"/>
+              </a:ext>
+            </a:extLst>
+          </p:cNvPr>
+          <p:cNvSpPr>
+            <a:spLocks noGrp="1" noRot="1" noChangeAspect="1" noMove="1" noResize="1" noEditPoints="1" noAdjustHandles="1" noChangeArrowheads="1" noChangeShapeType="1" noTextEdit="1"/>
+          </p:cNvSpPr>
+          <p:nvPr>
+            <p:extLst>
+              <p:ext uri="{386F3935-93C4-4BCD-93E2-E3B085C9AB24}">
+                <p16:designElem xmlns:p16="http://schemas.microsoft.com/office/powerpoint/2015/main" val="1"/>
+              </p:ext>
+            </p:extLst>
+          </p:nvPr>
+        </p:nvSpPr>
+        <p:spPr>
+          <a:xfrm>
+            <a:off x="7534655" y="321732"/>
+            <a:ext cx="4335613" cy="6214534"/>
+          </a:xfrm>
+          <a:prstGeom prst="rect">
+            <a:avLst/>
+          </a:prstGeom>
+          <a:solidFill>
+            <a:srgbClr val="595959"/>
+          </a:solidFill>
+          <a:ln>
+            <a:noFill/>
+          </a:ln>
+        </p:spPr>
+        <p:style>
+          <a:lnRef idx="2">
+            <a:schemeClr val="accent1">
+              <a:shade val="50000"/>
+            </a:schemeClr>
+          </a:lnRef>
+          <a:fillRef idx="1">
+            <a:schemeClr val="accent1"/>
+          </a:fillRef>
+          <a:effectRef idx="0">
+            <a:schemeClr val="accent1"/>
+          </a:effectRef>
+          <a:fontRef idx="minor">
+            <a:schemeClr val="lt1"/>
+          </a:fontRef>
+        </p:style>
+        <p:txBody>
+          <a:bodyPr rtlCol="0" anchor="ctr"/>
+          <a:lstStyle/>
+          <a:p>
+            <a:pPr marL="0" marR="0" lvl="0" indent="0" algn="ctr" defTabSz="914400" rtl="0" eaLnBrk="1" fontAlgn="auto" latinLnBrk="0" hangingPunct="1">
+              <a:lnSpc>
+                <a:spcPct val="100000"/>
+              </a:lnSpc>
+              <a:spcBef>
+                <a:spcPts val="0"/>
+              </a:spcBef>
+              <a:spcAft>
+                <a:spcPts val="0"/>
+              </a:spcAft>
+              <a:buClrTx/>
+              <a:buSzTx/>
+              <a:buFontTx/>
+              <a:buNone/>
+              <a:tabLst/>
+              <a:defRPr/>
+            </a:pPr>
+            <a:endParaRPr kumimoji="0" lang="en-US" sz="1800" b="0" i="0" u="none" strike="noStrike" kern="1200" cap="none" spc="0" normalizeH="0" baseline="0" noProof="0">
+              <a:ln>
+                <a:noFill/>
+              </a:ln>
+              <a:solidFill>
+                <a:prstClr val="white"/>
+              </a:solidFill>
+              <a:effectLst/>
+              <a:uLnTx/>
+              <a:uFillTx/>
+              <a:latin typeface="Calibri" panose="020F0502020204030204"/>
+              <a:ea typeface="+mn-ea"/>
+              <a:cs typeface="+mn-cs"/>
+            </a:endParaRPr>
           </a:p>
         </p:txBody>
       </p:sp>
@@ -17584,25 +20564,37 @@
             <p:ph sz="half" idx="1"/>
           </p:nvPr>
         </p:nvSpPr>
-        <p:spPr/>
-        <p:txBody>
-          <a:bodyPr/>
-          <a:lstStyle/>
+        <p:spPr>
+          <a:xfrm>
+            <a:off x="8029319" y="917725"/>
+            <a:ext cx="3424739" cy="4852362"/>
+          </a:xfrm>
+        </p:spPr>
+        <p:txBody>
+          <a:bodyPr vert="horz" lIns="91440" tIns="45720" rIns="91440" bIns="45720" rtlCol="0" anchor="ctr">
+            <a:normAutofit/>
+          </a:bodyPr>
+          <a:lstStyle/>
+          <a:p>
+            <a:pPr marL="0"/>
+            <a:r>
+              <a:rPr lang="en-US" sz="2400">
+                <a:solidFill>
+                  <a:srgbClr val="FFFFFF"/>
+                </a:solidFill>
+              </a:rPr>
+              <a:t>We commit our files the same way we did before:</a:t>
+            </a:r>
+          </a:p>
           <a:p>
             <a:pPr marL="0" indent="0">
               <a:buNone/>
             </a:pPr>
             <a:r>
-              <a:rPr lang="en-US" dirty="0"/>
-              <a:t>We commit our files the same way we did before:</a:t>
-            </a:r>
-          </a:p>
-          <a:p>
-            <a:pPr marL="0" indent="0">
-              <a:buNone/>
-            </a:pPr>
-            <a:r>
-              <a:rPr lang="en-US" dirty="0">
+              <a:rPr lang="en-US" sz="2400">
+                <a:solidFill>
+                  <a:srgbClr val="FFFFFF"/>
+                </a:solidFill>
                 <a:latin typeface="Courier New" panose="02070309020205020404" pitchFamily="49" charset="0"/>
                 <a:cs typeface="Courier New" panose="02070309020205020404" pitchFamily="49" charset="0"/>
               </a:rPr>
@@ -17610,32 +20602,40 @@
             </a:r>
           </a:p>
           <a:p>
-            <a:pPr marL="0" indent="0">
-              <a:buNone/>
-            </a:pPr>
-            <a:endParaRPr lang="en-US" dirty="0"/>
-          </a:p>
-          <a:p>
-            <a:pPr marL="0" indent="0">
-              <a:buNone/>
-            </a:pPr>
-            <a:r>
-              <a:rPr lang="en-US" dirty="0"/>
+            <a:pPr marL="0"/>
+            <a:endParaRPr lang="en-US" sz="2400">
+              <a:solidFill>
+                <a:srgbClr val="FFFFFF"/>
+              </a:solidFill>
+            </a:endParaRPr>
+          </a:p>
+          <a:p>
+            <a:pPr marL="0"/>
+            <a:r>
+              <a:rPr lang="en-US" sz="2400">
+                <a:solidFill>
+                  <a:srgbClr val="FFFFFF"/>
+                </a:solidFill>
+              </a:rPr>
               <a:t>Note that we do not have to tell git which files to commit</a:t>
             </a:r>
           </a:p>
           <a:p>
-            <a:pPr marL="0" indent="0">
-              <a:buNone/>
-            </a:pPr>
-            <a:endParaRPr lang="en-US" dirty="0"/>
-          </a:p>
-          <a:p>
-            <a:pPr marL="0" indent="0">
-              <a:buNone/>
-            </a:pPr>
-            <a:r>
-              <a:rPr lang="en-US" dirty="0"/>
+            <a:pPr marL="0"/>
+            <a:endParaRPr lang="en-US" sz="2400">
+              <a:solidFill>
+                <a:srgbClr val="FFFFFF"/>
+              </a:solidFill>
+            </a:endParaRPr>
+          </a:p>
+          <a:p>
+            <a:pPr marL="0"/>
+            <a:r>
+              <a:rPr lang="en-US" sz="2400">
+                <a:solidFill>
+                  <a:srgbClr val="FFFFFF"/>
+                </a:solidFill>
+              </a:rPr>
               <a:t>It will commit everything in the staging area.</a:t>
             </a:r>
           </a:p>
@@ -17643,10 +20643,10 @@
       </p:sp>
       <p:sp>
         <p:nvSpPr>
-          <p:cNvPr id="4" name="Content Placeholder 3">
-            <a:extLst>
-              <a:ext uri="{FF2B5EF4-FFF2-40B4-BE49-F238E27FC236}">
-                <a16:creationId xmlns:a16="http://schemas.microsoft.com/office/drawing/2014/main" id="{A96AE194-6DD0-484F-A7F6-516E6617722A}"/>
+          <p:cNvPr id="11" name="Footer Placeholder 3">
+            <a:extLst>
+              <a:ext uri="{FF2B5EF4-FFF2-40B4-BE49-F238E27FC236}">
+                <a16:creationId xmlns:a16="http://schemas.microsoft.com/office/drawing/2014/main" id="{646CCC8C-8E1E-4508-94C8-404357F4D2B7}"/>
               </a:ext>
             </a:extLst>
           </p:cNvPr>
@@ -17654,15 +20654,40 @@
             <a:spLocks noGrp="1"/>
           </p:cNvSpPr>
           <p:nvPr>
-            <p:ph sz="half" idx="2"/>
+            <p:ph type="ftr" sz="quarter" idx="11"/>
           </p:nvPr>
         </p:nvSpPr>
-        <p:spPr/>
-        <p:txBody>
-          <a:bodyPr/>
-          <a:lstStyle/>
-          <a:p>
-            <a:endParaRPr lang="en-US"/>
+        <p:spPr>
+          <a:xfrm>
+            <a:off x="86698" y="6492875"/>
+            <a:ext cx="1827092" cy="320040"/>
+          </a:xfrm>
+        </p:spPr>
+        <p:txBody>
+          <a:bodyPr vert="horz" lIns="91440" tIns="45720" rIns="91440" bIns="45720" rtlCol="0" anchor="ctr">
+            <a:normAutofit/>
+          </a:bodyPr>
+          <a:lstStyle/>
+          <a:p>
+            <a:pPr algn="l">
+              <a:spcAft>
+                <a:spcPts val="600"/>
+              </a:spcAft>
+              <a:defRPr/>
+            </a:pPr>
+            <a:r>
+              <a:rPr lang="en-US" sz="1000" kern="1200">
+                <a:solidFill>
+                  <a:schemeClr val="tx1">
+                    <a:tint val="75000"/>
+                  </a:schemeClr>
+                </a:solidFill>
+                <a:latin typeface="+mn-lt"/>
+                <a:ea typeface="+mn-ea"/>
+                <a:cs typeface="+mn-cs"/>
+              </a:rPr>
+              <a:t>© 2021 Fairfield &amp; Company</a:t>
+            </a:r>
           </a:p>
         </p:txBody>
       </p:sp>
@@ -17682,6 +20707,21 @@
 <file path=ppt/slides/slide34.xml><?xml version="1.0" encoding="utf-8"?>
 <p:sld xmlns:a="http://schemas.openxmlformats.org/drawingml/2006/main" xmlns:r="http://schemas.openxmlformats.org/officeDocument/2006/relationships" xmlns:p="http://schemas.openxmlformats.org/presentationml/2006/main">
   <p:cSld>
+    <p:bg>
+      <p:bgPr>
+        <a:blipFill dpi="0" rotWithShape="1">
+          <a:blip r:embed="rId3">
+            <a:alphaModFix amt="15000"/>
+            <a:lum/>
+          </a:blip>
+          <a:srcRect/>
+          <a:stretch>
+            <a:fillRect t="-10000" b="-10000"/>
+          </a:stretch>
+        </a:blipFill>
+        <a:effectLst/>
+      </p:bgPr>
+    </p:bg>
     <p:spTree>
       <p:nvGrpSpPr>
         <p:cNvPr id="1" name=""/>
@@ -17912,7 +20952,7 @@
           <p:nvPr/>
         </p:nvPicPr>
         <p:blipFill>
-          <a:blip r:embed="rId3"/>
+          <a:blip r:embed="rId4"/>
           <a:stretch>
             <a:fillRect/>
           </a:stretch>
@@ -18287,6 +21327,56 @@
           </a:fontRef>
         </p:style>
       </p:cxnSp>
+      <p:sp>
+        <p:nvSpPr>
+          <p:cNvPr id="15" name="Footer Placeholder 3">
+            <a:extLst>
+              <a:ext uri="{FF2B5EF4-FFF2-40B4-BE49-F238E27FC236}">
+                <a16:creationId xmlns:a16="http://schemas.microsoft.com/office/drawing/2014/main" id="{74C8D863-4052-47C7-85EE-FEA7EFA02009}"/>
+              </a:ext>
+            </a:extLst>
+          </p:cNvPr>
+          <p:cNvSpPr>
+            <a:spLocks noGrp="1"/>
+          </p:cNvSpPr>
+          <p:nvPr>
+            <p:ph type="ftr" sz="quarter" idx="11"/>
+          </p:nvPr>
+        </p:nvSpPr>
+        <p:spPr>
+          <a:xfrm>
+            <a:off x="86698" y="6492875"/>
+            <a:ext cx="1827092" cy="320040"/>
+          </a:xfrm>
+        </p:spPr>
+        <p:txBody>
+          <a:bodyPr vert="horz" lIns="91440" tIns="45720" rIns="91440" bIns="45720" rtlCol="0" anchor="ctr">
+            <a:normAutofit/>
+          </a:bodyPr>
+          <a:lstStyle/>
+          <a:p>
+            <a:pPr algn="l">
+              <a:spcAft>
+                <a:spcPts val="600"/>
+              </a:spcAft>
+              <a:defRPr/>
+            </a:pPr>
+            <a:r>
+              <a:rPr lang="en-US" sz="1000" kern="1200">
+                <a:solidFill>
+                  <a:schemeClr val="tx1">
+                    <a:tint val="75000"/>
+                  </a:schemeClr>
+                </a:solidFill>
+                <a:latin typeface="+mn-lt"/>
+                <a:ea typeface="+mn-ea"/>
+                <a:cs typeface="+mn-cs"/>
+              </a:rPr>
+              <a:t>© 2021 Fairfield &amp; Company</a:t>
+            </a:r>
+          </a:p>
+        </p:txBody>
+      </p:sp>
     </p:spTree>
     <p:extLst>
       <p:ext uri="{BB962C8B-B14F-4D97-AF65-F5344CB8AC3E}">
@@ -18303,6 +21393,21 @@
 <file path=ppt/slides/slide35.xml><?xml version="1.0" encoding="utf-8"?>
 <p:sld xmlns:a="http://schemas.openxmlformats.org/drawingml/2006/main" xmlns:r="http://schemas.openxmlformats.org/officeDocument/2006/relationships" xmlns:p="http://schemas.openxmlformats.org/presentationml/2006/main">
   <p:cSld>
+    <p:bg>
+      <p:bgPr>
+        <a:blipFill dpi="0" rotWithShape="1">
+          <a:blip r:embed="rId2">
+            <a:alphaModFix amt="15000"/>
+            <a:lum/>
+          </a:blip>
+          <a:srcRect/>
+          <a:stretch>
+            <a:fillRect t="-10000" b="-10000"/>
+          </a:stretch>
+        </a:blipFill>
+        <a:effectLst/>
+      </p:bgPr>
+    </p:bg>
     <p:spTree>
       <p:nvGrpSpPr>
         <p:cNvPr id="1" name=""/>
@@ -18377,7 +21482,7 @@
               <a:buNone/>
             </a:pPr>
             <a:r>
-              <a:rPr lang="en-US" dirty="0">
+              <a:rPr lang="en-US" b="1" dirty="0">
                 <a:solidFill>
                   <a:srgbClr val="C00000"/>
                 </a:solidFill>
@@ -18387,7 +21492,7 @@
               <a:t>$git </a:t>
             </a:r>
             <a:r>
-              <a:rPr lang="en-US" dirty="0" err="1">
+              <a:rPr lang="en-US" b="1" dirty="0" err="1">
                 <a:solidFill>
                   <a:srgbClr val="C00000"/>
                 </a:solidFill>
@@ -18397,7 +21502,7 @@
               <a:t>rm</a:t>
             </a:r>
             <a:r>
-              <a:rPr lang="en-US" dirty="0">
+              <a:rPr lang="en-US" b="1" dirty="0">
                 <a:solidFill>
                   <a:srgbClr val="C00000"/>
                 </a:solidFill>
@@ -18481,7 +21586,73 @@
           <a:p>
             <a:r>
               <a:rPr lang="en-US" dirty="0"/>
-              <a:t>What would the sequence of commands be to remove Customer2 from the repository?</a:t>
+              <a:t>What </a:t>
+            </a:r>
+            <a:r>
+              <a:rPr lang="en-US"/>
+              <a:t>would  be the </a:t>
+            </a:r>
+            <a:r>
+              <a:rPr lang="en-US" dirty="0"/>
+              <a:t>sequence </a:t>
+            </a:r>
+            <a:r>
+              <a:rPr lang="en-US"/>
+              <a:t>of commands </a:t>
+            </a:r>
+            <a:r>
+              <a:rPr lang="en-US" dirty="0"/>
+              <a:t>to remove Customer2 from the repository?</a:t>
+            </a:r>
+          </a:p>
+        </p:txBody>
+      </p:sp>
+      <p:sp>
+        <p:nvSpPr>
+          <p:cNvPr id="6" name="Footer Placeholder 3">
+            <a:extLst>
+              <a:ext uri="{FF2B5EF4-FFF2-40B4-BE49-F238E27FC236}">
+                <a16:creationId xmlns:a16="http://schemas.microsoft.com/office/drawing/2014/main" id="{D35C48F7-FAE1-4064-93E1-2FCCBDF15CA0}"/>
+              </a:ext>
+            </a:extLst>
+          </p:cNvPr>
+          <p:cNvSpPr>
+            <a:spLocks noGrp="1"/>
+          </p:cNvSpPr>
+          <p:nvPr>
+            <p:ph type="ftr" sz="quarter" idx="11"/>
+          </p:nvPr>
+        </p:nvSpPr>
+        <p:spPr>
+          <a:xfrm>
+            <a:off x="86698" y="6492875"/>
+            <a:ext cx="1827092" cy="320040"/>
+          </a:xfrm>
+        </p:spPr>
+        <p:txBody>
+          <a:bodyPr vert="horz" lIns="91440" tIns="45720" rIns="91440" bIns="45720" rtlCol="0" anchor="ctr">
+            <a:normAutofit/>
+          </a:bodyPr>
+          <a:lstStyle/>
+          <a:p>
+            <a:pPr algn="l">
+              <a:spcAft>
+                <a:spcPts val="600"/>
+              </a:spcAft>
+              <a:defRPr/>
+            </a:pPr>
+            <a:r>
+              <a:rPr lang="en-US" sz="1000" kern="1200">
+                <a:solidFill>
+                  <a:schemeClr val="tx1">
+                    <a:tint val="75000"/>
+                  </a:schemeClr>
+                </a:solidFill>
+                <a:latin typeface="+mn-lt"/>
+                <a:ea typeface="+mn-ea"/>
+                <a:cs typeface="+mn-cs"/>
+              </a:rPr>
+              <a:t>© 2021 Fairfield &amp; Company</a:t>
             </a:r>
           </a:p>
         </p:txBody>
@@ -18502,6 +21673,21 @@
 <file path=ppt/slides/slide36.xml><?xml version="1.0" encoding="utf-8"?>
 <p:sld xmlns:a="http://schemas.openxmlformats.org/drawingml/2006/main" xmlns:r="http://schemas.openxmlformats.org/officeDocument/2006/relationships" xmlns:p="http://schemas.openxmlformats.org/presentationml/2006/main">
   <p:cSld>
+    <p:bg>
+      <p:bgPr>
+        <a:blipFill dpi="0" rotWithShape="1">
+          <a:blip r:embed="rId3">
+            <a:alphaModFix amt="15000"/>
+            <a:lum/>
+          </a:blip>
+          <a:srcRect/>
+          <a:stretch>
+            <a:fillRect t="-10000" b="-10000"/>
+          </a:stretch>
+        </a:blipFill>
+        <a:effectLst/>
+      </p:bgPr>
+    </p:bg>
     <p:spTree>
       <p:nvGrpSpPr>
         <p:cNvPr id="1" name=""/>
@@ -19295,6 +22481,56 @@
           </a:fontRef>
         </p:style>
       </p:cxnSp>
+      <p:sp>
+        <p:nvSpPr>
+          <p:cNvPr id="20" name="Footer Placeholder 3">
+            <a:extLst>
+              <a:ext uri="{FF2B5EF4-FFF2-40B4-BE49-F238E27FC236}">
+                <a16:creationId xmlns:a16="http://schemas.microsoft.com/office/drawing/2014/main" id="{0C4BE9C0-0416-41B5-A5C4-D5668EAA79C3}"/>
+              </a:ext>
+            </a:extLst>
+          </p:cNvPr>
+          <p:cNvSpPr>
+            <a:spLocks noGrp="1"/>
+          </p:cNvSpPr>
+          <p:nvPr>
+            <p:ph type="ftr" sz="quarter" idx="11"/>
+          </p:nvPr>
+        </p:nvSpPr>
+        <p:spPr>
+          <a:xfrm>
+            <a:off x="86698" y="6492875"/>
+            <a:ext cx="1827092" cy="320040"/>
+          </a:xfrm>
+        </p:spPr>
+        <p:txBody>
+          <a:bodyPr vert="horz" lIns="91440" tIns="45720" rIns="91440" bIns="45720" rtlCol="0" anchor="ctr">
+            <a:normAutofit/>
+          </a:bodyPr>
+          <a:lstStyle/>
+          <a:p>
+            <a:pPr algn="l">
+              <a:spcAft>
+                <a:spcPts val="600"/>
+              </a:spcAft>
+              <a:defRPr/>
+            </a:pPr>
+            <a:r>
+              <a:rPr lang="en-US" sz="1000" kern="1200">
+                <a:solidFill>
+                  <a:schemeClr val="tx1">
+                    <a:tint val="75000"/>
+                  </a:schemeClr>
+                </a:solidFill>
+                <a:latin typeface="+mn-lt"/>
+                <a:ea typeface="+mn-ea"/>
+                <a:cs typeface="+mn-cs"/>
+              </a:rPr>
+              <a:t>© 2021 Fairfield &amp; Company</a:t>
+            </a:r>
+          </a:p>
+        </p:txBody>
+      </p:sp>
     </p:spTree>
     <p:extLst>
       <p:ext uri="{BB962C8B-B14F-4D97-AF65-F5344CB8AC3E}">
@@ -19311,6 +22547,21 @@
 <file path=ppt/slides/slide37.xml><?xml version="1.0" encoding="utf-8"?>
 <p:sld xmlns:a="http://schemas.openxmlformats.org/drawingml/2006/main" xmlns:r="http://schemas.openxmlformats.org/officeDocument/2006/relationships" xmlns:p="http://schemas.openxmlformats.org/presentationml/2006/main">
   <p:cSld>
+    <p:bg>
+      <p:bgPr>
+        <a:blipFill dpi="0" rotWithShape="1">
+          <a:blip r:embed="rId3">
+            <a:alphaModFix amt="15000"/>
+            <a:lum/>
+          </a:blip>
+          <a:srcRect/>
+          <a:stretch>
+            <a:fillRect t="-10000" b="-10000"/>
+          </a:stretch>
+        </a:blipFill>
+        <a:effectLst/>
+      </p:bgPr>
+    </p:bg>
     <p:spTree>
       <p:nvGrpSpPr>
         <p:cNvPr id="1" name=""/>
@@ -20207,6 +23458,56 @@
           </a:fontRef>
         </p:style>
       </p:cxnSp>
+      <p:sp>
+        <p:nvSpPr>
+          <p:cNvPr id="21" name="Footer Placeholder 3">
+            <a:extLst>
+              <a:ext uri="{FF2B5EF4-FFF2-40B4-BE49-F238E27FC236}">
+                <a16:creationId xmlns:a16="http://schemas.microsoft.com/office/drawing/2014/main" id="{9A436EF9-BE0D-427D-B9BC-9996DC3DCEB0}"/>
+              </a:ext>
+            </a:extLst>
+          </p:cNvPr>
+          <p:cNvSpPr>
+            <a:spLocks noGrp="1"/>
+          </p:cNvSpPr>
+          <p:nvPr>
+            <p:ph type="ftr" sz="quarter" idx="11"/>
+          </p:nvPr>
+        </p:nvSpPr>
+        <p:spPr>
+          <a:xfrm>
+            <a:off x="86698" y="6492875"/>
+            <a:ext cx="1827092" cy="320040"/>
+          </a:xfrm>
+        </p:spPr>
+        <p:txBody>
+          <a:bodyPr vert="horz" lIns="91440" tIns="45720" rIns="91440" bIns="45720" rtlCol="0" anchor="ctr">
+            <a:normAutofit/>
+          </a:bodyPr>
+          <a:lstStyle/>
+          <a:p>
+            <a:pPr algn="l">
+              <a:spcAft>
+                <a:spcPts val="600"/>
+              </a:spcAft>
+              <a:defRPr/>
+            </a:pPr>
+            <a:r>
+              <a:rPr lang="en-US" sz="1000" kern="1200">
+                <a:solidFill>
+                  <a:schemeClr val="tx1">
+                    <a:tint val="75000"/>
+                  </a:schemeClr>
+                </a:solidFill>
+                <a:latin typeface="+mn-lt"/>
+                <a:ea typeface="+mn-ea"/>
+                <a:cs typeface="+mn-cs"/>
+              </a:rPr>
+              <a:t>© 2021 Fairfield &amp; Company</a:t>
+            </a:r>
+          </a:p>
+        </p:txBody>
+      </p:sp>
     </p:spTree>
     <p:extLst>
       <p:ext uri="{BB962C8B-B14F-4D97-AF65-F5344CB8AC3E}">
@@ -20223,6 +23524,21 @@
 <file path=ppt/slides/slide38.xml><?xml version="1.0" encoding="utf-8"?>
 <p:sld xmlns:a="http://schemas.openxmlformats.org/drawingml/2006/main" xmlns:r="http://schemas.openxmlformats.org/officeDocument/2006/relationships" xmlns:p="http://schemas.openxmlformats.org/presentationml/2006/main">
   <p:cSld>
+    <p:bg>
+      <p:bgPr>
+        <a:blipFill dpi="0" rotWithShape="1">
+          <a:blip r:embed="rId2">
+            <a:alphaModFix amt="15000"/>
+            <a:lum/>
+          </a:blip>
+          <a:srcRect/>
+          <a:stretch>
+            <a:fillRect t="-10000" b="-10000"/>
+          </a:stretch>
+        </a:blipFill>
+        <a:effectLst/>
+      </p:bgPr>
+    </p:bg>
     <p:spTree>
       <p:nvGrpSpPr>
         <p:cNvPr id="1" name=""/>
@@ -20395,6 +23711,56 @@
             <a:r>
               <a:rPr lang="en-US" dirty="0"/>
               <a:t>But I would have to make the changes manually.</a:t>
+            </a:r>
+          </a:p>
+        </p:txBody>
+      </p:sp>
+      <p:sp>
+        <p:nvSpPr>
+          <p:cNvPr id="6" name="Footer Placeholder 3">
+            <a:extLst>
+              <a:ext uri="{FF2B5EF4-FFF2-40B4-BE49-F238E27FC236}">
+                <a16:creationId xmlns:a16="http://schemas.microsoft.com/office/drawing/2014/main" id="{3C0A280F-CB82-4E25-9A5D-1E3EE9CDEEE2}"/>
+              </a:ext>
+            </a:extLst>
+          </p:cNvPr>
+          <p:cNvSpPr>
+            <a:spLocks noGrp="1"/>
+          </p:cNvSpPr>
+          <p:nvPr>
+            <p:ph type="ftr" sz="quarter" idx="11"/>
+          </p:nvPr>
+        </p:nvSpPr>
+        <p:spPr>
+          <a:xfrm>
+            <a:off x="86698" y="6492875"/>
+            <a:ext cx="1827092" cy="320040"/>
+          </a:xfrm>
+        </p:spPr>
+        <p:txBody>
+          <a:bodyPr vert="horz" lIns="91440" tIns="45720" rIns="91440" bIns="45720" rtlCol="0" anchor="ctr">
+            <a:normAutofit/>
+          </a:bodyPr>
+          <a:lstStyle/>
+          <a:p>
+            <a:pPr algn="l">
+              <a:spcAft>
+                <a:spcPts val="600"/>
+              </a:spcAft>
+              <a:defRPr/>
+            </a:pPr>
+            <a:r>
+              <a:rPr lang="en-US" sz="1000" kern="1200">
+                <a:solidFill>
+                  <a:schemeClr val="tx1">
+                    <a:tint val="75000"/>
+                  </a:schemeClr>
+                </a:solidFill>
+                <a:latin typeface="+mn-lt"/>
+                <a:ea typeface="+mn-ea"/>
+                <a:cs typeface="+mn-cs"/>
+              </a:rPr>
+              <a:t>© 2021 Fairfield &amp; Company</a:t>
             </a:r>
           </a:p>
         </p:txBody>
@@ -20415,6 +23781,21 @@
 <file path=ppt/slides/slide39.xml><?xml version="1.0" encoding="utf-8"?>
 <p:sld xmlns:a="http://schemas.openxmlformats.org/drawingml/2006/main" xmlns:r="http://schemas.openxmlformats.org/officeDocument/2006/relationships" xmlns:p="http://schemas.openxmlformats.org/presentationml/2006/main">
   <p:cSld>
+    <p:bg>
+      <p:bgPr>
+        <a:blipFill dpi="0" rotWithShape="1">
+          <a:blip r:embed="rId3">
+            <a:alphaModFix amt="15000"/>
+            <a:lum/>
+          </a:blip>
+          <a:srcRect/>
+          <a:stretch>
+            <a:fillRect t="-10000" b="-10000"/>
+          </a:stretch>
+        </a:blipFill>
+        <a:effectLst/>
+      </p:bgPr>
+    </p:bg>
     <p:spTree>
       <p:nvGrpSpPr>
         <p:cNvPr id="1" name=""/>
@@ -20790,8 +24171,8 @@
         </p:nvSpPr>
         <p:spPr>
           <a:xfrm>
-            <a:off x="6690732" y="5229922"/>
-            <a:ext cx="2514086" cy="369332"/>
+            <a:off x="6285371" y="5482838"/>
+            <a:ext cx="3631122" cy="369332"/>
           </a:xfrm>
           <a:prstGeom prst="rect">
             <a:avLst/>
@@ -20809,6 +24190,8 @@
                 <a:solidFill>
                   <a:srgbClr val="C00000"/>
                 </a:solidFill>
+                <a:latin typeface="Courier New" panose="02070309020205020404" pitchFamily="49" charset="0"/>
+                <a:cs typeface="Courier New" panose="02070309020205020404" pitchFamily="49" charset="0"/>
               </a:rPr>
               <a:t>$git checkout -- filename</a:t>
             </a:r>
@@ -20830,7 +24213,7 @@
         <p:spPr>
           <a:xfrm>
             <a:off x="698607" y="3546088"/>
-            <a:ext cx="3367668" cy="923330"/>
+            <a:ext cx="3367668" cy="1015663"/>
           </a:xfrm>
           <a:prstGeom prst="rect">
             <a:avLst/>
@@ -20844,12 +24227,150 @@
           <a:lstStyle/>
           <a:p>
             <a:r>
-              <a:rPr lang="en-US" dirty="0">
+              <a:rPr lang="en-US" sz="2000" dirty="0">
                 <a:solidFill>
                   <a:schemeClr val="accent1"/>
                 </a:solidFill>
               </a:rPr>
               <a:t>Checkout resets the contents of a file to match the currently staged version of that file</a:t>
+            </a:r>
+          </a:p>
+        </p:txBody>
+      </p:sp>
+      <p:sp>
+        <p:nvSpPr>
+          <p:cNvPr id="12" name="Footer Placeholder 3">
+            <a:extLst>
+              <a:ext uri="{FF2B5EF4-FFF2-40B4-BE49-F238E27FC236}">
+                <a16:creationId xmlns:a16="http://schemas.microsoft.com/office/drawing/2014/main" id="{5C654DE2-ABC1-40CB-B03D-B63B88CF0594}"/>
+              </a:ext>
+            </a:extLst>
+          </p:cNvPr>
+          <p:cNvSpPr txBox="1">
+            <a:spLocks/>
+          </p:cNvSpPr>
+          <p:nvPr/>
+        </p:nvSpPr>
+        <p:spPr>
+          <a:xfrm>
+            <a:off x="86698" y="6492875"/>
+            <a:ext cx="1827092" cy="320040"/>
+          </a:xfrm>
+          <a:prstGeom prst="rect">
+            <a:avLst/>
+          </a:prstGeom>
+        </p:spPr>
+        <p:txBody>
+          <a:bodyPr vert="horz" lIns="91440" tIns="45720" rIns="91440" bIns="45720" rtlCol="0" anchor="ctr">
+            <a:normAutofit/>
+          </a:bodyPr>
+          <a:lstStyle>
+            <a:defPPr>
+              <a:defRPr lang="en-US"/>
+            </a:defPPr>
+            <a:lvl1pPr marL="0" algn="ctr" defTabSz="914400" rtl="0" eaLnBrk="1" latinLnBrk="0" hangingPunct="1">
+              <a:defRPr sz="1200" kern="1200">
+                <a:solidFill>
+                  <a:schemeClr val="tx1">
+                    <a:tint val="75000"/>
+                  </a:schemeClr>
+                </a:solidFill>
+                <a:latin typeface="+mn-lt"/>
+                <a:ea typeface="+mn-ea"/>
+                <a:cs typeface="+mn-cs"/>
+              </a:defRPr>
+            </a:lvl1pPr>
+            <a:lvl2pPr marL="457200" algn="l" defTabSz="914400" rtl="0" eaLnBrk="1" latinLnBrk="0" hangingPunct="1">
+              <a:defRPr sz="1800" kern="1200">
+                <a:solidFill>
+                  <a:schemeClr val="tx1"/>
+                </a:solidFill>
+                <a:latin typeface="+mn-lt"/>
+                <a:ea typeface="+mn-ea"/>
+                <a:cs typeface="+mn-cs"/>
+              </a:defRPr>
+            </a:lvl2pPr>
+            <a:lvl3pPr marL="914400" algn="l" defTabSz="914400" rtl="0" eaLnBrk="1" latinLnBrk="0" hangingPunct="1">
+              <a:defRPr sz="1800" kern="1200">
+                <a:solidFill>
+                  <a:schemeClr val="tx1"/>
+                </a:solidFill>
+                <a:latin typeface="+mn-lt"/>
+                <a:ea typeface="+mn-ea"/>
+                <a:cs typeface="+mn-cs"/>
+              </a:defRPr>
+            </a:lvl3pPr>
+            <a:lvl4pPr marL="1371600" algn="l" defTabSz="914400" rtl="0" eaLnBrk="1" latinLnBrk="0" hangingPunct="1">
+              <a:defRPr sz="1800" kern="1200">
+                <a:solidFill>
+                  <a:schemeClr val="tx1"/>
+                </a:solidFill>
+                <a:latin typeface="+mn-lt"/>
+                <a:ea typeface="+mn-ea"/>
+                <a:cs typeface="+mn-cs"/>
+              </a:defRPr>
+            </a:lvl4pPr>
+            <a:lvl5pPr marL="1828800" algn="l" defTabSz="914400" rtl="0" eaLnBrk="1" latinLnBrk="0" hangingPunct="1">
+              <a:defRPr sz="1800" kern="1200">
+                <a:solidFill>
+                  <a:schemeClr val="tx1"/>
+                </a:solidFill>
+                <a:latin typeface="+mn-lt"/>
+                <a:ea typeface="+mn-ea"/>
+                <a:cs typeface="+mn-cs"/>
+              </a:defRPr>
+            </a:lvl5pPr>
+            <a:lvl6pPr marL="2286000" algn="l" defTabSz="914400" rtl="0" eaLnBrk="1" latinLnBrk="0" hangingPunct="1">
+              <a:defRPr sz="1800" kern="1200">
+                <a:solidFill>
+                  <a:schemeClr val="tx1"/>
+                </a:solidFill>
+                <a:latin typeface="+mn-lt"/>
+                <a:ea typeface="+mn-ea"/>
+                <a:cs typeface="+mn-cs"/>
+              </a:defRPr>
+            </a:lvl6pPr>
+            <a:lvl7pPr marL="2743200" algn="l" defTabSz="914400" rtl="0" eaLnBrk="1" latinLnBrk="0" hangingPunct="1">
+              <a:defRPr sz="1800" kern="1200">
+                <a:solidFill>
+                  <a:schemeClr val="tx1"/>
+                </a:solidFill>
+                <a:latin typeface="+mn-lt"/>
+                <a:ea typeface="+mn-ea"/>
+                <a:cs typeface="+mn-cs"/>
+              </a:defRPr>
+            </a:lvl7pPr>
+            <a:lvl8pPr marL="3200400" algn="l" defTabSz="914400" rtl="0" eaLnBrk="1" latinLnBrk="0" hangingPunct="1">
+              <a:defRPr sz="1800" kern="1200">
+                <a:solidFill>
+                  <a:schemeClr val="tx1"/>
+                </a:solidFill>
+                <a:latin typeface="+mn-lt"/>
+                <a:ea typeface="+mn-ea"/>
+                <a:cs typeface="+mn-cs"/>
+              </a:defRPr>
+            </a:lvl8pPr>
+            <a:lvl9pPr marL="3657600" algn="l" defTabSz="914400" rtl="0" eaLnBrk="1" latinLnBrk="0" hangingPunct="1">
+              <a:defRPr sz="1800" kern="1200">
+                <a:solidFill>
+                  <a:schemeClr val="tx1"/>
+                </a:solidFill>
+                <a:latin typeface="+mn-lt"/>
+                <a:ea typeface="+mn-ea"/>
+                <a:cs typeface="+mn-cs"/>
+              </a:defRPr>
+            </a:lvl9pPr>
+          </a:lstStyle>
+          <a:p>
+            <a:pPr algn="l">
+              <a:spcAft>
+                <a:spcPts val="600"/>
+              </a:spcAft>
+              <a:defRPr/>
+            </a:pPr>
+            <a:r>
+              <a:rPr lang="en-US" sz="1000"/>
+              <a:t>© 2021 Fairfield &amp; Company</a:t>
             </a:r>
           </a:p>
         </p:txBody>
@@ -20870,6 +24391,21 @@
 <file path=ppt/slides/slide4.xml><?xml version="1.0" encoding="utf-8"?>
 <p:sld xmlns:a="http://schemas.openxmlformats.org/drawingml/2006/main" xmlns:r="http://schemas.openxmlformats.org/officeDocument/2006/relationships" xmlns:p="http://schemas.openxmlformats.org/presentationml/2006/main">
   <p:cSld>
+    <p:bg>
+      <p:bgPr>
+        <a:blipFill dpi="0" rotWithShape="1">
+          <a:blip r:embed="rId2">
+            <a:alphaModFix amt="20000"/>
+            <a:lum/>
+          </a:blip>
+          <a:srcRect/>
+          <a:stretch>
+            <a:fillRect t="-10000" b="-10000"/>
+          </a:stretch>
+        </a:blipFill>
+        <a:effectLst/>
+      </p:bgPr>
+    </p:bg>
     <p:spTree>
       <p:nvGrpSpPr>
         <p:cNvPr id="1" name=""/>
@@ -20998,7 +24534,7 @@
         </p:nvSpPr>
         <p:spPr>
           <a:xfrm>
-            <a:off x="8681034" y="1589249"/>
+            <a:off x="8979613" y="1595504"/>
             <a:ext cx="2167848" cy="1015663"/>
           </a:xfrm>
           <a:prstGeom prst="rect">
@@ -21138,10 +24674,10 @@
           <p:nvPr/>
         </p:nvPicPr>
         <p:blipFill>
-          <a:blip r:embed="rId2">
+          <a:blip r:embed="rId3">
             <a:extLst>
               <a:ext uri="{837473B0-CC2E-450A-ABE3-18F120FF3D39}">
-                <a1611:picAttrSrcUrl xmlns:a1611="http://schemas.microsoft.com/office/drawing/2016/11/main" r:id="rId3"/>
+                <a1611:picAttrSrcUrl xmlns:a1611="http://schemas.microsoft.com/office/drawing/2016/11/main" r:id="rId4"/>
               </a:ext>
             </a:extLst>
           </a:blip>
@@ -21174,10 +24710,10 @@
           <p:nvPr/>
         </p:nvPicPr>
         <p:blipFill>
-          <a:blip r:embed="rId4">
+          <a:blip r:embed="rId5">
             <a:extLst>
               <a:ext uri="{837473B0-CC2E-450A-ABE3-18F120FF3D39}">
-                <a1611:picAttrSrcUrl xmlns:a1611="http://schemas.microsoft.com/office/drawing/2016/11/main" r:id="rId5"/>
+                <a1611:picAttrSrcUrl xmlns:a1611="http://schemas.microsoft.com/office/drawing/2016/11/main" r:id="rId6"/>
               </a:ext>
             </a:extLst>
           </a:blip>
@@ -21195,6 +24731,39 @@
           </a:prstGeom>
         </p:spPr>
       </p:pic>
+      <p:sp>
+        <p:nvSpPr>
+          <p:cNvPr id="3" name="Footer Placeholder 2">
+            <a:extLst>
+              <a:ext uri="{FF2B5EF4-FFF2-40B4-BE49-F238E27FC236}">
+                <a16:creationId xmlns:a16="http://schemas.microsoft.com/office/drawing/2014/main" id="{E7789197-3BA8-4F90-85BD-CC69F9C79B7A}"/>
+              </a:ext>
+            </a:extLst>
+          </p:cNvPr>
+          <p:cNvSpPr>
+            <a:spLocks noGrp="1"/>
+          </p:cNvSpPr>
+          <p:nvPr>
+            <p:ph type="ftr" sz="quarter" idx="11"/>
+          </p:nvPr>
+        </p:nvSpPr>
+        <p:spPr>
+          <a:xfrm>
+            <a:off x="86033" y="6311900"/>
+            <a:ext cx="2598174" cy="365125"/>
+          </a:xfrm>
+        </p:spPr>
+        <p:txBody>
+          <a:bodyPr/>
+          <a:lstStyle/>
+          <a:p>
+            <a:r>
+              <a:rPr lang="en-US"/>
+              <a:t>© 2021 Fairfield &amp; Company</a:t>
+            </a:r>
+          </a:p>
+        </p:txBody>
+      </p:sp>
     </p:spTree>
     <p:extLst>
       <p:ext uri="{BB962C8B-B14F-4D97-AF65-F5344CB8AC3E}">
@@ -21211,6 +24780,21 @@
 <file path=ppt/slides/slide40.xml><?xml version="1.0" encoding="utf-8"?>
 <p:sld xmlns:a="http://schemas.openxmlformats.org/drawingml/2006/main" xmlns:r="http://schemas.openxmlformats.org/officeDocument/2006/relationships" xmlns:p="http://schemas.openxmlformats.org/presentationml/2006/main">
   <p:cSld>
+    <p:bg>
+      <p:bgPr>
+        <a:blipFill dpi="0" rotWithShape="1">
+          <a:blip r:embed="rId2">
+            <a:alphaModFix amt="15000"/>
+            <a:lum/>
+          </a:blip>
+          <a:srcRect/>
+          <a:stretch>
+            <a:fillRect t="-10000" b="-10000"/>
+          </a:stretch>
+        </a:blipFill>
+        <a:effectLst/>
+      </p:bgPr>
+    </p:bg>
     <p:spTree>
       <p:nvGrpSpPr>
         <p:cNvPr id="1" name=""/>
@@ -21388,6 +24972,56 @@
             <a:r>
               <a:rPr lang="en-US" dirty="0"/>
               <a:t>Will reset the contents of a file in the staging area to the contents of that file in the local repository</a:t>
+            </a:r>
+          </a:p>
+        </p:txBody>
+      </p:sp>
+      <p:sp>
+        <p:nvSpPr>
+          <p:cNvPr id="6" name="Footer Placeholder 3">
+            <a:extLst>
+              <a:ext uri="{FF2B5EF4-FFF2-40B4-BE49-F238E27FC236}">
+                <a16:creationId xmlns:a16="http://schemas.microsoft.com/office/drawing/2014/main" id="{3C112F8F-D8C1-4AE6-ADE0-1398EDE548E6}"/>
+              </a:ext>
+            </a:extLst>
+          </p:cNvPr>
+          <p:cNvSpPr>
+            <a:spLocks noGrp="1"/>
+          </p:cNvSpPr>
+          <p:nvPr>
+            <p:ph type="ftr" sz="quarter" idx="11"/>
+          </p:nvPr>
+        </p:nvSpPr>
+        <p:spPr>
+          <a:xfrm>
+            <a:off x="86698" y="6492875"/>
+            <a:ext cx="1827092" cy="320040"/>
+          </a:xfrm>
+        </p:spPr>
+        <p:txBody>
+          <a:bodyPr vert="horz" lIns="91440" tIns="45720" rIns="91440" bIns="45720" rtlCol="0" anchor="ctr">
+            <a:normAutofit/>
+          </a:bodyPr>
+          <a:lstStyle/>
+          <a:p>
+            <a:pPr algn="l">
+              <a:spcAft>
+                <a:spcPts val="600"/>
+              </a:spcAft>
+              <a:defRPr/>
+            </a:pPr>
+            <a:r>
+              <a:rPr lang="en-US" sz="1000" kern="1200">
+                <a:solidFill>
+                  <a:schemeClr val="tx1">
+                    <a:tint val="75000"/>
+                  </a:schemeClr>
+                </a:solidFill>
+                <a:latin typeface="+mn-lt"/>
+                <a:ea typeface="+mn-ea"/>
+                <a:cs typeface="+mn-cs"/>
+              </a:rPr>
+              <a:t>© 2021 Fairfield &amp; Company</a:t>
             </a:r>
           </a:p>
         </p:txBody>
@@ -21408,6 +25042,21 @@
 <file path=ppt/slides/slide41.xml><?xml version="1.0" encoding="utf-8"?>
 <p:sld xmlns:a="http://schemas.openxmlformats.org/drawingml/2006/main" xmlns:r="http://schemas.openxmlformats.org/officeDocument/2006/relationships" xmlns:p="http://schemas.openxmlformats.org/presentationml/2006/main">
   <p:cSld>
+    <p:bg>
+      <p:bgPr>
+        <a:blipFill dpi="0" rotWithShape="1">
+          <a:blip r:embed="rId3">
+            <a:alphaModFix amt="15000"/>
+            <a:lum/>
+          </a:blip>
+          <a:srcRect/>
+          <a:stretch>
+            <a:fillRect t="-10000" b="-10000"/>
+          </a:stretch>
+        </a:blipFill>
+        <a:effectLst/>
+      </p:bgPr>
+    </p:bg>
     <p:spTree>
       <p:nvGrpSpPr>
         <p:cNvPr id="1" name=""/>
@@ -22396,6 +26045,56 @@
                 </a:solidFill>
               </a:rPr>
               <a:t>$git reset HEAD filename</a:t>
+            </a:r>
+          </a:p>
+        </p:txBody>
+      </p:sp>
+      <p:sp>
+        <p:nvSpPr>
+          <p:cNvPr id="27" name="Footer Placeholder 3">
+            <a:extLst>
+              <a:ext uri="{FF2B5EF4-FFF2-40B4-BE49-F238E27FC236}">
+                <a16:creationId xmlns:a16="http://schemas.microsoft.com/office/drawing/2014/main" id="{7FDF1EAC-EAEE-46FF-B037-83C481CD34C6}"/>
+              </a:ext>
+            </a:extLst>
+          </p:cNvPr>
+          <p:cNvSpPr>
+            <a:spLocks noGrp="1"/>
+          </p:cNvSpPr>
+          <p:nvPr>
+            <p:ph type="ftr" sz="quarter" idx="11"/>
+          </p:nvPr>
+        </p:nvSpPr>
+        <p:spPr>
+          <a:xfrm>
+            <a:off x="86698" y="6492875"/>
+            <a:ext cx="1827092" cy="320040"/>
+          </a:xfrm>
+        </p:spPr>
+        <p:txBody>
+          <a:bodyPr vert="horz" lIns="91440" tIns="45720" rIns="91440" bIns="45720" rtlCol="0" anchor="ctr">
+            <a:normAutofit/>
+          </a:bodyPr>
+          <a:lstStyle/>
+          <a:p>
+            <a:pPr algn="l">
+              <a:spcAft>
+                <a:spcPts val="600"/>
+              </a:spcAft>
+              <a:defRPr/>
+            </a:pPr>
+            <a:r>
+              <a:rPr lang="en-US" sz="1000" kern="1200">
+                <a:solidFill>
+                  <a:schemeClr val="tx1">
+                    <a:tint val="75000"/>
+                  </a:schemeClr>
+                </a:solidFill>
+                <a:latin typeface="+mn-lt"/>
+                <a:ea typeface="+mn-ea"/>
+                <a:cs typeface="+mn-cs"/>
+              </a:rPr>
+              <a:t>© 2021 Fairfield &amp; Company</a:t>
             </a:r>
           </a:p>
         </p:txBody>
@@ -22898,8 +26597,8 @@
         </p:nvSpPr>
         <p:spPr>
           <a:xfrm>
-            <a:off x="6094503" y="1864368"/>
-            <a:ext cx="4977578" cy="3639289"/>
+            <a:off x="6094502" y="1864368"/>
+            <a:ext cx="5104439" cy="3639289"/>
           </a:xfrm>
         </p:spPr>
         <p:txBody>
@@ -22989,7 +26688,27 @@
                 <a:latin typeface="Courier New" panose="02070309020205020404" pitchFamily="49" charset="0"/>
                 <a:cs typeface="Courier New" panose="02070309020205020404" pitchFamily="49" charset="0"/>
               </a:rPr>
-              <a:t>$git add remote &lt;</a:t>
+              <a:t>$</a:t>
+            </a:r>
+            <a:r>
+              <a:rPr lang="en-US" sz="3100">
+                <a:solidFill>
+                  <a:srgbClr val="C00000"/>
+                </a:solidFill>
+                <a:latin typeface="Courier New" panose="02070309020205020404" pitchFamily="49" charset="0"/>
+                <a:cs typeface="Courier New" panose="02070309020205020404" pitchFamily="49" charset="0"/>
+              </a:rPr>
+              <a:t>git remote add origin </a:t>
+            </a:r>
+            <a:r>
+              <a:rPr lang="en-US" sz="3100" dirty="0">
+                <a:solidFill>
+                  <a:srgbClr val="C00000"/>
+                </a:solidFill>
+                <a:latin typeface="Courier New" panose="02070309020205020404" pitchFamily="49" charset="0"/>
+                <a:cs typeface="Courier New" panose="02070309020205020404" pitchFamily="49" charset="0"/>
+              </a:rPr>
+              <a:t>&lt;</a:t>
             </a:r>
             <a:r>
               <a:rPr lang="en-US" sz="3100" dirty="0" err="1">
@@ -23009,7 +26728,74 @@
                 <a:latin typeface="Courier New" panose="02070309020205020404" pitchFamily="49" charset="0"/>
                 <a:cs typeface="Courier New" panose="02070309020205020404" pitchFamily="49" charset="0"/>
               </a:rPr>
-              <a:t> of remote&gt;</a:t>
+              <a:t> </a:t>
+            </a:r>
+            <a:r>
+              <a:rPr lang="en-US" sz="3100">
+                <a:solidFill>
+                  <a:srgbClr val="C00000"/>
+                </a:solidFill>
+                <a:latin typeface="Courier New" panose="02070309020205020404" pitchFamily="49" charset="0"/>
+                <a:cs typeface="Courier New" panose="02070309020205020404" pitchFamily="49" charset="0"/>
+              </a:rPr>
+              <a:t>of remote repository&gt;</a:t>
+            </a:r>
+            <a:endParaRPr lang="en-US" sz="3100" dirty="0">
+              <a:solidFill>
+                <a:srgbClr val="C00000"/>
+              </a:solidFill>
+              <a:latin typeface="Courier New" panose="02070309020205020404" pitchFamily="49" charset="0"/>
+              <a:cs typeface="Courier New" panose="02070309020205020404" pitchFamily="49" charset="0"/>
+            </a:endParaRPr>
+          </a:p>
+        </p:txBody>
+      </p:sp>
+      <p:sp>
+        <p:nvSpPr>
+          <p:cNvPr id="9" name="Footer Placeholder 3">
+            <a:extLst>
+              <a:ext uri="{FF2B5EF4-FFF2-40B4-BE49-F238E27FC236}">
+                <a16:creationId xmlns:a16="http://schemas.microsoft.com/office/drawing/2014/main" id="{9EEC694C-42C5-4A45-B085-CD4E5DC5F68B}"/>
+              </a:ext>
+            </a:extLst>
+          </p:cNvPr>
+          <p:cNvSpPr>
+            <a:spLocks noGrp="1"/>
+          </p:cNvSpPr>
+          <p:nvPr>
+            <p:ph type="ftr" sz="quarter" idx="11"/>
+          </p:nvPr>
+        </p:nvSpPr>
+        <p:spPr>
+          <a:xfrm>
+            <a:off x="86698" y="6492875"/>
+            <a:ext cx="1827092" cy="320040"/>
+          </a:xfrm>
+        </p:spPr>
+        <p:txBody>
+          <a:bodyPr vert="horz" lIns="91440" tIns="45720" rIns="91440" bIns="45720" rtlCol="0" anchor="ctr">
+            <a:normAutofit/>
+          </a:bodyPr>
+          <a:lstStyle/>
+          <a:p>
+            <a:pPr algn="l">
+              <a:spcAft>
+                <a:spcPts val="600"/>
+              </a:spcAft>
+              <a:defRPr/>
+            </a:pPr>
+            <a:r>
+              <a:rPr lang="en-US" sz="1000" kern="1200">
+                <a:solidFill>
+                  <a:schemeClr val="tx1">
+                    <a:tint val="75000"/>
+                  </a:schemeClr>
+                </a:solidFill>
+                <a:latin typeface="+mn-lt"/>
+                <a:ea typeface="+mn-ea"/>
+                <a:cs typeface="+mn-cs"/>
+              </a:rPr>
+              <a:t>© 2021 Fairfield &amp; Company</a:t>
             </a:r>
           </a:p>
         </p:txBody>
@@ -23621,6 +27407,9 @@
           </a:bodyPr>
           <a:lstStyle/>
           <a:p>
+            <a:pPr marL="0" indent="0">
+              <a:buNone/>
+            </a:pPr>
             <a:r>
               <a:rPr lang="en-US" dirty="0">
                 <a:solidFill>
@@ -23829,6 +27618,56 @@
           </a:fontRef>
         </p:style>
       </p:cxnSp>
+      <p:sp>
+        <p:nvSpPr>
+          <p:cNvPr id="11" name="Footer Placeholder 3">
+            <a:extLst>
+              <a:ext uri="{FF2B5EF4-FFF2-40B4-BE49-F238E27FC236}">
+                <a16:creationId xmlns:a16="http://schemas.microsoft.com/office/drawing/2014/main" id="{C9D4CFC8-4F75-4772-AD77-2B12D49C453D}"/>
+              </a:ext>
+            </a:extLst>
+          </p:cNvPr>
+          <p:cNvSpPr>
+            <a:spLocks noGrp="1"/>
+          </p:cNvSpPr>
+          <p:nvPr>
+            <p:ph type="ftr" sz="quarter" idx="11"/>
+          </p:nvPr>
+        </p:nvSpPr>
+        <p:spPr>
+          <a:xfrm>
+            <a:off x="86698" y="6492875"/>
+            <a:ext cx="1827092" cy="320040"/>
+          </a:xfrm>
+        </p:spPr>
+        <p:txBody>
+          <a:bodyPr vert="horz" lIns="91440" tIns="45720" rIns="91440" bIns="45720" rtlCol="0" anchor="ctr">
+            <a:normAutofit/>
+          </a:bodyPr>
+          <a:lstStyle/>
+          <a:p>
+            <a:pPr algn="l">
+              <a:spcAft>
+                <a:spcPts val="600"/>
+              </a:spcAft>
+              <a:defRPr/>
+            </a:pPr>
+            <a:r>
+              <a:rPr lang="en-US" sz="1000" kern="1200">
+                <a:solidFill>
+                  <a:schemeClr val="tx1">
+                    <a:tint val="75000"/>
+                  </a:schemeClr>
+                </a:solidFill>
+                <a:latin typeface="+mn-lt"/>
+                <a:ea typeface="+mn-ea"/>
+                <a:cs typeface="+mn-cs"/>
+              </a:rPr>
+              <a:t>© 2021 Fairfield &amp; Company</a:t>
+            </a:r>
+          </a:p>
+        </p:txBody>
+      </p:sp>
     </p:spTree>
     <p:extLst>
       <p:ext uri="{BB962C8B-B14F-4D97-AF65-F5344CB8AC3E}">
@@ -23916,6 +27755,144 @@
           </a:xfrm>
         </p:spPr>
       </p:pic>
+      <p:sp>
+        <p:nvSpPr>
+          <p:cNvPr id="6" name="Footer Placeholder 3">
+            <a:extLst>
+              <a:ext uri="{FF2B5EF4-FFF2-40B4-BE49-F238E27FC236}">
+                <a16:creationId xmlns:a16="http://schemas.microsoft.com/office/drawing/2014/main" id="{3A73A19B-5DBC-4BF9-A51C-DE043E74B549}"/>
+              </a:ext>
+            </a:extLst>
+          </p:cNvPr>
+          <p:cNvSpPr txBox="1">
+            <a:spLocks/>
+          </p:cNvSpPr>
+          <p:nvPr/>
+        </p:nvSpPr>
+        <p:spPr>
+          <a:xfrm>
+            <a:off x="86698" y="6492875"/>
+            <a:ext cx="1827092" cy="320040"/>
+          </a:xfrm>
+          <a:prstGeom prst="rect">
+            <a:avLst/>
+          </a:prstGeom>
+        </p:spPr>
+        <p:txBody>
+          <a:bodyPr vert="horz" lIns="91440" tIns="45720" rIns="91440" bIns="45720" rtlCol="0" anchor="ctr">
+            <a:normAutofit/>
+          </a:bodyPr>
+          <a:lstStyle>
+            <a:defPPr>
+              <a:defRPr lang="en-US"/>
+            </a:defPPr>
+            <a:lvl1pPr marL="0" algn="ctr" defTabSz="914400" rtl="0" eaLnBrk="1" latinLnBrk="0" hangingPunct="1">
+              <a:defRPr sz="1200" kern="1200">
+                <a:solidFill>
+                  <a:schemeClr val="tx1">
+                    <a:tint val="75000"/>
+                  </a:schemeClr>
+                </a:solidFill>
+                <a:latin typeface="+mn-lt"/>
+                <a:ea typeface="+mn-ea"/>
+                <a:cs typeface="+mn-cs"/>
+              </a:defRPr>
+            </a:lvl1pPr>
+            <a:lvl2pPr marL="457200" algn="l" defTabSz="914400" rtl="0" eaLnBrk="1" latinLnBrk="0" hangingPunct="1">
+              <a:defRPr sz="1800" kern="1200">
+                <a:solidFill>
+                  <a:schemeClr val="tx1"/>
+                </a:solidFill>
+                <a:latin typeface="+mn-lt"/>
+                <a:ea typeface="+mn-ea"/>
+                <a:cs typeface="+mn-cs"/>
+              </a:defRPr>
+            </a:lvl2pPr>
+            <a:lvl3pPr marL="914400" algn="l" defTabSz="914400" rtl="0" eaLnBrk="1" latinLnBrk="0" hangingPunct="1">
+              <a:defRPr sz="1800" kern="1200">
+                <a:solidFill>
+                  <a:schemeClr val="tx1"/>
+                </a:solidFill>
+                <a:latin typeface="+mn-lt"/>
+                <a:ea typeface="+mn-ea"/>
+                <a:cs typeface="+mn-cs"/>
+              </a:defRPr>
+            </a:lvl3pPr>
+            <a:lvl4pPr marL="1371600" algn="l" defTabSz="914400" rtl="0" eaLnBrk="1" latinLnBrk="0" hangingPunct="1">
+              <a:defRPr sz="1800" kern="1200">
+                <a:solidFill>
+                  <a:schemeClr val="tx1"/>
+                </a:solidFill>
+                <a:latin typeface="+mn-lt"/>
+                <a:ea typeface="+mn-ea"/>
+                <a:cs typeface="+mn-cs"/>
+              </a:defRPr>
+            </a:lvl4pPr>
+            <a:lvl5pPr marL="1828800" algn="l" defTabSz="914400" rtl="0" eaLnBrk="1" latinLnBrk="0" hangingPunct="1">
+              <a:defRPr sz="1800" kern="1200">
+                <a:solidFill>
+                  <a:schemeClr val="tx1"/>
+                </a:solidFill>
+                <a:latin typeface="+mn-lt"/>
+                <a:ea typeface="+mn-ea"/>
+                <a:cs typeface="+mn-cs"/>
+              </a:defRPr>
+            </a:lvl5pPr>
+            <a:lvl6pPr marL="2286000" algn="l" defTabSz="914400" rtl="0" eaLnBrk="1" latinLnBrk="0" hangingPunct="1">
+              <a:defRPr sz="1800" kern="1200">
+                <a:solidFill>
+                  <a:schemeClr val="tx1"/>
+                </a:solidFill>
+                <a:latin typeface="+mn-lt"/>
+                <a:ea typeface="+mn-ea"/>
+                <a:cs typeface="+mn-cs"/>
+              </a:defRPr>
+            </a:lvl6pPr>
+            <a:lvl7pPr marL="2743200" algn="l" defTabSz="914400" rtl="0" eaLnBrk="1" latinLnBrk="0" hangingPunct="1">
+              <a:defRPr sz="1800" kern="1200">
+                <a:solidFill>
+                  <a:schemeClr val="tx1"/>
+                </a:solidFill>
+                <a:latin typeface="+mn-lt"/>
+                <a:ea typeface="+mn-ea"/>
+                <a:cs typeface="+mn-cs"/>
+              </a:defRPr>
+            </a:lvl7pPr>
+            <a:lvl8pPr marL="3200400" algn="l" defTabSz="914400" rtl="0" eaLnBrk="1" latinLnBrk="0" hangingPunct="1">
+              <a:defRPr sz="1800" kern="1200">
+                <a:solidFill>
+                  <a:schemeClr val="tx1"/>
+                </a:solidFill>
+                <a:latin typeface="+mn-lt"/>
+                <a:ea typeface="+mn-ea"/>
+                <a:cs typeface="+mn-cs"/>
+              </a:defRPr>
+            </a:lvl8pPr>
+            <a:lvl9pPr marL="3657600" algn="l" defTabSz="914400" rtl="0" eaLnBrk="1" latinLnBrk="0" hangingPunct="1">
+              <a:defRPr sz="1800" kern="1200">
+                <a:solidFill>
+                  <a:schemeClr val="tx1"/>
+                </a:solidFill>
+                <a:latin typeface="+mn-lt"/>
+                <a:ea typeface="+mn-ea"/>
+                <a:cs typeface="+mn-cs"/>
+              </a:defRPr>
+            </a:lvl9pPr>
+          </a:lstStyle>
+          <a:p>
+            <a:pPr algn="l">
+              <a:spcAft>
+                <a:spcPts val="600"/>
+              </a:spcAft>
+              <a:defRPr/>
+            </a:pPr>
+            <a:r>
+              <a:rPr lang="en-US" sz="1000"/>
+              <a:t>© 2021 Fairfield &amp; Company</a:t>
+            </a:r>
+          </a:p>
+        </p:txBody>
+      </p:sp>
     </p:spTree>
     <p:extLst>
       <p:ext uri="{BB962C8B-B14F-4D97-AF65-F5344CB8AC3E}">
@@ -23932,6 +27909,21 @@
 <file path=ppt/slides/slide5.xml><?xml version="1.0" encoding="utf-8"?>
 <p:sld xmlns:a="http://schemas.openxmlformats.org/drawingml/2006/main" xmlns:r="http://schemas.openxmlformats.org/officeDocument/2006/relationships" xmlns:p="http://schemas.openxmlformats.org/presentationml/2006/main">
   <p:cSld>
+    <p:bg>
+      <p:bgPr>
+        <a:blipFill dpi="0" rotWithShape="1">
+          <a:blip r:embed="rId3">
+            <a:alphaModFix amt="20000"/>
+            <a:lum/>
+          </a:blip>
+          <a:srcRect/>
+          <a:stretch>
+            <a:fillRect t="-10000" b="-10000"/>
+          </a:stretch>
+        </a:blipFill>
+        <a:effectLst/>
+      </p:bgPr>
+    </p:bg>
     <p:spTree>
       <p:nvGrpSpPr>
         <p:cNvPr id="1" name=""/>
@@ -23989,7 +27981,7 @@
         <p:spPr>
           <a:xfrm>
             <a:off x="1177247" y="4404142"/>
-            <a:ext cx="9306697" cy="1569660"/>
+            <a:ext cx="9306697" cy="1938992"/>
           </a:xfrm>
           <a:prstGeom prst="rect">
             <a:avLst/>
@@ -24016,13 +28008,14 @@
               <a:t>Create a directory for your new project (I named mine “</a:t>
             </a:r>
             <a:r>
-              <a:rPr lang="en-US" sz="2400" dirty="0" err="1"/>
+              <a:rPr lang="en-US" sz="2400" err="1"/>
               <a:t>gitProject</a:t>
             </a:r>
             <a:r>
-              <a:rPr lang="en-US" sz="2400" dirty="0"/>
-              <a:t>”)</a:t>
-            </a:r>
+              <a:rPr lang="en-US" sz="2400"/>
+              <a:t>”) (This step isn’t necessary if you already have a directory)</a:t>
+            </a:r>
+            <a:endParaRPr lang="en-US" sz="2400" dirty="0"/>
           </a:p>
           <a:p>
             <a:pPr marL="342900" indent="-342900">
@@ -24039,13 +28032,26 @@
             </a:pPr>
             <a:r>
               <a:rPr lang="en-US" sz="2400" dirty="0"/>
-              <a:t>Run $ git </a:t>
-            </a:r>
-            <a:r>
-              <a:rPr lang="en-US" sz="2400" dirty="0" err="1"/>
-              <a:t>init</a:t>
-            </a:r>
-            <a:endParaRPr lang="en-US" sz="2400" dirty="0"/>
+              <a:t>Run </a:t>
+            </a:r>
+            <a:r>
+              <a:rPr lang="en-US" sz="2400" dirty="0">
+                <a:latin typeface="Courier New" panose="02070309020205020404" pitchFamily="49" charset="0"/>
+                <a:cs typeface="Courier New" panose="02070309020205020404" pitchFamily="49" charset="0"/>
+              </a:rPr>
+              <a:t>$ </a:t>
+            </a:r>
+            <a:r>
+              <a:rPr lang="en-US" sz="2400">
+                <a:latin typeface="Courier New" panose="02070309020205020404" pitchFamily="49" charset="0"/>
+                <a:cs typeface="Courier New" panose="02070309020205020404" pitchFamily="49" charset="0"/>
+              </a:rPr>
+              <a:t>git init</a:t>
+            </a:r>
+            <a:endParaRPr lang="en-US" sz="2400" dirty="0">
+              <a:latin typeface="Courier New" panose="02070309020205020404" pitchFamily="49" charset="0"/>
+              <a:cs typeface="Courier New" panose="02070309020205020404" pitchFamily="49" charset="0"/>
+            </a:endParaRPr>
           </a:p>
         </p:txBody>
       </p:sp>
@@ -24064,7 +28070,7 @@
           <p:nvPr/>
         </p:nvPicPr>
         <p:blipFill>
-          <a:blip r:embed="rId3"/>
+          <a:blip r:embed="rId4"/>
           <a:stretch>
             <a:fillRect/>
           </a:stretch>
@@ -24395,6 +28401,56 @@
           <a:p>
             <a:pPr algn="ctr"/>
             <a:endParaRPr lang="en-US"/>
+          </a:p>
+        </p:txBody>
+      </p:sp>
+      <p:sp>
+        <p:nvSpPr>
+          <p:cNvPr id="13" name="Footer Placeholder 3">
+            <a:extLst>
+              <a:ext uri="{FF2B5EF4-FFF2-40B4-BE49-F238E27FC236}">
+                <a16:creationId xmlns:a16="http://schemas.microsoft.com/office/drawing/2014/main" id="{D58CC9F5-66F2-4C0C-9018-02542BDD347D}"/>
+              </a:ext>
+            </a:extLst>
+          </p:cNvPr>
+          <p:cNvSpPr>
+            <a:spLocks noGrp="1"/>
+          </p:cNvSpPr>
+          <p:nvPr>
+            <p:ph type="ftr" sz="quarter" idx="11"/>
+          </p:nvPr>
+        </p:nvSpPr>
+        <p:spPr>
+          <a:xfrm>
+            <a:off x="795528" y="6382512"/>
+            <a:ext cx="1827092" cy="320040"/>
+          </a:xfrm>
+        </p:spPr>
+        <p:txBody>
+          <a:bodyPr vert="horz" lIns="91440" tIns="45720" rIns="91440" bIns="45720" rtlCol="0" anchor="ctr">
+            <a:normAutofit/>
+          </a:bodyPr>
+          <a:lstStyle/>
+          <a:p>
+            <a:pPr algn="l">
+              <a:spcAft>
+                <a:spcPts val="600"/>
+              </a:spcAft>
+              <a:defRPr/>
+            </a:pPr>
+            <a:r>
+              <a:rPr lang="en-US" sz="1000" kern="1200">
+                <a:solidFill>
+                  <a:schemeClr val="tx1">
+                    <a:tint val="75000"/>
+                  </a:schemeClr>
+                </a:solidFill>
+                <a:latin typeface="+mn-lt"/>
+                <a:ea typeface="+mn-ea"/>
+                <a:cs typeface="+mn-cs"/>
+              </a:rPr>
+              <a:t>© 2021 Fairfield &amp; Company</a:t>
+            </a:r>
           </a:p>
         </p:txBody>
       </p:sp>
@@ -24804,6 +28860,14 @@
 <file path=ppt/slides/slide6.xml><?xml version="1.0" encoding="utf-8"?>
 <p:sld xmlns:a="http://schemas.openxmlformats.org/drawingml/2006/main" xmlns:r="http://schemas.openxmlformats.org/officeDocument/2006/relationships" xmlns:p="http://schemas.openxmlformats.org/presentationml/2006/main">
   <p:cSld>
+    <p:bg>
+      <p:bgPr>
+        <a:solidFill>
+          <a:schemeClr val="bg1"/>
+        </a:solidFill>
+        <a:effectLst/>
+      </p:bgPr>
+    </p:bg>
     <p:spTree>
       <p:nvGrpSpPr>
         <p:cNvPr id="1" name=""/>
@@ -24820,6 +28884,100 @@
       </p:grpSpPr>
       <p:sp>
         <p:nvSpPr>
+          <p:cNvPr id="11" name="Rectangle 10">
+            <a:extLst>
+              <a:ext uri="{FF2B5EF4-FFF2-40B4-BE49-F238E27FC236}">
+                <a16:creationId xmlns:a16="http://schemas.microsoft.com/office/drawing/2014/main" id="{4038CB10-1F5C-4D54-9DF7-12586DE5B007}"/>
+              </a:ext>
+              <a:ext uri="{C183D7F6-B498-43B3-948B-1728B52AA6E4}">
+                <adec:decorative xmlns:adec="http://schemas.microsoft.com/office/drawing/2017/decorative" val="1"/>
+              </a:ext>
+            </a:extLst>
+          </p:cNvPr>
+          <p:cNvSpPr>
+            <a:spLocks noGrp="1" noRot="1" noChangeAspect="1" noMove="1" noResize="1" noEditPoints="1" noAdjustHandles="1" noChangeArrowheads="1" noChangeShapeType="1" noTextEdit="1"/>
+          </p:cNvSpPr>
+          <p:nvPr>
+            <p:extLst>
+              <p:ext uri="{386F3935-93C4-4BCD-93E2-E3B085C9AB24}">
+                <p16:designElem xmlns:p16="http://schemas.microsoft.com/office/powerpoint/2015/main" val="1"/>
+              </p:ext>
+            </p:extLst>
+          </p:nvPr>
+        </p:nvSpPr>
+        <p:spPr>
+          <a:xfrm>
+            <a:off x="327546" y="321732"/>
+            <a:ext cx="7058307" cy="1964266"/>
+          </a:xfrm>
+          <a:prstGeom prst="rect">
+            <a:avLst/>
+          </a:prstGeom>
+          <a:solidFill>
+            <a:srgbClr val="562C62">
+              <a:alpha val="95000"/>
+            </a:srgbClr>
+          </a:solidFill>
+          <a:ln>
+            <a:noFill/>
+          </a:ln>
+        </p:spPr>
+        <p:style>
+          <a:lnRef idx="2">
+            <a:schemeClr val="accent1">
+              <a:shade val="50000"/>
+            </a:schemeClr>
+          </a:lnRef>
+          <a:fillRef idx="1">
+            <a:schemeClr val="accent1"/>
+          </a:fillRef>
+          <a:effectRef idx="0">
+            <a:schemeClr val="accent1"/>
+          </a:effectRef>
+          <a:fontRef idx="minor">
+            <a:schemeClr val="lt1"/>
+          </a:fontRef>
+        </p:style>
+        <p:txBody>
+          <a:bodyPr rtlCol="0" anchor="ctr"/>
+          <a:lstStyle/>
+          <a:p>
+            <a:pPr marL="0" marR="0" lvl="0" indent="0" algn="ctr" defTabSz="914400" rtl="0" eaLnBrk="1" fontAlgn="auto" latinLnBrk="0" hangingPunct="1">
+              <a:lnSpc>
+                <a:spcPct val="100000"/>
+              </a:lnSpc>
+              <a:spcBef>
+                <a:spcPts val="0"/>
+              </a:spcBef>
+              <a:spcAft>
+                <a:spcPts val="0"/>
+              </a:spcAft>
+              <a:buClrTx/>
+              <a:buSzTx/>
+              <a:buFontTx/>
+              <a:buNone/>
+              <a:tabLst/>
+              <a:defRPr/>
+            </a:pPr>
+            <a:endParaRPr kumimoji="0" lang="en-US" sz="1800" b="0" i="0" u="none" strike="noStrike" kern="1200" cap="none" spc="0" normalizeH="0" baseline="0" noProof="0">
+              <a:ln>
+                <a:noFill/>
+              </a:ln>
+              <a:solidFill>
+                <a:prstClr val="white"/>
+              </a:solidFill>
+              <a:effectLst/>
+              <a:uLnTx/>
+              <a:uFillTx/>
+              <a:latin typeface="Calibri" panose="020F0502020204030204"/>
+              <a:ea typeface="+mn-ea"/>
+              <a:cs typeface="+mn-cs"/>
+            </a:endParaRPr>
+          </a:p>
+        </p:txBody>
+      </p:sp>
+      <p:sp>
+        <p:nvSpPr>
           <p:cNvPr id="4" name="Title 3">
             <a:extLst>
               <a:ext uri="{FF2B5EF4-FFF2-40B4-BE49-F238E27FC236}">
@@ -24834,13 +28992,24 @@
             <p:ph type="title"/>
           </p:nvPr>
         </p:nvSpPr>
-        <p:spPr/>
-        <p:txBody>
-          <a:bodyPr/>
-          <a:lstStyle/>
-          <a:p>
-            <a:r>
-              <a:rPr lang="en-US" dirty="0"/>
+        <p:spPr>
+          <a:xfrm>
+            <a:off x="524256" y="491260"/>
+            <a:ext cx="6594189" cy="1625210"/>
+          </a:xfrm>
+        </p:spPr>
+        <p:txBody>
+          <a:bodyPr vert="horz" lIns="91440" tIns="45720" rIns="91440" bIns="45720" rtlCol="0" anchor="ctr">
+            <a:normAutofit/>
+          </a:bodyPr>
+          <a:lstStyle/>
+          <a:p>
+            <a:r>
+              <a:rPr lang="en-US">
+                <a:solidFill>
+                  <a:srgbClr val="FFFFFF"/>
+                </a:solidFill>
+              </a:rPr>
               <a:t>Behind the scenes …. Part 1</a:t>
             </a:r>
           </a:p>
@@ -24862,7 +29031,7 @@
             <p:ph sz="half" idx="1"/>
           </p:nvPr>
         </p:nvPicPr>
-        <p:blipFill>
+        <p:blipFill rotWithShape="1">
           <a:blip r:embed="rId2">
             <a:extLst>
               <a:ext uri="{837473B0-CC2E-450A-ABE3-18F120FF3D39}">
@@ -24870,17 +29039,162 @@
               </a:ext>
             </a:extLst>
           </a:blip>
-          <a:stretch>
-            <a:fillRect/>
-          </a:stretch>
+          <a:srcRect t="8425" r="-1" b="5535"/>
+          <a:stretch/>
         </p:blipFill>
         <p:spPr>
           <a:xfrm>
-            <a:off x="649177" y="2133600"/>
-            <a:ext cx="5079819" cy="3413003"/>
-          </a:xfrm>
+            <a:off x="327547" y="2454903"/>
+            <a:ext cx="7058306" cy="4080254"/>
+          </a:xfrm>
+          <a:prstGeom prst="rect">
+            <a:avLst/>
+          </a:prstGeom>
         </p:spPr>
       </p:pic>
+      <p:sp>
+        <p:nvSpPr>
+          <p:cNvPr id="2" name="Footer Placeholder 1">
+            <a:extLst>
+              <a:ext uri="{FF2B5EF4-FFF2-40B4-BE49-F238E27FC236}">
+                <a16:creationId xmlns:a16="http://schemas.microsoft.com/office/drawing/2014/main" id="{C7B67E3D-323D-4126-B9CA-688067CFBF71}"/>
+              </a:ext>
+            </a:extLst>
+          </p:cNvPr>
+          <p:cNvSpPr>
+            <a:spLocks noGrp="1"/>
+          </p:cNvSpPr>
+          <p:nvPr>
+            <p:ph type="ftr" sz="quarter" idx="11"/>
+          </p:nvPr>
+        </p:nvSpPr>
+        <p:spPr>
+          <a:xfrm>
+            <a:off x="524256" y="6535157"/>
+            <a:ext cx="6594189" cy="274320"/>
+          </a:xfrm>
+        </p:spPr>
+        <p:txBody>
+          <a:bodyPr vert="horz" lIns="91440" tIns="45720" rIns="91440" bIns="45720" rtlCol="0" anchor="ctr">
+            <a:normAutofit/>
+          </a:bodyPr>
+          <a:lstStyle/>
+          <a:p>
+            <a:pPr algn="l">
+              <a:spcAft>
+                <a:spcPts val="600"/>
+              </a:spcAft>
+              <a:defRPr/>
+            </a:pPr>
+            <a:r>
+              <a:rPr lang="en-US" sz="1050" kern="1200">
+                <a:solidFill>
+                  <a:schemeClr val="tx1">
+                    <a:lumMod val="50000"/>
+                    <a:lumOff val="50000"/>
+                  </a:schemeClr>
+                </a:solidFill>
+                <a:latin typeface="Calibri" panose="020F0502020204030204"/>
+                <a:ea typeface="+mn-ea"/>
+                <a:cs typeface="+mn-cs"/>
+              </a:rPr>
+              <a:t>© 2021 Fairfield &amp; Company</a:t>
+            </a:r>
+          </a:p>
+        </p:txBody>
+      </p:sp>
+      <p:sp>
+        <p:nvSpPr>
+          <p:cNvPr id="13" name="Rectangle 12">
+            <a:extLst>
+              <a:ext uri="{FF2B5EF4-FFF2-40B4-BE49-F238E27FC236}">
+                <a16:creationId xmlns:a16="http://schemas.microsoft.com/office/drawing/2014/main" id="{73ED6512-6858-4552-B699-9A97FE9A4EA2}"/>
+              </a:ext>
+              <a:ext uri="{C183D7F6-B498-43B3-948B-1728B52AA6E4}">
+                <adec:decorative xmlns:adec="http://schemas.microsoft.com/office/drawing/2017/decorative" val="1"/>
+              </a:ext>
+            </a:extLst>
+          </p:cNvPr>
+          <p:cNvSpPr>
+            <a:spLocks noGrp="1" noRot="1" noChangeAspect="1" noMove="1" noResize="1" noEditPoints="1" noAdjustHandles="1" noChangeArrowheads="1" noChangeShapeType="1" noTextEdit="1"/>
+          </p:cNvSpPr>
+          <p:nvPr>
+            <p:extLst>
+              <p:ext uri="{386F3935-93C4-4BCD-93E2-E3B085C9AB24}">
+                <p16:designElem xmlns:p16="http://schemas.microsoft.com/office/powerpoint/2015/main" val="1"/>
+              </p:ext>
+            </p:extLst>
+          </p:nvPr>
+        </p:nvSpPr>
+        <p:spPr>
+          <a:xfrm>
+            <a:off x="7556975" y="321732"/>
+            <a:ext cx="4313293" cy="6214534"/>
+          </a:xfrm>
+          <a:prstGeom prst="rect">
+            <a:avLst/>
+          </a:prstGeom>
+          <a:solidFill>
+            <a:srgbClr val="595959"/>
+          </a:solidFill>
+          <a:ln>
+            <a:noFill/>
+          </a:ln>
+        </p:spPr>
+        <p:style>
+          <a:lnRef idx="2">
+            <a:schemeClr val="accent1">
+              <a:shade val="50000"/>
+            </a:schemeClr>
+          </a:lnRef>
+          <a:fillRef idx="1">
+            <a:schemeClr val="accent1"/>
+          </a:fillRef>
+          <a:effectRef idx="0">
+            <a:schemeClr val="accent1"/>
+          </a:effectRef>
+          <a:fontRef idx="minor">
+            <a:schemeClr val="lt1"/>
+          </a:fontRef>
+        </p:style>
+        <p:txBody>
+          <a:bodyPr rtlCol="0" anchor="ctr"/>
+          <a:lstStyle/>
+          <a:p>
+            <a:pPr marL="0" marR="0" lvl="0" indent="0" algn="ctr" defTabSz="914400" rtl="0" eaLnBrk="1" fontAlgn="auto" latinLnBrk="0" hangingPunct="1">
+              <a:lnSpc>
+                <a:spcPct val="100000"/>
+              </a:lnSpc>
+              <a:spcBef>
+                <a:spcPts val="0"/>
+              </a:spcBef>
+              <a:spcAft>
+                <a:spcPts val="0"/>
+              </a:spcAft>
+              <a:buClrTx/>
+              <a:buSzTx/>
+              <a:buFontTx/>
+              <a:buNone/>
+              <a:tabLst/>
+              <a:defRPr/>
+            </a:pPr>
+            <a:endParaRPr kumimoji="0" lang="en-US" sz="1800" b="0" i="0" u="none" strike="noStrike" kern="1200" cap="none" spc="0" normalizeH="0" baseline="0" noProof="0">
+              <a:ln>
+                <a:noFill/>
+              </a:ln>
+              <a:solidFill>
+                <a:prstClr val="white"/>
+              </a:solidFill>
+              <a:effectLst/>
+              <a:uLnTx/>
+              <a:uFillTx/>
+              <a:latin typeface="Calibri" panose="020F0502020204030204"/>
+              <a:ea typeface="+mn-ea"/>
+              <a:cs typeface="+mn-cs"/>
+            </a:endParaRPr>
+          </a:p>
+        </p:txBody>
+      </p:sp>
       <p:sp>
         <p:nvSpPr>
           <p:cNvPr id="6" name="Content Placeholder 5">
@@ -24897,39 +29211,82 @@
             <p:ph sz="half" idx="2"/>
           </p:nvPr>
         </p:nvSpPr>
-        <p:spPr/>
-        <p:txBody>
-          <a:bodyPr/>
-          <a:lstStyle/>
-          <a:p>
-            <a:r>
-              <a:rPr lang="en-US" dirty="0"/>
-              <a:t>The git </a:t>
-            </a:r>
-            <a:r>
-              <a:rPr lang="en-US" dirty="0" err="1"/>
-              <a:t>init</a:t>
-            </a:r>
-            <a:r>
-              <a:rPr lang="en-US" dirty="0"/>
-              <a:t> command tells git that this directory should be tracked by git</a:t>
+        <p:spPr>
+          <a:xfrm>
+            <a:off x="8029319" y="917725"/>
+            <a:ext cx="3424739" cy="4852362"/>
+          </a:xfrm>
+        </p:spPr>
+        <p:txBody>
+          <a:bodyPr vert="horz" lIns="91440" tIns="45720" rIns="91440" bIns="45720" rtlCol="0" anchor="ctr">
+            <a:normAutofit/>
+          </a:bodyPr>
+          <a:lstStyle/>
+          <a:p>
+            <a:r>
+              <a:rPr lang="en-US" sz="2400">
+                <a:solidFill>
+                  <a:srgbClr val="FFFFFF"/>
+                </a:solidFill>
+              </a:rPr>
+              <a:t>The $</a:t>
+            </a:r>
+            <a:r>
+              <a:rPr lang="en-US" sz="2400">
+                <a:solidFill>
+                  <a:srgbClr val="FFFFFF"/>
+                </a:solidFill>
+                <a:latin typeface="Courier New" panose="02070309020205020404" pitchFamily="49" charset="0"/>
+                <a:cs typeface="Courier New" panose="02070309020205020404" pitchFamily="49" charset="0"/>
+              </a:rPr>
+              <a:t>git init </a:t>
+            </a:r>
+            <a:r>
+              <a:rPr lang="en-US" sz="2400">
+                <a:solidFill>
+                  <a:srgbClr val="FFFFFF"/>
+                </a:solidFill>
+              </a:rPr>
+              <a:t>command tells git that this directory should be tracked by git</a:t>
             </a:r>
             <a:br>
-              <a:rPr lang="en-US" dirty="0"/>
+              <a:rPr lang="en-US" sz="2400">
+                <a:solidFill>
+                  <a:srgbClr val="FFFFFF"/>
+                </a:solidFill>
+              </a:rPr>
             </a:br>
-            <a:endParaRPr lang="en-US" dirty="0"/>
-          </a:p>
-          <a:p>
-            <a:r>
-              <a:rPr lang="en-US" dirty="0"/>
+            <a:endParaRPr lang="en-US" sz="2400">
+              <a:solidFill>
+                <a:srgbClr val="FFFFFF"/>
+              </a:solidFill>
+            </a:endParaRPr>
+          </a:p>
+          <a:p>
+            <a:r>
+              <a:rPr lang="en-US" sz="2400">
+                <a:solidFill>
+                  <a:srgbClr val="FFFFFF"/>
+                </a:solidFill>
+              </a:rPr>
               <a:t>Git puts a hidden file (.git) into your directory</a:t>
             </a:r>
           </a:p>
           <a:p>
-            <a:pPr lvl="1"/>
-            <a:r>
-              <a:rPr lang="en-US" dirty="0"/>
-              <a:t>All of the changes will be recorded in this directory.</a:t>
+            <a:endParaRPr lang="en-US" sz="2000">
+              <a:solidFill>
+                <a:srgbClr val="FFFFFF"/>
+              </a:solidFill>
+            </a:endParaRPr>
+          </a:p>
+          <a:p>
+            <a:r>
+              <a:rPr lang="en-US" sz="2400">
+                <a:solidFill>
+                  <a:srgbClr val="FFFFFF"/>
+                </a:solidFill>
+              </a:rPr>
+              <a:t>All of the changes will be recorded in this file.</a:t>
             </a:r>
           </a:p>
         </p:txBody>
@@ -24950,6 +29307,21 @@
 <file path=ppt/slides/slide7.xml><?xml version="1.0" encoding="utf-8"?>
 <p:sld xmlns:a="http://schemas.openxmlformats.org/drawingml/2006/main" xmlns:r="http://schemas.openxmlformats.org/officeDocument/2006/relationships" xmlns:p="http://schemas.openxmlformats.org/presentationml/2006/main">
   <p:cSld>
+    <p:bg>
+      <p:bgPr>
+        <a:blipFill dpi="0" rotWithShape="1">
+          <a:blip r:embed="rId3">
+            <a:alphaModFix amt="20000"/>
+            <a:lum/>
+          </a:blip>
+          <a:srcRect/>
+          <a:stretch>
+            <a:fillRect t="-10000" b="-10000"/>
+          </a:stretch>
+        </a:blipFill>
+        <a:effectLst/>
+      </p:bgPr>
+    </p:bg>
     <p:spTree>
       <p:nvGrpSpPr>
         <p:cNvPr id="1" name=""/>
@@ -25531,6 +29903,39 @@
           </a:fontRef>
         </p:style>
       </p:cxnSp>
+      <p:sp>
+        <p:nvSpPr>
+          <p:cNvPr id="3" name="Footer Placeholder 2">
+            <a:extLst>
+              <a:ext uri="{FF2B5EF4-FFF2-40B4-BE49-F238E27FC236}">
+                <a16:creationId xmlns:a16="http://schemas.microsoft.com/office/drawing/2014/main" id="{DBF94E8B-14A1-443B-B33C-D1196B5B5C4D}"/>
+              </a:ext>
+            </a:extLst>
+          </p:cNvPr>
+          <p:cNvSpPr>
+            <a:spLocks noGrp="1"/>
+          </p:cNvSpPr>
+          <p:nvPr>
+            <p:ph type="ftr" sz="quarter" idx="11"/>
+          </p:nvPr>
+        </p:nvSpPr>
+        <p:spPr>
+          <a:xfrm>
+            <a:off x="195649" y="6310311"/>
+            <a:ext cx="2313803" cy="365125"/>
+          </a:xfrm>
+        </p:spPr>
+        <p:txBody>
+          <a:bodyPr/>
+          <a:lstStyle/>
+          <a:p>
+            <a:r>
+              <a:rPr lang="en-US"/>
+              <a:t>© 2021 Fairfield &amp; Company</a:t>
+            </a:r>
+          </a:p>
+        </p:txBody>
+      </p:sp>
     </p:spTree>
     <p:extLst>
       <p:ext uri="{BB962C8B-B14F-4D97-AF65-F5344CB8AC3E}">
@@ -25679,6 +30084,21 @@
 <file path=ppt/slides/slide8.xml><?xml version="1.0" encoding="utf-8"?>
 <p:sld xmlns:a="http://schemas.openxmlformats.org/drawingml/2006/main" xmlns:r="http://schemas.openxmlformats.org/officeDocument/2006/relationships" xmlns:p="http://schemas.openxmlformats.org/presentationml/2006/main">
   <p:cSld>
+    <p:bg>
+      <p:bgPr>
+        <a:blipFill dpi="0" rotWithShape="1">
+          <a:blip r:embed="rId3">
+            <a:alphaModFix amt="20000"/>
+            <a:lum/>
+          </a:blip>
+          <a:srcRect/>
+          <a:stretch>
+            <a:fillRect t="-10000" b="-10000"/>
+          </a:stretch>
+        </a:blipFill>
+        <a:effectLst/>
+      </p:bgPr>
+    </p:bg>
     <p:spTree>
       <p:nvGrpSpPr>
         <p:cNvPr id="1" name=""/>
@@ -26399,6 +30819,39 @@
           </a:fontRef>
         </p:style>
       </p:cxnSp>
+      <p:sp>
+        <p:nvSpPr>
+          <p:cNvPr id="19" name="Footer Placeholder 2">
+            <a:extLst>
+              <a:ext uri="{FF2B5EF4-FFF2-40B4-BE49-F238E27FC236}">
+                <a16:creationId xmlns:a16="http://schemas.microsoft.com/office/drawing/2014/main" id="{F58D52C7-6EE6-4E15-8715-19FCAC21D3D6}"/>
+              </a:ext>
+            </a:extLst>
+          </p:cNvPr>
+          <p:cNvSpPr>
+            <a:spLocks noGrp="1"/>
+          </p:cNvSpPr>
+          <p:nvPr>
+            <p:ph type="ftr" sz="quarter" idx="11"/>
+          </p:nvPr>
+        </p:nvSpPr>
+        <p:spPr>
+          <a:xfrm>
+            <a:off x="195649" y="6310311"/>
+            <a:ext cx="2313803" cy="365125"/>
+          </a:xfrm>
+        </p:spPr>
+        <p:txBody>
+          <a:bodyPr/>
+          <a:lstStyle/>
+          <a:p>
+            <a:r>
+              <a:rPr lang="en-US"/>
+              <a:t>© 2021 Fairfield &amp; Company</a:t>
+            </a:r>
+          </a:p>
+        </p:txBody>
+      </p:sp>
     </p:spTree>
     <p:extLst>
       <p:ext uri="{BB962C8B-B14F-4D97-AF65-F5344CB8AC3E}">
@@ -26677,6 +31130,21 @@
 <file path=ppt/slides/slide9.xml><?xml version="1.0" encoding="utf-8"?>
 <p:sld xmlns:a="http://schemas.openxmlformats.org/drawingml/2006/main" xmlns:r="http://schemas.openxmlformats.org/officeDocument/2006/relationships" xmlns:p="http://schemas.openxmlformats.org/presentationml/2006/main">
   <p:cSld>
+    <p:bg>
+      <p:bgPr>
+        <a:blipFill dpi="0" rotWithShape="1">
+          <a:blip r:embed="rId3">
+            <a:alphaModFix amt="20000"/>
+            <a:lum/>
+          </a:blip>
+          <a:srcRect/>
+          <a:stretch>
+            <a:fillRect t="-10000" b="-10000"/>
+          </a:stretch>
+        </a:blipFill>
+        <a:effectLst/>
+      </p:bgPr>
+    </p:bg>
     <p:spTree>
       <p:nvGrpSpPr>
         <p:cNvPr id="1" name=""/>
@@ -27350,6 +31818,39 @@
                 </a:solidFill>
               </a:rPr>
               <a:t>This contains files we want to share with others</a:t>
+            </a:r>
+          </a:p>
+        </p:txBody>
+      </p:sp>
+      <p:sp>
+        <p:nvSpPr>
+          <p:cNvPr id="19" name="Footer Placeholder 2">
+            <a:extLst>
+              <a:ext uri="{FF2B5EF4-FFF2-40B4-BE49-F238E27FC236}">
+                <a16:creationId xmlns:a16="http://schemas.microsoft.com/office/drawing/2014/main" id="{4DEBB6E9-86E8-4E2A-9396-843FBDAB1222}"/>
+              </a:ext>
+            </a:extLst>
+          </p:cNvPr>
+          <p:cNvSpPr>
+            <a:spLocks noGrp="1"/>
+          </p:cNvSpPr>
+          <p:nvPr>
+            <p:ph type="ftr" sz="quarter" idx="11"/>
+          </p:nvPr>
+        </p:nvSpPr>
+        <p:spPr>
+          <a:xfrm>
+            <a:off x="195649" y="6410278"/>
+            <a:ext cx="2313803" cy="365125"/>
+          </a:xfrm>
+        </p:spPr>
+        <p:txBody>
+          <a:bodyPr/>
+          <a:lstStyle/>
+          <a:p>
+            <a:r>
+              <a:rPr lang="en-US"/>
+              <a:t>© 2021 Fairfield &amp; Company</a:t>
             </a:r>
           </a:p>
         </p:txBody>
